--- a/ppt/chap-深度强化学习.pptx
+++ b/ppt/chap-深度强化学习.pptx
@@ -5,31 +5,45 @@
     <p:sldMasterId id="2147483756" r:id="rId1"/>
   </p:sldMasterIdLst>
   <p:notesMasterIdLst>
-    <p:notesMasterId r:id="rId24"/>
+    <p:notesMasterId r:id="rId38"/>
   </p:notesMasterIdLst>
   <p:sldIdLst>
     <p:sldId id="256" r:id="rId2"/>
-    <p:sldId id="857" r:id="rId3"/>
-    <p:sldId id="858" r:id="rId4"/>
-    <p:sldId id="859" r:id="rId5"/>
-    <p:sldId id="860" r:id="rId6"/>
-    <p:sldId id="1085" r:id="rId7"/>
-    <p:sldId id="861" r:id="rId8"/>
-    <p:sldId id="958" r:id="rId9"/>
-    <p:sldId id="959" r:id="rId10"/>
-    <p:sldId id="1078" r:id="rId11"/>
-    <p:sldId id="1079" r:id="rId12"/>
-    <p:sldId id="1080" r:id="rId13"/>
-    <p:sldId id="1081" r:id="rId14"/>
-    <p:sldId id="1082" r:id="rId15"/>
-    <p:sldId id="1083" r:id="rId16"/>
-    <p:sldId id="1084" r:id="rId17"/>
-    <p:sldId id="862" r:id="rId18"/>
-    <p:sldId id="957" r:id="rId19"/>
-    <p:sldId id="962" r:id="rId20"/>
-    <p:sldId id="960" r:id="rId21"/>
-    <p:sldId id="961" r:id="rId22"/>
-    <p:sldId id="447" r:id="rId23"/>
+    <p:sldId id="858" r:id="rId3"/>
+    <p:sldId id="857" r:id="rId4"/>
+    <p:sldId id="860" r:id="rId5"/>
+    <p:sldId id="859" r:id="rId6"/>
+    <p:sldId id="1087" r:id="rId7"/>
+    <p:sldId id="1089" r:id="rId8"/>
+    <p:sldId id="1088" r:id="rId9"/>
+    <p:sldId id="1086" r:id="rId10"/>
+    <p:sldId id="861" r:id="rId11"/>
+    <p:sldId id="1090" r:id="rId12"/>
+    <p:sldId id="958" r:id="rId13"/>
+    <p:sldId id="1094" r:id="rId14"/>
+    <p:sldId id="1091" r:id="rId15"/>
+    <p:sldId id="959" r:id="rId16"/>
+    <p:sldId id="1093" r:id="rId17"/>
+    <p:sldId id="1078" r:id="rId18"/>
+    <p:sldId id="1079" r:id="rId19"/>
+    <p:sldId id="1092" r:id="rId20"/>
+    <p:sldId id="1080" r:id="rId21"/>
+    <p:sldId id="1081" r:id="rId22"/>
+    <p:sldId id="1082" r:id="rId23"/>
+    <p:sldId id="1083" r:id="rId24"/>
+    <p:sldId id="1084" r:id="rId25"/>
+    <p:sldId id="957" r:id="rId26"/>
+    <p:sldId id="1095" r:id="rId27"/>
+    <p:sldId id="962" r:id="rId28"/>
+    <p:sldId id="1096" r:id="rId29"/>
+    <p:sldId id="960" r:id="rId30"/>
+    <p:sldId id="961" r:id="rId31"/>
+    <p:sldId id="1097" r:id="rId32"/>
+    <p:sldId id="1098" r:id="rId33"/>
+    <p:sldId id="1099" r:id="rId34"/>
+    <p:sldId id="1100" r:id="rId35"/>
+    <p:sldId id="1101" r:id="rId36"/>
+    <p:sldId id="447" r:id="rId37"/>
   </p:sldIdLst>
   <p:sldSz cx="9144000" cy="6858000" type="screen4x3"/>
   <p:notesSz cx="6858000" cy="9144000"/>
@@ -168,26 +182,40 @@
         </p14:section>
         <p14:section name="记忆与注意力机制" id="{264530B6-A138-4EE0-86A8-07E6F49B3B98}">
           <p14:sldIdLst>
+            <p14:sldId id="858"/>
             <p14:sldId id="857"/>
-            <p14:sldId id="858"/>
+            <p14:sldId id="860"/>
             <p14:sldId id="859"/>
-            <p14:sldId id="860"/>
-            <p14:sldId id="1085"/>
+            <p14:sldId id="1087"/>
+            <p14:sldId id="1089"/>
+            <p14:sldId id="1088"/>
+            <p14:sldId id="1086"/>
             <p14:sldId id="861"/>
+            <p14:sldId id="1090"/>
             <p14:sldId id="958"/>
+            <p14:sldId id="1094"/>
+            <p14:sldId id="1091"/>
             <p14:sldId id="959"/>
+            <p14:sldId id="1093"/>
             <p14:sldId id="1078"/>
             <p14:sldId id="1079"/>
+            <p14:sldId id="1092"/>
             <p14:sldId id="1080"/>
             <p14:sldId id="1081"/>
             <p14:sldId id="1082"/>
             <p14:sldId id="1083"/>
             <p14:sldId id="1084"/>
-            <p14:sldId id="862"/>
             <p14:sldId id="957"/>
+            <p14:sldId id="1095"/>
             <p14:sldId id="962"/>
+            <p14:sldId id="1096"/>
             <p14:sldId id="960"/>
             <p14:sldId id="961"/>
+            <p14:sldId id="1097"/>
+            <p14:sldId id="1098"/>
+            <p14:sldId id="1099"/>
+            <p14:sldId id="1100"/>
+            <p14:sldId id="1101"/>
             <p14:sldId id="447"/>
           </p14:sldIdLst>
         </p14:section>
@@ -317,7 +345,7 @@
               <a:pPr>
                 <a:defRPr/>
               </a:pPr>
-              <a:t>6/7/2018</a:t>
+              <a:t>6/13/2018</a:t>
             </a:fld>
             <a:endParaRPr lang="en-US" altLang="zh-CN"/>
           </a:p>
@@ -3625,26 +3653,42 @@
           <a:lstStyle/>
           <a:p>
             <a:r>
-              <a:rPr lang="zh-CN" altLang="en-US" dirty="0"/>
-              <a:t>策略</a:t>
-            </a:r>
-            <a:r>
-              <a:rPr lang="zh-CN" altLang="en-US" dirty="0" smtClean="0"/>
-              <a:t>迭代</a:t>
-            </a:r>
+              <a:rPr lang="en-US" altLang="zh-CN" dirty="0" smtClean="0"/>
+              <a:t>Bellman</a:t>
+            </a:r>
+            <a:r>
+              <a:rPr lang="zh-CN" altLang="en-US" dirty="0"/>
+              <a:t>方程</a:t>
+            </a:r>
+          </a:p>
+        </p:txBody>
+      </p:sp>
+      <p:sp>
+        <p:nvSpPr>
+          <p:cNvPr id="3" name="内容占位符 2"/>
+          <p:cNvSpPr>
+            <a:spLocks noGrp="1"/>
+          </p:cNvSpPr>
+          <p:nvPr>
+            <p:ph sz="quarter" idx="1"/>
+          </p:nvPr>
+        </p:nvSpPr>
+        <p:spPr/>
+        <p:txBody>
+          <a:bodyPr/>
+          <a:lstStyle/>
+          <a:p>
             <a:endParaRPr lang="zh-CN" altLang="en-US" dirty="0"/>
           </a:p>
         </p:txBody>
       </p:sp>
       <p:pic>
         <p:nvPicPr>
-          <p:cNvPr id="4" name="内容占位符 3" descr="屏幕剪辑"/>
+          <p:cNvPr id="5" name="图片 4" descr="屏幕剪辑"/>
           <p:cNvPicPr>
-            <a:picLocks noGrp="1" noChangeAspect="1"/>
+            <a:picLocks noChangeAspect="1"/>
           </p:cNvPicPr>
-          <p:nvPr>
-            <p:ph sz="quarter" idx="1"/>
-          </p:nvPr>
+          <p:nvPr/>
         </p:nvPicPr>
         <p:blipFill>
           <a:blip r:embed="rId2">
@@ -3660,21 +3704,31 @@
         </p:blipFill>
         <p:spPr>
           <a:xfrm>
-            <a:off x="2133600" y="1371600"/>
-            <a:ext cx="6108176" cy="4836679"/>
+            <a:off x="1189785" y="2242634"/>
+            <a:ext cx="6764430" cy="2890891"/>
           </a:xfrm>
+          <a:prstGeom prst="rect">
+            <a:avLst/>
+          </a:prstGeom>
         </p:spPr>
       </p:pic>
     </p:spTree>
     <p:extLst>
       <p:ext uri="{BB962C8B-B14F-4D97-AF65-F5344CB8AC3E}">
-        <p14:creationId xmlns:p14="http://schemas.microsoft.com/office/powerpoint/2010/main" val="1231184733"/>
+        <p14:creationId xmlns:p14="http://schemas.microsoft.com/office/powerpoint/2010/main" val="4128160136"/>
       </p:ext>
     </p:extLst>
   </p:cSld>
   <p:clrMapOvr>
     <a:masterClrMapping/>
   </p:clrMapOvr>
+  <p:timing>
+    <p:tnLst>
+      <p:par>
+        <p:cTn id="1" dur="indefinite" restart="never" nodeType="tmRoot"/>
+      </p:par>
+    </p:tnLst>
+  </p:timing>
 </p:sld>
 </file>
 
@@ -3712,25 +3766,128 @@
           <a:p>
             <a:r>
               <a:rPr lang="zh-CN" altLang="en-US" dirty="0"/>
-              <a:t>值</a:t>
+              <a:t>状态</a:t>
+            </a:r>
+            <a:r>
+              <a:rPr lang="en-US" altLang="zh-CN" dirty="0"/>
+              <a:t>-</a:t>
+            </a:r>
+            <a:r>
+              <a:rPr lang="zh-CN" altLang="en-US" dirty="0"/>
+              <a:t>动作值</a:t>
             </a:r>
             <a:r>
               <a:rPr lang="zh-CN" altLang="en-US" dirty="0" smtClean="0"/>
-              <a:t>迭代</a:t>
-            </a:r>
-            <a:endParaRPr lang="zh-CN" altLang="en-US" dirty="0"/>
+              <a:t>函数（</a:t>
+            </a:r>
+            <a:r>
+              <a:rPr lang="en-US" altLang="zh-CN" dirty="0"/>
+              <a:t> Q</a:t>
+            </a:r>
+            <a:r>
+              <a:rPr lang="zh-CN" altLang="en-US" dirty="0"/>
+              <a:t>函数）</a:t>
+            </a:r>
+          </a:p>
+        </p:txBody>
+      </p:sp>
+      <p:sp>
+        <p:nvSpPr>
+          <p:cNvPr id="3" name="内容占位符 2"/>
+          <p:cNvSpPr>
+            <a:spLocks noGrp="1"/>
+          </p:cNvSpPr>
+          <p:nvPr>
+            <p:ph sz="quarter" idx="1"/>
+          </p:nvPr>
+        </p:nvSpPr>
+        <p:spPr/>
+        <p:txBody>
+          <a:bodyPr/>
+          <a:lstStyle/>
+          <a:p>
+            <a:r>
+              <a:rPr lang="zh-CN" altLang="en-US" dirty="0"/>
+              <a:t>状态</a:t>
+            </a:r>
+            <a:r>
+              <a:rPr lang="en-US" altLang="zh-CN" dirty="0"/>
+              <a:t>-</a:t>
+            </a:r>
+            <a:r>
+              <a:rPr lang="zh-CN" altLang="en-US" dirty="0"/>
+              <a:t>动作值</a:t>
+            </a:r>
+            <a:r>
+              <a:rPr lang="zh-CN" altLang="en-US" dirty="0" smtClean="0"/>
+              <a:t>函数是指初始状态</a:t>
+            </a:r>
+            <a:r>
+              <a:rPr lang="zh-CN" altLang="en-US" dirty="0"/>
+              <a:t>为</a:t>
+            </a:r>
+            <a:r>
+              <a:rPr lang="en-US" altLang="zh-CN" dirty="0"/>
+              <a:t>s</a:t>
+            </a:r>
+            <a:r>
+              <a:rPr lang="zh-CN" altLang="en-US" dirty="0"/>
+              <a:t>并进行动作</a:t>
+            </a:r>
+            <a:r>
+              <a:rPr lang="en-US" altLang="zh-CN" dirty="0"/>
+              <a:t>a</a:t>
+            </a:r>
+            <a:r>
+              <a:rPr lang="zh-CN" altLang="en-US" dirty="0"/>
+              <a:t>，然后执行</a:t>
+            </a:r>
+            <a:r>
+              <a:rPr lang="zh-CN" altLang="en-US" dirty="0" smtClean="0"/>
+              <a:t>策略</a:t>
+            </a:r>
+            <a:r>
+              <a:rPr lang="el-GR" altLang="zh-CN" dirty="0"/>
+              <a:t>π</a:t>
+            </a:r>
+            <a:r>
+              <a:rPr lang="zh-CN" altLang="en-US" dirty="0"/>
+              <a:t>得到的期望总</a:t>
+            </a:r>
+            <a:r>
+              <a:rPr lang="zh-CN" altLang="en-US" dirty="0" smtClean="0"/>
+              <a:t>回报。</a:t>
+            </a:r>
+            <a:endParaRPr lang="en-US" altLang="zh-CN" dirty="0" smtClean="0"/>
+          </a:p>
+          <a:p>
+            <a:endParaRPr lang="en-US" altLang="zh-CN" dirty="0"/>
+          </a:p>
+          <a:p>
+            <a:endParaRPr lang="en-US" altLang="zh-CN" dirty="0" smtClean="0"/>
+          </a:p>
+          <a:p>
+            <a:endParaRPr lang="en-US" altLang="zh-CN" dirty="0"/>
+          </a:p>
+          <a:p>
+            <a:r>
+              <a:rPr lang="en-US" altLang="zh-CN" dirty="0"/>
+              <a:t>Q</a:t>
+            </a:r>
+            <a:r>
+              <a:rPr lang="zh-CN" altLang="en-US" dirty="0"/>
+              <a:t>函数的贝尔曼方程</a:t>
+            </a:r>
           </a:p>
         </p:txBody>
       </p:sp>
       <p:pic>
         <p:nvPicPr>
-          <p:cNvPr id="4" name="内容占位符 3" descr="屏幕剪辑"/>
+          <p:cNvPr id="4" name="图片 3" descr="屏幕剪辑"/>
           <p:cNvPicPr>
-            <a:picLocks noGrp="1" noChangeAspect="1"/>
+            <a:picLocks noChangeAspect="1"/>
           </p:cNvPicPr>
-          <p:nvPr>
-            <p:ph sz="quarter" idx="1"/>
-          </p:nvPr>
+          <p:nvPr/>
         </p:nvPicPr>
         <p:blipFill>
           <a:blip r:embed="rId2">
@@ -3746,15 +3903,48 @@
         </p:blipFill>
         <p:spPr>
           <a:xfrm>
-            <a:off x="1143000" y="1524000"/>
-            <a:ext cx="7315200" cy="4434841"/>
+            <a:off x="1676400" y="2438400"/>
+            <a:ext cx="5299144" cy="707578"/>
           </a:xfrm>
+          <a:prstGeom prst="rect">
+            <a:avLst/>
+          </a:prstGeom>
+        </p:spPr>
+      </p:pic>
+      <p:pic>
+        <p:nvPicPr>
+          <p:cNvPr id="5" name="图片 4" descr="屏幕剪辑"/>
+          <p:cNvPicPr>
+            <a:picLocks noChangeAspect="1"/>
+          </p:cNvPicPr>
+          <p:nvPr/>
+        </p:nvPicPr>
+        <p:blipFill>
+          <a:blip r:embed="rId3">
+            <a:extLst>
+              <a:ext uri="{28A0092B-C50C-407E-A947-70E740481C1C}">
+                <a14:useLocalDpi xmlns:a14="http://schemas.microsoft.com/office/drawing/2010/main" val="0"/>
+              </a:ext>
+            </a:extLst>
+          </a:blip>
+          <a:stretch>
+            <a:fillRect/>
+          </a:stretch>
+        </p:blipFill>
+        <p:spPr>
+          <a:xfrm>
+            <a:off x="914400" y="4800600"/>
+            <a:ext cx="7064502" cy="766215"/>
+          </a:xfrm>
+          <a:prstGeom prst="rect">
+            <a:avLst/>
+          </a:prstGeom>
         </p:spPr>
       </p:pic>
     </p:spTree>
     <p:extLst>
       <p:ext uri="{BB962C8B-B14F-4D97-AF65-F5344CB8AC3E}">
-        <p14:creationId xmlns:p14="http://schemas.microsoft.com/office/powerpoint/2010/main" val="229357192"/>
+        <p14:creationId xmlns:p14="http://schemas.microsoft.com/office/powerpoint/2010/main" val="2934426486"/>
       </p:ext>
     </p:extLst>
   </p:cSld>
@@ -3765,6 +3955,151 @@
 </file>
 
 <file path=ppt/slides/slide12.xml><?xml version="1.0" encoding="utf-8"?>
+<p:sld xmlns:a="http://schemas.openxmlformats.org/drawingml/2006/main" xmlns:r="http://schemas.openxmlformats.org/officeDocument/2006/relationships" xmlns:p="http://schemas.openxmlformats.org/presentationml/2006/main">
+  <p:cSld>
+    <p:spTree>
+      <p:nvGrpSpPr>
+        <p:cNvPr id="1" name=""/>
+        <p:cNvGrpSpPr/>
+        <p:nvPr/>
+      </p:nvGrpSpPr>
+      <p:grpSpPr>
+        <a:xfrm>
+          <a:off x="0" y="0"/>
+          <a:ext cx="0" cy="0"/>
+          <a:chOff x="0" y="0"/>
+          <a:chExt cx="0" cy="0"/>
+        </a:xfrm>
+      </p:grpSpPr>
+      <p:sp>
+        <p:nvSpPr>
+          <p:cNvPr id="3" name="标题 2"/>
+          <p:cNvSpPr>
+            <a:spLocks noGrp="1"/>
+          </p:cNvSpPr>
+          <p:nvPr>
+            <p:ph type="title"/>
+          </p:nvPr>
+        </p:nvSpPr>
+        <p:spPr/>
+        <p:txBody>
+          <a:bodyPr/>
+          <a:lstStyle/>
+          <a:p>
+            <a:r>
+              <a:rPr lang="zh-CN" altLang="en-US" dirty="0"/>
+              <a:t>最优策略</a:t>
+            </a:r>
+          </a:p>
+        </p:txBody>
+      </p:sp>
+      <p:sp>
+        <p:nvSpPr>
+          <p:cNvPr id="4" name="内容占位符 3"/>
+          <p:cNvSpPr>
+            <a:spLocks noGrp="1"/>
+          </p:cNvSpPr>
+          <p:nvPr>
+            <p:ph sz="quarter" idx="1"/>
+          </p:nvPr>
+        </p:nvSpPr>
+        <p:spPr/>
+        <p:txBody>
+          <a:bodyPr/>
+          <a:lstStyle/>
+          <a:p>
+            <a:r>
+              <a:rPr lang="zh-CN" altLang="en-US" dirty="0" smtClean="0"/>
+              <a:t>最优策略：存在</a:t>
+            </a:r>
+            <a:r>
+              <a:rPr lang="zh-CN" altLang="en-US" dirty="0"/>
+              <a:t>一个最优的策略</a:t>
+            </a:r>
+            <a:r>
+              <a:rPr lang="en-US" altLang="zh-CN" dirty="0" smtClean="0"/>
+              <a:t>π</a:t>
+            </a:r>
+            <a:r>
+              <a:rPr lang="en-US" altLang="zh-CN" baseline="-25000" dirty="0" smtClean="0"/>
+              <a:t>∗</a:t>
+            </a:r>
+            <a:r>
+              <a:rPr lang="en-US" altLang="zh-CN" dirty="0" smtClean="0"/>
+              <a:t> </a:t>
+            </a:r>
+            <a:r>
+              <a:rPr lang="zh-CN" altLang="en-US" dirty="0"/>
+              <a:t>，其在所有状态上的期望回报</a:t>
+            </a:r>
+            <a:r>
+              <a:rPr lang="zh-CN" altLang="en-US" dirty="0" smtClean="0"/>
+              <a:t>最大</a:t>
+            </a:r>
+            <a:endParaRPr lang="en-US" altLang="zh-CN" dirty="0" smtClean="0"/>
+          </a:p>
+          <a:p>
+            <a:endParaRPr lang="en-US" altLang="zh-CN" dirty="0"/>
+          </a:p>
+          <a:p>
+            <a:endParaRPr lang="en-US" altLang="zh-CN" dirty="0" smtClean="0"/>
+          </a:p>
+          <a:p>
+            <a:endParaRPr lang="en-US" altLang="zh-CN" dirty="0"/>
+          </a:p>
+        </p:txBody>
+      </p:sp>
+      <p:pic>
+        <p:nvPicPr>
+          <p:cNvPr id="5" name="图片 4" descr="屏幕剪辑"/>
+          <p:cNvPicPr>
+            <a:picLocks noChangeAspect="1"/>
+          </p:cNvPicPr>
+          <p:nvPr/>
+        </p:nvPicPr>
+        <p:blipFill>
+          <a:blip r:embed="rId2">
+            <a:extLst>
+              <a:ext uri="{28A0092B-C50C-407E-A947-70E740481C1C}">
+                <a14:useLocalDpi xmlns:a14="http://schemas.microsoft.com/office/drawing/2010/main" val="0"/>
+              </a:ext>
+            </a:extLst>
+          </a:blip>
+          <a:stretch>
+            <a:fillRect/>
+          </a:stretch>
+        </p:blipFill>
+        <p:spPr>
+          <a:xfrm>
+            <a:off x="2286000" y="2438400"/>
+            <a:ext cx="4127874" cy="1009695"/>
+          </a:xfrm>
+          <a:prstGeom prst="rect">
+            <a:avLst/>
+          </a:prstGeom>
+        </p:spPr>
+      </p:pic>
+    </p:spTree>
+    <p:extLst>
+      <p:ext uri="{BB962C8B-B14F-4D97-AF65-F5344CB8AC3E}">
+        <p14:creationId xmlns:p14="http://schemas.microsoft.com/office/powerpoint/2010/main" val="2000899218"/>
+      </p:ext>
+    </p:extLst>
+  </p:cSld>
+  <p:clrMapOvr>
+    <a:masterClrMapping/>
+  </p:clrMapOvr>
+  <p:timing>
+    <p:tnLst>
+      <p:par>
+        <p:cTn id="1" dur="indefinite" restart="never" nodeType="tmRoot"/>
+      </p:par>
+    </p:tnLst>
+  </p:timing>
+</p:sld>
+</file>
+
+<file path=ppt/slides/slide13.xml><?xml version="1.0" encoding="utf-8"?>
 <p:sld xmlns:a="http://schemas.openxmlformats.org/drawingml/2006/main" xmlns:r="http://schemas.openxmlformats.org/officeDocument/2006/relationships" xmlns:p="http://schemas.openxmlformats.org/presentationml/2006/main">
   <p:cSld>
     <p:spTree>
@@ -3798,6 +4133,924 @@
           <a:p>
             <a:r>
               <a:rPr lang="zh-CN" altLang="en-US" dirty="0"/>
+              <a:t>深度强化学习</a:t>
+            </a:r>
+          </a:p>
+        </p:txBody>
+      </p:sp>
+      <p:sp>
+        <p:nvSpPr>
+          <p:cNvPr id="3" name="内容占位符 2"/>
+          <p:cNvSpPr>
+            <a:spLocks noGrp="1"/>
+          </p:cNvSpPr>
+          <p:nvPr>
+            <p:ph sz="quarter" idx="1"/>
+          </p:nvPr>
+        </p:nvSpPr>
+        <p:spPr/>
+        <p:txBody>
+          <a:bodyPr/>
+          <a:lstStyle/>
+          <a:p>
+            <a:r>
+              <a:rPr lang="zh-CN" altLang="en-US" dirty="0"/>
+              <a:t>深度强化学习是将强化学习和深度学习结合在一起，用强化学习来定义问题和优化目标，用深度学习来解决状态表示、策略表示等问题</a:t>
+            </a:r>
+            <a:r>
+              <a:rPr lang="zh-CN" altLang="en-US" dirty="0" smtClean="0"/>
+              <a:t>。</a:t>
+            </a:r>
+            <a:endParaRPr lang="en-US" altLang="zh-CN" dirty="0" smtClean="0"/>
+          </a:p>
+          <a:p>
+            <a:pPr lvl="1"/>
+            <a:r>
+              <a:rPr lang="zh-CN" altLang="en-US" dirty="0" smtClean="0"/>
+              <a:t>两种</a:t>
+            </a:r>
+            <a:r>
+              <a:rPr lang="zh-CN" altLang="en-US" dirty="0"/>
+              <a:t>不同的结合强化学习和深度学习的方式，分别用深度神经网络来建模强化学习中的</a:t>
+            </a:r>
+            <a:r>
+              <a:rPr lang="zh-CN" altLang="en-US" dirty="0">
+                <a:solidFill>
+                  <a:srgbClr val="FF0000"/>
+                </a:solidFill>
+              </a:rPr>
+              <a:t>值函数</a:t>
+            </a:r>
+            <a:r>
+              <a:rPr lang="zh-CN" altLang="en-US" dirty="0"/>
+              <a:t>、</a:t>
+            </a:r>
+            <a:r>
+              <a:rPr lang="zh-CN" altLang="en-US" dirty="0" smtClean="0">
+                <a:solidFill>
+                  <a:srgbClr val="FF0000"/>
+                </a:solidFill>
+              </a:rPr>
+              <a:t>策略</a:t>
+            </a:r>
+            <a:r>
+              <a:rPr lang="zh-CN" altLang="en-US" dirty="0" smtClean="0"/>
+              <a:t>，</a:t>
+            </a:r>
+            <a:r>
+              <a:rPr lang="zh-CN" altLang="en-US" dirty="0"/>
+              <a:t>然后用误差反向传播算法来优化目标函数。</a:t>
+            </a:r>
+          </a:p>
+        </p:txBody>
+      </p:sp>
+    </p:spTree>
+    <p:extLst>
+      <p:ext uri="{BB962C8B-B14F-4D97-AF65-F5344CB8AC3E}">
+        <p14:creationId xmlns:p14="http://schemas.microsoft.com/office/powerpoint/2010/main" val="2522971519"/>
+      </p:ext>
+    </p:extLst>
+  </p:cSld>
+  <p:clrMapOvr>
+    <a:masterClrMapping/>
+  </p:clrMapOvr>
+  <p:timing>
+    <p:tnLst>
+      <p:par>
+        <p:cTn id="1" dur="indefinite" restart="never" nodeType="tmRoot"/>
+      </p:par>
+    </p:tnLst>
+  </p:timing>
+</p:sld>
+</file>
+
+<file path=ppt/slides/slide14.xml><?xml version="1.0" encoding="utf-8"?>
+<p:sld xmlns:a="http://schemas.openxmlformats.org/drawingml/2006/main" xmlns:r="http://schemas.openxmlformats.org/officeDocument/2006/relationships" xmlns:p="http://schemas.openxmlformats.org/presentationml/2006/main">
+  <p:cSld>
+    <p:spTree>
+      <p:nvGrpSpPr>
+        <p:cNvPr id="1" name=""/>
+        <p:cNvGrpSpPr/>
+        <p:nvPr/>
+      </p:nvGrpSpPr>
+      <p:grpSpPr>
+        <a:xfrm>
+          <a:off x="0" y="0"/>
+          <a:ext cx="0" cy="0"/>
+          <a:chOff x="0" y="0"/>
+          <a:chExt cx="0" cy="0"/>
+        </a:xfrm>
+      </p:grpSpPr>
+      <p:sp>
+        <p:nvSpPr>
+          <p:cNvPr id="2" name="标题 1"/>
+          <p:cNvSpPr>
+            <a:spLocks noGrp="1"/>
+          </p:cNvSpPr>
+          <p:nvPr>
+            <p:ph type="ctrTitle"/>
+          </p:nvPr>
+        </p:nvSpPr>
+        <p:spPr/>
+        <p:txBody>
+          <a:bodyPr/>
+          <a:lstStyle/>
+          <a:p>
+            <a:r>
+              <a:rPr lang="zh-CN" altLang="en-US" dirty="0" smtClean="0"/>
+              <a:t>基于值函数的策略学习</a:t>
+            </a:r>
+            <a:endParaRPr lang="zh-CN" altLang="en-US" dirty="0"/>
+          </a:p>
+        </p:txBody>
+      </p:sp>
+    </p:spTree>
+    <p:extLst>
+      <p:ext uri="{BB962C8B-B14F-4D97-AF65-F5344CB8AC3E}">
+        <p14:creationId xmlns:p14="http://schemas.microsoft.com/office/powerpoint/2010/main" val="3726152028"/>
+      </p:ext>
+    </p:extLst>
+  </p:cSld>
+  <p:clrMapOvr>
+    <a:masterClrMapping/>
+  </p:clrMapOvr>
+</p:sld>
+</file>
+
+<file path=ppt/slides/slide15.xml><?xml version="1.0" encoding="utf-8"?>
+<p:sld xmlns:a="http://schemas.openxmlformats.org/drawingml/2006/main" xmlns:r="http://schemas.openxmlformats.org/officeDocument/2006/relationships" xmlns:p="http://schemas.openxmlformats.org/presentationml/2006/main">
+  <p:cSld>
+    <p:spTree>
+      <p:nvGrpSpPr>
+        <p:cNvPr id="1" name=""/>
+        <p:cNvGrpSpPr/>
+        <p:nvPr/>
+      </p:nvGrpSpPr>
+      <p:grpSpPr>
+        <a:xfrm>
+          <a:off x="0" y="0"/>
+          <a:ext cx="0" cy="0"/>
+          <a:chOff x="0" y="0"/>
+          <a:chExt cx="0" cy="0"/>
+        </a:xfrm>
+      </p:grpSpPr>
+      <p:sp>
+        <p:nvSpPr>
+          <p:cNvPr id="2" name="标题 1"/>
+          <p:cNvSpPr>
+            <a:spLocks noGrp="1"/>
+          </p:cNvSpPr>
+          <p:nvPr>
+            <p:ph type="title"/>
+          </p:nvPr>
+        </p:nvSpPr>
+        <p:spPr/>
+        <p:txBody>
+          <a:bodyPr/>
+          <a:lstStyle/>
+          <a:p>
+            <a:r>
+              <a:rPr lang="zh-CN" altLang="en-US" dirty="0"/>
+              <a:t>强化学习算法</a:t>
+            </a:r>
+          </a:p>
+        </p:txBody>
+      </p:sp>
+      <p:sp>
+        <p:nvSpPr>
+          <p:cNvPr id="3" name="内容占位符 2"/>
+          <p:cNvSpPr>
+            <a:spLocks noGrp="1"/>
+          </p:cNvSpPr>
+          <p:nvPr>
+            <p:ph sz="quarter" idx="1"/>
+          </p:nvPr>
+        </p:nvSpPr>
+        <p:spPr/>
+        <p:txBody>
+          <a:bodyPr/>
+          <a:lstStyle/>
+          <a:p>
+            <a:r>
+              <a:rPr lang="zh-CN" altLang="en-US" dirty="0"/>
+              <a:t>基于模型的强化学习</a:t>
+            </a:r>
+            <a:r>
+              <a:rPr lang="zh-CN" altLang="en-US" dirty="0" smtClean="0"/>
+              <a:t>算法</a:t>
+            </a:r>
+            <a:endParaRPr lang="en-US" altLang="zh-CN" dirty="0" smtClean="0"/>
+          </a:p>
+          <a:p>
+            <a:pPr lvl="1"/>
+            <a:r>
+              <a:rPr lang="zh-CN" altLang="en-US" dirty="0" smtClean="0"/>
+              <a:t>基于</a:t>
+            </a:r>
+            <a:r>
+              <a:rPr lang="en-US" altLang="zh-CN" dirty="0" smtClean="0"/>
+              <a:t>MDP</a:t>
+            </a:r>
+            <a:r>
+              <a:rPr lang="zh-CN" altLang="en-US" dirty="0"/>
+              <a:t>过程：状态转移概率</a:t>
+            </a:r>
+            <a:r>
+              <a:rPr lang="en-US" altLang="zh-CN" dirty="0" smtClean="0"/>
+              <a:t>p(s</a:t>
+            </a:r>
+            <a:r>
+              <a:rPr lang="en-US" altLang="zh-CN" dirty="0" smtClean="0">
+                <a:latin typeface="Arial" panose="020B0604020202020204" pitchFamily="34" charset="0"/>
+                <a:cs typeface="Arial" panose="020B0604020202020204" pitchFamily="34" charset="0"/>
+              </a:rPr>
+              <a:t>’</a:t>
+            </a:r>
+            <a:r>
+              <a:rPr lang="en-US" altLang="zh-CN" dirty="0" smtClean="0"/>
+              <a:t>|</a:t>
+            </a:r>
+            <a:r>
+              <a:rPr lang="en-US" altLang="zh-CN" dirty="0" err="1" smtClean="0"/>
+              <a:t>s,a</a:t>
+            </a:r>
+            <a:r>
+              <a:rPr lang="en-US" altLang="zh-CN" dirty="0"/>
+              <a:t>)</a:t>
+            </a:r>
+            <a:r>
+              <a:rPr lang="zh-CN" altLang="en-US" dirty="0"/>
+              <a:t>和奖励</a:t>
+            </a:r>
+            <a:r>
+              <a:rPr lang="zh-CN" altLang="en-US" dirty="0" smtClean="0"/>
+              <a:t>函数</a:t>
+            </a:r>
+            <a:r>
+              <a:rPr lang="en-US" altLang="zh-CN" dirty="0"/>
+              <a:t>R(</a:t>
+            </a:r>
+            <a:r>
+              <a:rPr lang="en-US" altLang="zh-CN" dirty="0" err="1"/>
+              <a:t>s,a,s</a:t>
+            </a:r>
+            <a:r>
+              <a:rPr lang="en-US" altLang="zh-CN" dirty="0"/>
+              <a:t> </a:t>
+            </a:r>
+            <a:r>
+              <a:rPr lang="en-US" altLang="zh-CN" dirty="0">
+                <a:latin typeface="Arial" panose="020B0604020202020204" pitchFamily="34" charset="0"/>
+                <a:cs typeface="Arial" panose="020B0604020202020204" pitchFamily="34" charset="0"/>
+              </a:rPr>
+              <a:t>’</a:t>
+            </a:r>
+            <a:r>
+              <a:rPr lang="en-US" altLang="zh-CN" dirty="0" smtClean="0"/>
+              <a:t> )</a:t>
+            </a:r>
+          </a:p>
+          <a:p>
+            <a:pPr lvl="1"/>
+            <a:r>
+              <a:rPr lang="zh-CN" altLang="en-US" dirty="0" smtClean="0"/>
+              <a:t>策略迭代</a:t>
+            </a:r>
+            <a:endParaRPr lang="en-US" altLang="zh-CN" dirty="0" smtClean="0"/>
+          </a:p>
+          <a:p>
+            <a:pPr lvl="1"/>
+            <a:r>
+              <a:rPr lang="zh-CN" altLang="en-US" dirty="0"/>
+              <a:t>值</a:t>
+            </a:r>
+            <a:r>
+              <a:rPr lang="zh-CN" altLang="en-US" dirty="0" smtClean="0"/>
+              <a:t>迭代</a:t>
+            </a:r>
+            <a:endParaRPr lang="en-US" altLang="zh-CN" dirty="0" smtClean="0"/>
+          </a:p>
+          <a:p>
+            <a:endParaRPr lang="en-US" altLang="zh-CN" dirty="0"/>
+          </a:p>
+          <a:p>
+            <a:r>
+              <a:rPr lang="zh-CN" altLang="en-US" dirty="0"/>
+              <a:t>模型无关的强化</a:t>
+            </a:r>
+            <a:r>
+              <a:rPr lang="zh-CN" altLang="en-US" dirty="0" smtClean="0"/>
+              <a:t>学习</a:t>
+            </a:r>
+            <a:endParaRPr lang="en-US" altLang="zh-CN" dirty="0" smtClean="0"/>
+          </a:p>
+          <a:p>
+            <a:pPr lvl="1"/>
+            <a:r>
+              <a:rPr lang="zh-CN" altLang="en-US" dirty="0" smtClean="0"/>
+              <a:t>无</a:t>
+            </a:r>
+            <a:r>
+              <a:rPr lang="en-US" altLang="zh-CN" dirty="0" smtClean="0"/>
+              <a:t>MDP</a:t>
+            </a:r>
+            <a:r>
+              <a:rPr lang="zh-CN" altLang="en-US" dirty="0" smtClean="0"/>
+              <a:t>过程</a:t>
+            </a:r>
+            <a:endParaRPr lang="en-US" altLang="zh-CN" dirty="0" smtClean="0"/>
+          </a:p>
+          <a:p>
+            <a:pPr lvl="1"/>
+            <a:r>
+              <a:rPr lang="zh-CN" altLang="en-US" dirty="0"/>
+              <a:t>蒙特卡罗采样</a:t>
+            </a:r>
+            <a:r>
+              <a:rPr lang="zh-CN" altLang="en-US" dirty="0" smtClean="0"/>
+              <a:t>方法</a:t>
+            </a:r>
+            <a:endParaRPr lang="en-US" altLang="zh-CN" dirty="0" smtClean="0"/>
+          </a:p>
+          <a:p>
+            <a:pPr lvl="1"/>
+            <a:r>
+              <a:rPr lang="zh-CN" altLang="en-US" dirty="0"/>
+              <a:t>时序差分学习</a:t>
+            </a:r>
+          </a:p>
+        </p:txBody>
+      </p:sp>
+    </p:spTree>
+    <p:extLst>
+      <p:ext uri="{BB962C8B-B14F-4D97-AF65-F5344CB8AC3E}">
+        <p14:creationId xmlns:p14="http://schemas.microsoft.com/office/powerpoint/2010/main" val="166688117"/>
+      </p:ext>
+    </p:extLst>
+  </p:cSld>
+  <p:clrMapOvr>
+    <a:masterClrMapping/>
+  </p:clrMapOvr>
+  <p:timing>
+    <p:tnLst>
+      <p:par>
+        <p:cTn id="1" dur="indefinite" restart="never" nodeType="tmRoot"/>
+      </p:par>
+    </p:tnLst>
+  </p:timing>
+</p:sld>
+</file>
+
+<file path=ppt/slides/slide16.xml><?xml version="1.0" encoding="utf-8"?>
+<p:sld xmlns:a="http://schemas.openxmlformats.org/drawingml/2006/main" xmlns:r="http://schemas.openxmlformats.org/officeDocument/2006/relationships" xmlns:p="http://schemas.openxmlformats.org/presentationml/2006/main">
+  <p:cSld>
+    <p:spTree>
+      <p:nvGrpSpPr>
+        <p:cNvPr id="1" name=""/>
+        <p:cNvGrpSpPr/>
+        <p:nvPr/>
+      </p:nvGrpSpPr>
+      <p:grpSpPr>
+        <a:xfrm>
+          <a:off x="0" y="0"/>
+          <a:ext cx="0" cy="0"/>
+          <a:chOff x="0" y="0"/>
+          <a:chExt cx="0" cy="0"/>
+        </a:xfrm>
+      </p:grpSpPr>
+      <p:sp>
+        <p:nvSpPr>
+          <p:cNvPr id="2" name="标题 1"/>
+          <p:cNvSpPr>
+            <a:spLocks noGrp="1"/>
+          </p:cNvSpPr>
+          <p:nvPr>
+            <p:ph type="ctrTitle"/>
+          </p:nvPr>
+        </p:nvSpPr>
+        <p:spPr/>
+        <p:txBody>
+          <a:bodyPr/>
+          <a:lstStyle/>
+          <a:p>
+            <a:r>
+              <a:rPr lang="zh-CN" altLang="en-US" dirty="0"/>
+              <a:t>基于模型的强化学习</a:t>
+            </a:r>
+          </a:p>
+        </p:txBody>
+      </p:sp>
+    </p:spTree>
+    <p:extLst>
+      <p:ext uri="{BB962C8B-B14F-4D97-AF65-F5344CB8AC3E}">
+        <p14:creationId xmlns:p14="http://schemas.microsoft.com/office/powerpoint/2010/main" val="3801097458"/>
+      </p:ext>
+    </p:extLst>
+  </p:cSld>
+  <p:clrMapOvr>
+    <a:masterClrMapping/>
+  </p:clrMapOvr>
+</p:sld>
+</file>
+
+<file path=ppt/slides/slide17.xml><?xml version="1.0" encoding="utf-8"?>
+<p:sld xmlns:a="http://schemas.openxmlformats.org/drawingml/2006/main" xmlns:r="http://schemas.openxmlformats.org/officeDocument/2006/relationships" xmlns:p="http://schemas.openxmlformats.org/presentationml/2006/main">
+  <p:cSld>
+    <p:spTree>
+      <p:nvGrpSpPr>
+        <p:cNvPr id="1" name=""/>
+        <p:cNvGrpSpPr/>
+        <p:nvPr/>
+      </p:nvGrpSpPr>
+      <p:grpSpPr>
+        <a:xfrm>
+          <a:off x="0" y="0"/>
+          <a:ext cx="0" cy="0"/>
+          <a:chOff x="0" y="0"/>
+          <a:chExt cx="0" cy="0"/>
+        </a:xfrm>
+      </p:grpSpPr>
+      <p:sp>
+        <p:nvSpPr>
+          <p:cNvPr id="2" name="标题 1"/>
+          <p:cNvSpPr>
+            <a:spLocks noGrp="1"/>
+          </p:cNvSpPr>
+          <p:nvPr>
+            <p:ph type="title"/>
+          </p:nvPr>
+        </p:nvSpPr>
+        <p:spPr/>
+        <p:txBody>
+          <a:bodyPr/>
+          <a:lstStyle/>
+          <a:p>
+            <a:r>
+              <a:rPr lang="zh-CN" altLang="en-US" dirty="0"/>
+              <a:t>策略</a:t>
+            </a:r>
+            <a:r>
+              <a:rPr lang="zh-CN" altLang="en-US" dirty="0" smtClean="0"/>
+              <a:t>迭代</a:t>
+            </a:r>
+            <a:endParaRPr lang="zh-CN" altLang="en-US" dirty="0"/>
+          </a:p>
+        </p:txBody>
+      </p:sp>
+      <p:pic>
+        <p:nvPicPr>
+          <p:cNvPr id="5" name="内容占位符 4" descr="屏幕剪辑"/>
+          <p:cNvPicPr>
+            <a:picLocks noGrp="1" noChangeAspect="1"/>
+          </p:cNvPicPr>
+          <p:nvPr>
+            <p:ph sz="quarter" idx="1"/>
+          </p:nvPr>
+        </p:nvPicPr>
+        <p:blipFill>
+          <a:blip r:embed="rId2">
+            <a:extLst>
+              <a:ext uri="{28A0092B-C50C-407E-A947-70E740481C1C}">
+                <a14:useLocalDpi xmlns:a14="http://schemas.microsoft.com/office/drawing/2010/main" val="0"/>
+              </a:ext>
+            </a:extLst>
+          </a:blip>
+          <a:stretch>
+            <a:fillRect/>
+          </a:stretch>
+        </p:blipFill>
+        <p:spPr>
+          <a:xfrm>
+            <a:off x="914400" y="1600200"/>
+            <a:ext cx="7031582" cy="4582714"/>
+          </a:xfrm>
+        </p:spPr>
+      </p:pic>
+    </p:spTree>
+    <p:extLst>
+      <p:ext uri="{BB962C8B-B14F-4D97-AF65-F5344CB8AC3E}">
+        <p14:creationId xmlns:p14="http://schemas.microsoft.com/office/powerpoint/2010/main" val="1231184733"/>
+      </p:ext>
+    </p:extLst>
+  </p:cSld>
+  <p:clrMapOvr>
+    <a:masterClrMapping/>
+  </p:clrMapOvr>
+</p:sld>
+</file>
+
+<file path=ppt/slides/slide18.xml><?xml version="1.0" encoding="utf-8"?>
+<p:sld xmlns:a="http://schemas.openxmlformats.org/drawingml/2006/main" xmlns:r="http://schemas.openxmlformats.org/officeDocument/2006/relationships" xmlns:p="http://schemas.openxmlformats.org/presentationml/2006/main">
+  <p:cSld>
+    <p:spTree>
+      <p:nvGrpSpPr>
+        <p:cNvPr id="1" name=""/>
+        <p:cNvGrpSpPr/>
+        <p:nvPr/>
+      </p:nvGrpSpPr>
+      <p:grpSpPr>
+        <a:xfrm>
+          <a:off x="0" y="0"/>
+          <a:ext cx="0" cy="0"/>
+          <a:chOff x="0" y="0"/>
+          <a:chExt cx="0" cy="0"/>
+        </a:xfrm>
+      </p:grpSpPr>
+      <p:sp>
+        <p:nvSpPr>
+          <p:cNvPr id="2" name="标题 1"/>
+          <p:cNvSpPr>
+            <a:spLocks noGrp="1"/>
+          </p:cNvSpPr>
+          <p:nvPr>
+            <p:ph type="title"/>
+          </p:nvPr>
+        </p:nvSpPr>
+        <p:spPr/>
+        <p:txBody>
+          <a:bodyPr/>
+          <a:lstStyle/>
+          <a:p>
+            <a:r>
+              <a:rPr lang="zh-CN" altLang="en-US" dirty="0"/>
+              <a:t>值</a:t>
+            </a:r>
+            <a:r>
+              <a:rPr lang="zh-CN" altLang="en-US" dirty="0" smtClean="0"/>
+              <a:t>迭代</a:t>
+            </a:r>
+            <a:endParaRPr lang="zh-CN" altLang="en-US" dirty="0"/>
+          </a:p>
+        </p:txBody>
+      </p:sp>
+      <p:sp>
+        <p:nvSpPr>
+          <p:cNvPr id="6" name="内容占位符 5"/>
+          <p:cNvSpPr>
+            <a:spLocks noGrp="1"/>
+          </p:cNvSpPr>
+          <p:nvPr>
+            <p:ph sz="quarter" idx="1"/>
+          </p:nvPr>
+        </p:nvSpPr>
+        <p:spPr/>
+        <p:txBody>
+          <a:bodyPr/>
+          <a:lstStyle/>
+          <a:p>
+            <a:r>
+              <a:rPr lang="zh-CN" altLang="en-US" dirty="0"/>
+              <a:t>值</a:t>
+            </a:r>
+            <a:r>
+              <a:rPr lang="zh-CN" altLang="en-US" dirty="0" smtClean="0"/>
+              <a:t>迭代方法</a:t>
+            </a:r>
+            <a:r>
+              <a:rPr lang="zh-CN" altLang="en-US" dirty="0"/>
+              <a:t>将策略评估和策略改进两个过程合并，来</a:t>
+            </a:r>
+            <a:r>
+              <a:rPr lang="zh-CN" altLang="en-US" dirty="0" smtClean="0"/>
+              <a:t>直接</a:t>
+            </a:r>
+            <a:r>
+              <a:rPr lang="zh-CN" altLang="en-US" dirty="0"/>
+              <a:t>计算出最优策略。</a:t>
+            </a:r>
+          </a:p>
+        </p:txBody>
+      </p:sp>
+      <p:pic>
+        <p:nvPicPr>
+          <p:cNvPr id="7" name="内容占位符 4" descr="屏幕剪辑"/>
+          <p:cNvPicPr>
+            <a:picLocks noChangeAspect="1"/>
+          </p:cNvPicPr>
+          <p:nvPr/>
+        </p:nvPicPr>
+        <p:blipFill>
+          <a:blip r:embed="rId2">
+            <a:extLst>
+              <a:ext uri="{28A0092B-C50C-407E-A947-70E740481C1C}">
+                <a14:useLocalDpi xmlns:a14="http://schemas.microsoft.com/office/drawing/2010/main" val="0"/>
+              </a:ext>
+            </a:extLst>
+          </a:blip>
+          <a:stretch>
+            <a:fillRect/>
+          </a:stretch>
+        </p:blipFill>
+        <p:spPr bwMode="auto">
+          <a:xfrm>
+            <a:off x="914400" y="2514600"/>
+            <a:ext cx="7339912" cy="3429000"/>
+          </a:xfrm>
+          <a:prstGeom prst="rect">
+            <a:avLst/>
+          </a:prstGeom>
+          <a:noFill/>
+          <a:ln>
+            <a:noFill/>
+          </a:ln>
+          <a:extLst>
+            <a:ext uri="{909E8E84-426E-40dd-AFC4-6F175D3DCCD1}">
+              <a14:hiddenFill xmlns:a14="http://schemas.microsoft.com/office/drawing/2010/main" xmlns="">
+                <a:solidFill>
+                  <a:srgbClr val="FFFFFF"/>
+                </a:solidFill>
+              </a14:hiddenFill>
+            </a:ext>
+            <a:ext uri="{91240B29-F687-4f45-9708-019B960494DF}">
+              <a14:hiddenLine xmlns:a14="http://schemas.microsoft.com/office/drawing/2010/main" xmlns="" w="9525">
+                <a:solidFill>
+                  <a:srgbClr val="000000"/>
+                </a:solidFill>
+                <a:miter lim="800000"/>
+                <a:headEnd/>
+                <a:tailEnd/>
+              </a14:hiddenLine>
+            </a:ext>
+          </a:extLst>
+        </p:spPr>
+      </p:pic>
+    </p:spTree>
+    <p:extLst>
+      <p:ext uri="{BB962C8B-B14F-4D97-AF65-F5344CB8AC3E}">
+        <p14:creationId xmlns:p14="http://schemas.microsoft.com/office/powerpoint/2010/main" val="229357192"/>
+      </p:ext>
+    </p:extLst>
+  </p:cSld>
+  <p:clrMapOvr>
+    <a:masterClrMapping/>
+  </p:clrMapOvr>
+</p:sld>
+</file>
+
+<file path=ppt/slides/slide19.xml><?xml version="1.0" encoding="utf-8"?>
+<p:sld xmlns:a="http://schemas.openxmlformats.org/drawingml/2006/main" xmlns:r="http://schemas.openxmlformats.org/officeDocument/2006/relationships" xmlns:p="http://schemas.openxmlformats.org/presentationml/2006/main">
+  <p:cSld>
+    <p:spTree>
+      <p:nvGrpSpPr>
+        <p:cNvPr id="1" name=""/>
+        <p:cNvGrpSpPr/>
+        <p:nvPr/>
+      </p:nvGrpSpPr>
+      <p:grpSpPr>
+        <a:xfrm>
+          <a:off x="0" y="0"/>
+          <a:ext cx="0" cy="0"/>
+          <a:chOff x="0" y="0"/>
+          <a:chExt cx="0" cy="0"/>
+        </a:xfrm>
+      </p:grpSpPr>
+      <p:sp>
+        <p:nvSpPr>
+          <p:cNvPr id="2" name="标题 1"/>
+          <p:cNvSpPr>
+            <a:spLocks noGrp="1"/>
+          </p:cNvSpPr>
+          <p:nvPr>
+            <p:ph type="ctrTitle"/>
+          </p:nvPr>
+        </p:nvSpPr>
+        <p:spPr/>
+        <p:txBody>
+          <a:bodyPr/>
+          <a:lstStyle/>
+          <a:p>
+            <a:r>
+              <a:rPr lang="zh-CN" altLang="en-US" dirty="0"/>
+              <a:t>模型无关的强化学习</a:t>
+            </a:r>
+          </a:p>
+        </p:txBody>
+      </p:sp>
+    </p:spTree>
+    <p:extLst>
+      <p:ext uri="{BB962C8B-B14F-4D97-AF65-F5344CB8AC3E}">
+        <p14:creationId xmlns:p14="http://schemas.microsoft.com/office/powerpoint/2010/main" val="898589643"/>
+      </p:ext>
+    </p:extLst>
+  </p:cSld>
+  <p:clrMapOvr>
+    <a:masterClrMapping/>
+  </p:clrMapOvr>
+</p:sld>
+</file>
+
+<file path=ppt/slides/slide2.xml><?xml version="1.0" encoding="utf-8"?>
+<p:sld xmlns:a="http://schemas.openxmlformats.org/drawingml/2006/main" xmlns:r="http://schemas.openxmlformats.org/officeDocument/2006/relationships" xmlns:p="http://schemas.openxmlformats.org/presentationml/2006/main">
+  <p:cSld>
+    <p:spTree>
+      <p:nvGrpSpPr>
+        <p:cNvPr id="1" name=""/>
+        <p:cNvGrpSpPr/>
+        <p:nvPr/>
+      </p:nvGrpSpPr>
+      <p:grpSpPr>
+        <a:xfrm>
+          <a:off x="0" y="0"/>
+          <a:ext cx="0" cy="0"/>
+          <a:chOff x="0" y="0"/>
+          <a:chExt cx="0" cy="0"/>
+        </a:xfrm>
+      </p:grpSpPr>
+      <p:sp>
+        <p:nvSpPr>
+          <p:cNvPr id="2" name="标题 1"/>
+          <p:cNvSpPr>
+            <a:spLocks noGrp="1"/>
+          </p:cNvSpPr>
+          <p:nvPr>
+            <p:ph type="title"/>
+          </p:nvPr>
+        </p:nvSpPr>
+        <p:spPr/>
+        <p:txBody>
+          <a:bodyPr/>
+          <a:lstStyle/>
+          <a:p>
+            <a:r>
+              <a:rPr lang="zh-CN" altLang="en-US" dirty="0"/>
+              <a:t>强化学习</a:t>
+            </a:r>
+          </a:p>
+        </p:txBody>
+      </p:sp>
+      <p:sp>
+        <p:nvSpPr>
+          <p:cNvPr id="3" name="内容占位符 2"/>
+          <p:cNvSpPr>
+            <a:spLocks noGrp="1"/>
+          </p:cNvSpPr>
+          <p:nvPr>
+            <p:ph sz="quarter" idx="1"/>
+          </p:nvPr>
+        </p:nvSpPr>
+        <p:spPr/>
+        <p:txBody>
+          <a:bodyPr/>
+          <a:lstStyle/>
+          <a:p>
+            <a:r>
+              <a:rPr lang="zh-CN" altLang="en-US" dirty="0"/>
+              <a:t>智能体（</a:t>
+            </a:r>
+            <a:r>
+              <a:rPr lang="en-US" altLang="zh-CN" dirty="0"/>
+              <a:t>Agent</a:t>
+            </a:r>
+            <a:r>
+              <a:rPr lang="zh-CN" altLang="en-US" dirty="0" smtClean="0"/>
+              <a:t>）</a:t>
+            </a:r>
+            <a:endParaRPr lang="en-US" altLang="zh-CN" dirty="0" smtClean="0"/>
+          </a:p>
+          <a:p>
+            <a:pPr lvl="1"/>
+            <a:r>
+              <a:rPr lang="zh-CN" altLang="en-US" dirty="0" smtClean="0"/>
+              <a:t>感知</a:t>
+            </a:r>
+            <a:r>
+              <a:rPr lang="zh-CN" altLang="en-US" dirty="0"/>
+              <a:t>外界环境的状态（</a:t>
+            </a:r>
+            <a:r>
+              <a:rPr lang="en-US" altLang="zh-CN" dirty="0"/>
+              <a:t>State</a:t>
+            </a:r>
+            <a:r>
+              <a:rPr lang="zh-CN" altLang="en-US" dirty="0"/>
+              <a:t>）和奖励反馈（</a:t>
+            </a:r>
+            <a:r>
+              <a:rPr lang="en-US" altLang="zh-CN" dirty="0"/>
+              <a:t>Reward</a:t>
+            </a:r>
+            <a:r>
+              <a:rPr lang="zh-CN" altLang="en-US" dirty="0" smtClean="0"/>
+              <a:t>），并</a:t>
+            </a:r>
+            <a:r>
+              <a:rPr lang="zh-CN" altLang="en-US" dirty="0"/>
+              <a:t>进行学习和决策。智能体的决策功能是指根据外界环境的状态来做出</a:t>
+            </a:r>
+            <a:r>
+              <a:rPr lang="zh-CN" altLang="en-US" dirty="0" smtClean="0"/>
+              <a:t>不同</a:t>
+            </a:r>
+            <a:r>
+              <a:rPr lang="zh-CN" altLang="en-US" dirty="0"/>
+              <a:t>的动作（</a:t>
+            </a:r>
+            <a:r>
+              <a:rPr lang="en-US" altLang="zh-CN" dirty="0"/>
+              <a:t>Action</a:t>
+            </a:r>
+            <a:r>
+              <a:rPr lang="zh-CN" altLang="en-US" dirty="0"/>
+              <a:t>），而学习功能是指根据外界环境的奖励来调整策略。</a:t>
+            </a:r>
+          </a:p>
+          <a:p>
+            <a:endParaRPr lang="en-US" altLang="zh-CN" dirty="0" smtClean="0"/>
+          </a:p>
+          <a:p>
+            <a:r>
+              <a:rPr lang="zh-CN" altLang="en-US" dirty="0" smtClean="0"/>
+              <a:t>环境</a:t>
+            </a:r>
+            <a:r>
+              <a:rPr lang="zh-CN" altLang="en-US" dirty="0"/>
+              <a:t>（</a:t>
+            </a:r>
+            <a:r>
+              <a:rPr lang="en-US" altLang="zh-CN" dirty="0"/>
+              <a:t>Environment</a:t>
+            </a:r>
+            <a:r>
+              <a:rPr lang="zh-CN" altLang="en-US" dirty="0" smtClean="0"/>
+              <a:t>）</a:t>
+            </a:r>
+            <a:endParaRPr lang="en-US" altLang="zh-CN" dirty="0" smtClean="0"/>
+          </a:p>
+          <a:p>
+            <a:pPr lvl="1"/>
+            <a:r>
+              <a:rPr lang="zh-CN" altLang="en-US" dirty="0" smtClean="0"/>
+              <a:t>智能</a:t>
+            </a:r>
+            <a:r>
+              <a:rPr lang="zh-CN" altLang="en-US" dirty="0"/>
+              <a:t>体外部的所有事物，并受智能体动作的</a:t>
+            </a:r>
+            <a:r>
+              <a:rPr lang="zh-CN" altLang="en-US" dirty="0" smtClean="0"/>
+              <a:t>影响而</a:t>
+            </a:r>
+            <a:r>
+              <a:rPr lang="zh-CN" altLang="en-US" dirty="0"/>
+              <a:t>改变其状态，并反馈给智能体相应的奖励。</a:t>
+            </a:r>
+          </a:p>
+        </p:txBody>
+      </p:sp>
+    </p:spTree>
+    <p:extLst>
+      <p:ext uri="{BB962C8B-B14F-4D97-AF65-F5344CB8AC3E}">
+        <p14:creationId xmlns:p14="http://schemas.microsoft.com/office/powerpoint/2010/main" val="1266447944"/>
+      </p:ext>
+    </p:extLst>
+  </p:cSld>
+  <p:clrMapOvr>
+    <a:masterClrMapping/>
+  </p:clrMapOvr>
+  <p:timing>
+    <p:tnLst>
+      <p:par>
+        <p:cTn id="1" dur="indefinite" restart="never" nodeType="tmRoot"/>
+      </p:par>
+    </p:tnLst>
+  </p:timing>
+</p:sld>
+</file>
+
+<file path=ppt/slides/slide20.xml><?xml version="1.0" encoding="utf-8"?>
+<p:sld xmlns:a="http://schemas.openxmlformats.org/drawingml/2006/main" xmlns:r="http://schemas.openxmlformats.org/officeDocument/2006/relationships" xmlns:p="http://schemas.openxmlformats.org/presentationml/2006/main">
+  <p:cSld>
+    <p:spTree>
+      <p:nvGrpSpPr>
+        <p:cNvPr id="1" name=""/>
+        <p:cNvGrpSpPr/>
+        <p:nvPr/>
+      </p:nvGrpSpPr>
+      <p:grpSpPr>
+        <a:xfrm>
+          <a:off x="0" y="0"/>
+          <a:ext cx="0" cy="0"/>
+          <a:chOff x="0" y="0"/>
+          <a:chExt cx="0" cy="0"/>
+        </a:xfrm>
+      </p:grpSpPr>
+      <p:sp>
+        <p:nvSpPr>
+          <p:cNvPr id="2" name="标题 1"/>
+          <p:cNvSpPr>
+            <a:spLocks noGrp="1"/>
+          </p:cNvSpPr>
+          <p:nvPr>
+            <p:ph type="title"/>
+          </p:nvPr>
+        </p:nvSpPr>
+        <p:spPr/>
+        <p:txBody>
+          <a:bodyPr/>
+          <a:lstStyle/>
+          <a:p>
+            <a:r>
+              <a:rPr lang="zh-CN" altLang="en-US" dirty="0"/>
               <a:t>蒙特卡罗采样</a:t>
             </a:r>
             <a:r>
@@ -3827,27 +5080,43 @@
               <a:p>
                 <a:r>
                   <a:rPr lang="zh-CN" altLang="en-US" dirty="0" smtClean="0"/>
-                  <a:t>通过采样的方式来计算值函数，</a:t>
+                  <a:t>策略学习过程</a:t>
                 </a:r>
                 <a:endParaRPr lang="en-US" altLang="zh-CN" dirty="0" smtClean="0"/>
               </a:p>
               <a:p>
+                <a:pPr lvl="1"/>
+                <a:r>
+                  <a:rPr lang="zh-CN" altLang="en-US" dirty="0" smtClean="0"/>
+                  <a:t>通过采样的方式来计算值函数，</a:t>
+                </a:r>
                 <a:endParaRPr lang="en-US" altLang="zh-CN" dirty="0"/>
               </a:p>
               <a:p>
+                <a:pPr lvl="1"/>
                 <a:endParaRPr lang="en-US" altLang="zh-CN" dirty="0" smtClean="0"/>
               </a:p>
               <a:p>
-                <a:pPr marL="0" indent="0">
-                  <a:buNone/>
-                </a:pPr>
+                <a:pPr lvl="1"/>
+                <a:endParaRPr lang="en-US" altLang="zh-CN" dirty="0"/>
+              </a:p>
+              <a:p>
+                <a:pPr lvl="2"/>
+                <a:endParaRPr lang="en-US" altLang="zh-CN" dirty="0" smtClean="0"/>
+              </a:p>
+              <a:p>
+                <a:pPr lvl="2"/>
                 <a:r>
                   <a:rPr lang="zh-CN" altLang="en-US" dirty="0" smtClean="0"/>
                   <a:t>当</a:t>
                 </a:r>
                 <a:r>
+                  <a:rPr lang="en-US" altLang="zh-CN" dirty="0" smtClean="0"/>
+                  <a:t>N </a:t>
+                </a:r>
+                <a:r>
                   <a:rPr lang="en-US" altLang="zh-CN" dirty="0"/>
-                  <a:t>T → ∞</a:t>
+                  <a:t>→ ∞</a:t>
                 </a:r>
                 <a:r>
                   <a:rPr lang="zh-CN" altLang="en-US" dirty="0"/>
@@ -3996,6 +5265,72 @@
                 <a:endParaRPr lang="en-US" altLang="zh-CN" dirty="0"/>
               </a:p>
               <a:p>
+                <a:pPr lvl="1"/>
+                <a:r>
+                  <a:rPr lang="zh-CN" altLang="en-US" dirty="0" smtClean="0"/>
+                  <a:t>在</a:t>
+                </a:r>
+                <a:r>
+                  <a:rPr lang="zh-CN" altLang="en-US" dirty="0"/>
+                  <a:t>似估计出</a:t>
+                </a:r>
+                <a:r>
+                  <a:rPr lang="en-US" altLang="zh-CN" dirty="0"/>
+                  <a:t>Q π (</a:t>
+                </a:r>
+                <a:r>
+                  <a:rPr lang="en-US" altLang="zh-CN" dirty="0" err="1"/>
+                  <a:t>s,a</a:t>
+                </a:r>
+                <a:r>
+                  <a:rPr lang="en-US" altLang="zh-CN" dirty="0"/>
+                  <a:t>)</a:t>
+                </a:r>
+                <a:r>
+                  <a:rPr lang="zh-CN" altLang="en-US" dirty="0"/>
+                  <a:t>之后，就可以进行策略改进</a:t>
+                </a:r>
+                <a:r>
+                  <a:rPr lang="zh-CN" altLang="en-US" dirty="0" smtClean="0"/>
+                  <a:t>。</a:t>
+                </a:r>
+                <a:endParaRPr lang="en-US" altLang="zh-CN" dirty="0" smtClean="0"/>
+              </a:p>
+              <a:p>
+                <a:pPr lvl="1"/>
+                <a:r>
+                  <a:rPr lang="zh-CN" altLang="en-US" dirty="0" smtClean="0"/>
+                  <a:t>然后</a:t>
+                </a:r>
+                <a:r>
+                  <a:rPr lang="zh-CN" altLang="en-US" dirty="0"/>
+                  <a:t>在新的策略下</a:t>
+                </a:r>
+                <a:r>
+                  <a:rPr lang="zh-CN" altLang="en-US" dirty="0" smtClean="0"/>
+                  <a:t>重新通过</a:t>
+                </a:r>
+                <a:r>
+                  <a:rPr lang="zh-CN" altLang="en-US" dirty="0"/>
+                  <a:t>采样来估计</a:t>
+                </a:r>
+                <a:r>
+                  <a:rPr lang="en-US" altLang="zh-CN" dirty="0"/>
+                  <a:t>Q</a:t>
+                </a:r>
+                <a:r>
+                  <a:rPr lang="zh-CN" altLang="en-US" dirty="0"/>
+                  <a:t>函数，并不断重复，直至收敛。</a:t>
+                </a:r>
+                <a:endParaRPr lang="en-US" altLang="zh-CN" dirty="0" smtClean="0"/>
+              </a:p>
+              <a:p>
+                <a:pPr marL="0" indent="0">
+                  <a:buNone/>
+                </a:pPr>
+                <a:endParaRPr lang="en-US" altLang="zh-CN" dirty="0"/>
+              </a:p>
+              <a:p>
                 <a:endParaRPr lang="zh-CN" altLang="en-US" dirty="0"/>
               </a:p>
             </p:txBody>
@@ -4016,7 +5351,7 @@
               <a:blipFill>
                 <a:blip r:embed="rId2"/>
                 <a:stretch>
-                  <a:fillRect l="-1852" t="-1728"/>
+                  <a:fillRect l="-1037" t="-1728" r="-74"/>
                 </a:stretch>
               </a:blipFill>
             </p:spPr>
@@ -4037,7 +5372,7 @@
       </mc:AlternateContent>
       <p:pic>
         <p:nvPicPr>
-          <p:cNvPr id="4" name="图片 3" descr="屏幕剪辑"/>
+          <p:cNvPr id="5" name="图片 4" descr="屏幕剪辑"/>
           <p:cNvPicPr>
             <a:picLocks noChangeAspect="1"/>
           </p:cNvPicPr>
@@ -4057,8 +5392,8 @@
         </p:blipFill>
         <p:spPr>
           <a:xfrm>
-            <a:off x="2819400" y="1905000"/>
-            <a:ext cx="3559728" cy="1002190"/>
+            <a:off x="2286000" y="2286000"/>
+            <a:ext cx="4302177" cy="914400"/>
           </a:xfrm>
           <a:prstGeom prst="rect">
             <a:avLst/>
@@ -4078,7 +5413,7 @@
 </p:sld>
 </file>
 
-<file path=ppt/slides/slide13.xml><?xml version="1.0" encoding="utf-8"?>
+<file path=ppt/slides/slide21.xml><?xml version="1.0" encoding="utf-8"?>
 <p:sld xmlns:a="http://schemas.openxmlformats.org/drawingml/2006/main" xmlns:r="http://schemas.openxmlformats.org/officeDocument/2006/relationships" xmlns:p="http://schemas.openxmlformats.org/presentationml/2006/main">
   <p:cSld>
     <p:spTree>
@@ -4192,7 +5527,7 @@
             </a:r>
             <a:r>
               <a:rPr lang="zh-CN" altLang="en-US" dirty="0"/>
-              <a:t>个目标策略</a:t>
+              <a:t>个确定性策略</a:t>
             </a:r>
             <a:r>
               <a:rPr lang="en-US" altLang="zh-CN" dirty="0"/>
@@ -4270,10 +5605,17 @@
   <p:clrMapOvr>
     <a:masterClrMapping/>
   </p:clrMapOvr>
+  <p:timing>
+    <p:tnLst>
+      <p:par>
+        <p:cTn id="1" dur="indefinite" restart="never" nodeType="tmRoot"/>
+      </p:par>
+    </p:tnLst>
+  </p:timing>
 </p:sld>
 </file>
 
-<file path=ppt/slides/slide14.xml><?xml version="1.0" encoding="utf-8"?>
+<file path=ppt/slides/slide22.xml><?xml version="1.0" encoding="utf-8"?>
 <p:sld xmlns:a="http://schemas.openxmlformats.org/drawingml/2006/main" xmlns:r="http://schemas.openxmlformats.org/officeDocument/2006/relationships" xmlns:p="http://schemas.openxmlformats.org/presentationml/2006/main">
   <p:cSld>
     <p:spTree>
@@ -4290,58 +5632,9 @@
           <a:chExt cx="0" cy="0"/>
         </a:xfrm>
       </p:grpSpPr>
-      <p:sp>
-        <p:nvSpPr>
-          <p:cNvPr id="2" name="标题 1"/>
-          <p:cNvSpPr>
-            <a:spLocks noGrp="1"/>
-          </p:cNvSpPr>
-          <p:nvPr>
-            <p:ph type="title"/>
-          </p:nvPr>
-        </p:nvSpPr>
-        <p:spPr/>
-        <p:txBody>
-          <a:bodyPr/>
-          <a:lstStyle/>
-          <a:p>
-            <a:r>
-              <a:rPr lang="zh-CN" altLang="en-US" dirty="0"/>
-              <a:t>时序差分学习方法</a:t>
-            </a:r>
-          </a:p>
-        </p:txBody>
-      </p:sp>
-      <p:sp>
-        <p:nvSpPr>
-          <p:cNvPr id="3" name="内容占位符 2"/>
-          <p:cNvSpPr>
-            <a:spLocks noGrp="1"/>
-          </p:cNvSpPr>
-          <p:nvPr>
-            <p:ph sz="quarter" idx="1"/>
-          </p:nvPr>
-        </p:nvSpPr>
-        <p:spPr/>
-        <p:txBody>
-          <a:bodyPr/>
-          <a:lstStyle/>
-          <a:p>
-            <a:r>
-              <a:rPr lang="zh-CN" altLang="en-US" dirty="0"/>
-              <a:t>结合了动态规划和</a:t>
-            </a:r>
-            <a:r>
-              <a:rPr lang="zh-CN" altLang="en-US" dirty="0" smtClean="0"/>
-              <a:t>蒙特卡罗方法</a:t>
-            </a:r>
-            <a:endParaRPr lang="zh-CN" altLang="en-US" dirty="0"/>
-          </a:p>
-        </p:txBody>
-      </p:sp>
       <p:pic>
         <p:nvPicPr>
-          <p:cNvPr id="4" name="图片 3" descr="屏幕剪辑"/>
+          <p:cNvPr id="5" name="图片 4" descr="屏幕剪辑"/>
           <p:cNvPicPr>
             <a:picLocks noChangeAspect="1"/>
           </p:cNvPicPr>
@@ -4361,74 +5654,63 @@
         </p:blipFill>
         <p:spPr>
           <a:xfrm>
-            <a:off x="2362200" y="1828800"/>
-            <a:ext cx="3559728" cy="1002190"/>
+            <a:off x="914400" y="3232030"/>
+            <a:ext cx="7024799" cy="955934"/>
           </a:xfrm>
           <a:prstGeom prst="rect">
             <a:avLst/>
           </a:prstGeom>
         </p:spPr>
       </p:pic>
-      <p:pic>
-        <p:nvPicPr>
-          <p:cNvPr id="5" name="图片 4" descr="屏幕剪辑"/>
-          <p:cNvPicPr>
-            <a:picLocks noChangeAspect="1"/>
-          </p:cNvPicPr>
-          <p:nvPr/>
-        </p:nvPicPr>
-        <p:blipFill>
-          <a:blip r:embed="rId3">
-            <a:extLst>
-              <a:ext uri="{28A0092B-C50C-407E-A947-70E740481C1C}">
-                <a14:useLocalDpi xmlns:a14="http://schemas.microsoft.com/office/drawing/2010/main" val="0"/>
-              </a:ext>
-            </a:extLst>
-          </a:blip>
-          <a:stretch>
-            <a:fillRect/>
-          </a:stretch>
-        </p:blipFill>
-        <p:spPr>
-          <a:xfrm>
-            <a:off x="990600" y="3446988"/>
-            <a:ext cx="6997916" cy="736623"/>
-          </a:xfrm>
-          <a:prstGeom prst="rect">
-            <a:avLst/>
-          </a:prstGeom>
-        </p:spPr>
-      </p:pic>
-      <p:pic>
-        <p:nvPicPr>
-          <p:cNvPr id="6" name="图片 5" descr="屏幕剪辑"/>
-          <p:cNvPicPr>
-            <a:picLocks noChangeAspect="1"/>
-          </p:cNvPicPr>
-          <p:nvPr/>
-        </p:nvPicPr>
-        <p:blipFill>
-          <a:blip r:embed="rId4">
-            <a:extLst>
-              <a:ext uri="{28A0092B-C50C-407E-A947-70E740481C1C}">
-                <a14:useLocalDpi xmlns:a14="http://schemas.microsoft.com/office/drawing/2010/main" val="0"/>
-              </a:ext>
-            </a:extLst>
-          </a:blip>
-          <a:stretch>
-            <a:fillRect/>
-          </a:stretch>
-        </p:blipFill>
-        <p:spPr>
-          <a:xfrm>
-            <a:off x="2895600" y="4953000"/>
-            <a:ext cx="3657600" cy="810492"/>
-          </a:xfrm>
-          <a:prstGeom prst="rect">
-            <a:avLst/>
-          </a:prstGeom>
-        </p:spPr>
-      </p:pic>
+      <p:sp>
+        <p:nvSpPr>
+          <p:cNvPr id="2" name="标题 1"/>
+          <p:cNvSpPr>
+            <a:spLocks noGrp="1"/>
+          </p:cNvSpPr>
+          <p:nvPr>
+            <p:ph type="title"/>
+          </p:nvPr>
+        </p:nvSpPr>
+        <p:spPr/>
+        <p:txBody>
+          <a:bodyPr/>
+          <a:lstStyle/>
+          <a:p>
+            <a:r>
+              <a:rPr lang="zh-CN" altLang="en-US" dirty="0"/>
+              <a:t>时序差分学习方法</a:t>
+            </a:r>
+          </a:p>
+        </p:txBody>
+      </p:sp>
+      <p:sp>
+        <p:nvSpPr>
+          <p:cNvPr id="3" name="内容占位符 2"/>
+          <p:cNvSpPr>
+            <a:spLocks noGrp="1"/>
+          </p:cNvSpPr>
+          <p:nvPr>
+            <p:ph sz="quarter" idx="1"/>
+          </p:nvPr>
+        </p:nvSpPr>
+        <p:spPr/>
+        <p:txBody>
+          <a:bodyPr/>
+          <a:lstStyle/>
+          <a:p>
+            <a:r>
+              <a:rPr lang="zh-CN" altLang="en-US" dirty="0"/>
+              <a:t>结合了动态规划和</a:t>
+            </a:r>
+            <a:r>
+              <a:rPr lang="zh-CN" altLang="en-US" dirty="0" smtClean="0"/>
+              <a:t>蒙特卡罗方法</a:t>
+            </a:r>
+            <a:endParaRPr lang="zh-CN" altLang="en-US" dirty="0"/>
+          </a:p>
+        </p:txBody>
+      </p:sp>
       <p:sp>
         <p:nvSpPr>
           <p:cNvPr id="12" name="下箭头 11"/>
@@ -4477,8 +5759,8 @@
         </p:nvSpPr>
         <p:spPr>
           <a:xfrm>
-            <a:off x="5105400" y="3200400"/>
-            <a:ext cx="816528" cy="1143000"/>
+            <a:off x="4495800" y="3200400"/>
+            <a:ext cx="1752600" cy="1143000"/>
           </a:xfrm>
           <a:prstGeom prst="ellipse">
             <a:avLst/>
@@ -4500,7 +5782,7 @@
           </a:fontRef>
         </p:style>
         <p:txBody>
-          <a:bodyPr wrap="none" rtlCol="0" anchor="ctr">
+          <a:bodyPr wrap="square" rtlCol="0" anchor="ctr">
             <a:spAutoFit/>
           </a:bodyPr>
           <a:lstStyle/>
@@ -4515,14 +5797,13 @@
           <p:cNvPr id="15" name="直接箭头连接符 14"/>
           <p:cNvCxnSpPr>
             <a:stCxn id="13" idx="4"/>
-            <a:endCxn id="6" idx="0"/>
           </p:cNvCxnSpPr>
           <p:nvPr/>
         </p:nvCxnSpPr>
         <p:spPr>
           <a:xfrm flipH="1">
             <a:off x="4724400" y="4343400"/>
-            <a:ext cx="789264" cy="609600"/>
+            <a:ext cx="647700" cy="609600"/>
           </a:xfrm>
           <a:prstGeom prst="straightConnector1">
             <a:avLst/>
@@ -4549,6 +5830,140 @@
           </a:fontRef>
         </p:style>
       </p:cxnSp>
+      <p:sp>
+        <p:nvSpPr>
+          <p:cNvPr id="9" name="矩形 8"/>
+          <p:cNvSpPr/>
+          <p:nvPr/>
+        </p:nvSpPr>
+        <p:spPr>
+          <a:xfrm>
+            <a:off x="523239" y="5666065"/>
+            <a:ext cx="8163561" cy="646331"/>
+          </a:xfrm>
+          <a:prstGeom prst="rect">
+            <a:avLst/>
+          </a:prstGeom>
+        </p:spPr>
+        <p:txBody>
+          <a:bodyPr wrap="square">
+            <a:spAutoFit/>
+          </a:bodyPr>
+          <a:lstStyle/>
+          <a:p>
+            <a:r>
+              <a:rPr lang="zh-CN" altLang="en-US" dirty="0"/>
+              <a:t>从s,a开始，采样下一步的</a:t>
+            </a:r>
+            <a:r>
+              <a:rPr lang="zh-CN" altLang="en-US" dirty="0" smtClean="0"/>
+              <a:t>状态和</a:t>
+            </a:r>
+            <a:r>
+              <a:rPr lang="zh-CN" altLang="en-US" dirty="0"/>
+              <a:t>动作(s ′ ,a ′ )，并得到奖励r(s,a,s ′ )，然后利用贝尔曼方程来近似估计G(</a:t>
+            </a:r>
+            <a:r>
+              <a:rPr lang="zh-CN" altLang="en-US" dirty="0" smtClean="0"/>
+              <a:t>τ)</a:t>
+            </a:r>
+            <a:endParaRPr lang="zh-CN" altLang="en-US" dirty="0"/>
+          </a:p>
+        </p:txBody>
+      </p:sp>
+      <p:pic>
+        <p:nvPicPr>
+          <p:cNvPr id="4" name="图片 3" descr="屏幕剪辑"/>
+          <p:cNvPicPr>
+            <a:picLocks noChangeAspect="1"/>
+          </p:cNvPicPr>
+          <p:nvPr/>
+        </p:nvPicPr>
+        <p:blipFill>
+          <a:blip r:embed="rId3">
+            <a:extLst>
+              <a:ext uri="{28A0092B-C50C-407E-A947-70E740481C1C}">
+                <a14:useLocalDpi xmlns:a14="http://schemas.microsoft.com/office/drawing/2010/main" val="0"/>
+              </a:ext>
+            </a:extLst>
+          </a:blip>
+          <a:stretch>
+            <a:fillRect/>
+          </a:stretch>
+        </p:blipFill>
+        <p:spPr>
+          <a:xfrm>
+            <a:off x="2514600" y="1786647"/>
+            <a:ext cx="3541402" cy="861422"/>
+          </a:xfrm>
+          <a:prstGeom prst="rect">
+            <a:avLst/>
+          </a:prstGeom>
+        </p:spPr>
+      </p:pic>
+      <p:pic>
+        <p:nvPicPr>
+          <p:cNvPr id="14" name="图片 13" descr="屏幕剪辑"/>
+          <p:cNvPicPr>
+            <a:picLocks noChangeAspect="1"/>
+          </p:cNvPicPr>
+          <p:nvPr/>
+        </p:nvPicPr>
+        <p:blipFill>
+          <a:blip r:embed="rId4">
+            <a:extLst>
+              <a:ext uri="{28A0092B-C50C-407E-A947-70E740481C1C}">
+                <a14:useLocalDpi xmlns:a14="http://schemas.microsoft.com/office/drawing/2010/main" val="0"/>
+              </a:ext>
+            </a:extLst>
+          </a:blip>
+          <a:stretch>
+            <a:fillRect/>
+          </a:stretch>
+        </p:blipFill>
+        <p:spPr>
+          <a:xfrm>
+            <a:off x="3620283" y="4988106"/>
+            <a:ext cx="2855934" cy="609600"/>
+          </a:xfrm>
+          <a:prstGeom prst="rect">
+            <a:avLst/>
+          </a:prstGeom>
+        </p:spPr>
+      </p:pic>
+      <p:sp>
+        <p:nvSpPr>
+          <p:cNvPr id="16" name="矩形 15"/>
+          <p:cNvSpPr/>
+          <p:nvPr/>
+        </p:nvSpPr>
+        <p:spPr>
+          <a:xfrm>
+            <a:off x="5237801" y="3044964"/>
+            <a:ext cx="2021198" cy="461665"/>
+          </a:xfrm>
+          <a:prstGeom prst="rect">
+            <a:avLst/>
+          </a:prstGeom>
+        </p:spPr>
+        <p:txBody>
+          <a:bodyPr wrap="square">
+            <a:spAutoFit/>
+          </a:bodyPr>
+          <a:lstStyle/>
+          <a:p>
+            <a:pPr algn="ctr"/>
+            <a:r>
+              <a:rPr lang="zh-CN" altLang="en-US" sz="2400" dirty="0">
+                <a:solidFill>
+                  <a:srgbClr val="FF0000"/>
+                </a:solidFill>
+              </a:rPr>
+              <a:t>蒙特卡罗误差</a:t>
+            </a:r>
+          </a:p>
+        </p:txBody>
+      </p:sp>
     </p:spTree>
     <p:extLst>
       <p:ext uri="{BB962C8B-B14F-4D97-AF65-F5344CB8AC3E}">
@@ -4607,7 +6022,7 @@
                                 </p:cTn>
                               </p:par>
                               <p:par>
-                                <p:cTn id="7" presetID="1" presetClass="entr" presetSubtype="0" fill="hold" nodeType="withEffect">
+                                <p:cTn id="7" presetID="10" presetClass="entr" presetSubtype="0" fill="hold" nodeType="withEffect">
                                   <p:stCondLst>
                                     <p:cond delay="0"/>
                                   </p:stCondLst>
@@ -4630,6 +6045,49 @@
                                         <p:strVal val="visible"/>
                                       </p:to>
                                     </p:set>
+                                    <p:animEffect transition="in" filter="fade">
+                                      <p:cBhvr>
+                                        <p:cTn id="9" dur="500"/>
+                                        <p:tgtEl>
+                                          <p:spTgt spid="5"/>
+                                        </p:tgtEl>
+                                      </p:cBhvr>
+                                    </p:animEffect>
+                                  </p:childTnLst>
+                                </p:cTn>
+                              </p:par>
+                              <p:par>
+                                <p:cTn id="10" presetID="10" presetClass="entr" presetSubtype="0" fill="hold" grpId="0" nodeType="withEffect">
+                                  <p:stCondLst>
+                                    <p:cond delay="0"/>
+                                  </p:stCondLst>
+                                  <p:childTnLst>
+                                    <p:set>
+                                      <p:cBhvr>
+                                        <p:cTn id="11" dur="1" fill="hold">
+                                          <p:stCondLst>
+                                            <p:cond delay="0"/>
+                                          </p:stCondLst>
+                                        </p:cTn>
+                                        <p:tgtEl>
+                                          <p:spTgt spid="16"/>
+                                        </p:tgtEl>
+                                        <p:attrNameLst>
+                                          <p:attrName>style.visibility</p:attrName>
+                                        </p:attrNameLst>
+                                      </p:cBhvr>
+                                      <p:to>
+                                        <p:strVal val="visible"/>
+                                      </p:to>
+                                    </p:set>
+                                    <p:animEffect transition="in" filter="fade">
+                                      <p:cBhvr>
+                                        <p:cTn id="12" dur="500"/>
+                                        <p:tgtEl>
+                                          <p:spTgt spid="16"/>
+                                        </p:tgtEl>
+                                      </p:cBhvr>
+                                    </p:animEffect>
                                   </p:childTnLst>
                                 </p:cTn>
                               </p:par>
@@ -4640,26 +6098,26 @@
                     </p:cTn>
                   </p:par>
                   <p:par>
-                    <p:cTn id="9" fill="hold">
+                    <p:cTn id="13" fill="hold">
                       <p:stCondLst>
                         <p:cond delay="indefinite"/>
                       </p:stCondLst>
                       <p:childTnLst>
                         <p:par>
-                          <p:cTn id="10" fill="hold">
+                          <p:cTn id="14" fill="hold">
                             <p:stCondLst>
                               <p:cond delay="0"/>
                             </p:stCondLst>
                             <p:childTnLst>
                               <p:par>
-                                <p:cTn id="11" presetID="1" presetClass="entr" presetSubtype="0" fill="hold" grpId="0" nodeType="clickEffect">
+                                <p:cTn id="15" presetID="1" presetClass="entr" presetSubtype="0" fill="hold" grpId="0" nodeType="clickEffect">
                                   <p:stCondLst>
                                     <p:cond delay="0"/>
                                   </p:stCondLst>
                                   <p:childTnLst>
                                     <p:set>
                                       <p:cBhvr>
-                                        <p:cTn id="12" dur="1" fill="hold">
+                                        <p:cTn id="16" dur="1" fill="hold">
                                           <p:stCondLst>
                                             <p:cond delay="0"/>
                                           </p:stCondLst>
@@ -4679,14 +6137,14 @@
                                 </p:cTn>
                               </p:par>
                               <p:par>
-                                <p:cTn id="13" presetID="1" presetClass="entr" presetSubtype="0" fill="hold" nodeType="withEffect">
+                                <p:cTn id="17" presetID="1" presetClass="entr" presetSubtype="0" fill="hold" nodeType="withEffect">
                                   <p:stCondLst>
                                     <p:cond delay="0"/>
                                   </p:stCondLst>
                                   <p:childTnLst>
                                     <p:set>
                                       <p:cBhvr>
-                                        <p:cTn id="14" dur="1" fill="hold">
+                                        <p:cTn id="18" dur="1" fill="hold">
                                           <p:stCondLst>
                                             <p:cond delay="0"/>
                                           </p:stCondLst>
@@ -4706,20 +6164,20 @@
                                 </p:cTn>
                               </p:par>
                               <p:par>
-                                <p:cTn id="15" presetID="1" presetClass="entr" presetSubtype="0" fill="hold" nodeType="withEffect">
+                                <p:cTn id="19" presetID="10" presetClass="entr" presetSubtype="0" fill="hold" nodeType="withEffect">
                                   <p:stCondLst>
                                     <p:cond delay="0"/>
                                   </p:stCondLst>
                                   <p:childTnLst>
                                     <p:set>
                                       <p:cBhvr>
-                                        <p:cTn id="16" dur="1" fill="hold">
+                                        <p:cTn id="20" dur="1" fill="hold">
                                           <p:stCondLst>
                                             <p:cond delay="0"/>
                                           </p:stCondLst>
                                         </p:cTn>
                                         <p:tgtEl>
-                                          <p:spTgt spid="6"/>
+                                          <p:spTgt spid="14"/>
                                         </p:tgtEl>
                                         <p:attrNameLst>
                                           <p:attrName>style.visibility</p:attrName>
@@ -4729,6 +6187,14 @@
                                         <p:strVal val="visible"/>
                                       </p:to>
                                     </p:set>
+                                    <p:animEffect transition="in" filter="fade">
+                                      <p:cBhvr>
+                                        <p:cTn id="21" dur="500"/>
+                                        <p:tgtEl>
+                                          <p:spTgt spid="14"/>
+                                        </p:tgtEl>
+                                      </p:cBhvr>
+                                    </p:animEffect>
                                   </p:childTnLst>
                                 </p:cTn>
                               </p:par>
@@ -4762,12 +6228,13 @@
     <p:bldLst>
       <p:bldP spid="12" grpId="0" animBg="1"/>
       <p:bldP spid="13" grpId="0" animBg="1"/>
+      <p:bldP spid="16" grpId="0"/>
     </p:bldLst>
   </p:timing>
 </p:sld>
 </file>
 
-<file path=ppt/slides/slide15.xml><?xml version="1.0" encoding="utf-8"?>
+<file path=ppt/slides/slide23.xml><?xml version="1.0" encoding="utf-8"?>
 <p:sld xmlns:a="http://schemas.openxmlformats.org/drawingml/2006/main" xmlns:r="http://schemas.openxmlformats.org/officeDocument/2006/relationships" xmlns:p="http://schemas.openxmlformats.org/presentationml/2006/main">
   <p:cSld>
     <p:spTree>
@@ -4805,14 +6272,37 @@
             </a:r>
             <a:r>
               <a:rPr lang="zh-CN" altLang="en-US" dirty="0"/>
-              <a:t>算法</a:t>
+              <a:t>算法（</a:t>
+            </a:r>
+            <a:r>
+              <a:rPr lang="en-US" altLang="zh-CN" dirty="0"/>
+              <a:t>State Action Reward</a:t>
+            </a:r>
+            <a:br>
+              <a:rPr lang="en-US" altLang="zh-CN" dirty="0"/>
+            </a:br>
+            <a:r>
+              <a:rPr lang="en-US" altLang="zh-CN" dirty="0"/>
+              <a:t>State Action</a:t>
+            </a:r>
+            <a:r>
+              <a:rPr lang="zh-CN" altLang="en-US" dirty="0"/>
+              <a:t>，</a:t>
+            </a:r>
+            <a:r>
+              <a:rPr lang="en-US" altLang="zh-CN" dirty="0"/>
+              <a:t>SARSA</a:t>
+            </a:r>
+            <a:r>
+              <a:rPr lang="zh-CN" altLang="en-US" dirty="0"/>
+              <a:t>）</a:t>
             </a:r>
           </a:p>
         </p:txBody>
       </p:sp>
       <p:pic>
         <p:nvPicPr>
-          <p:cNvPr id="4" name="内容占位符 3" descr="屏幕剪辑"/>
+          <p:cNvPr id="5" name="内容占位符 4" descr="屏幕剪辑"/>
           <p:cNvPicPr>
             <a:picLocks noGrp="1" noChangeAspect="1"/>
           </p:cNvPicPr>
@@ -4821,7 +6311,7 @@
           </p:nvPr>
         </p:nvPicPr>
         <p:blipFill>
-          <a:blip r:embed="rId2" cstate="print">
+          <a:blip r:embed="rId2">
             <a:extLst>
               <a:ext uri="{28A0092B-C50C-407E-A947-70E740481C1C}">
                 <a14:useLocalDpi xmlns:a14="http://schemas.microsoft.com/office/drawing/2010/main" val="0"/>
@@ -4834,8 +6324,8 @@
         </p:blipFill>
         <p:spPr>
           <a:xfrm>
-            <a:off x="1651244" y="1219200"/>
-            <a:ext cx="6044955" cy="5109073"/>
+            <a:off x="1481647" y="1219200"/>
+            <a:ext cx="6443153" cy="5146768"/>
           </a:xfrm>
         </p:spPr>
       </p:pic>
@@ -4859,7 +6349,7 @@
 </p:sld>
 </file>
 
-<file path=ppt/slides/slide16.xml><?xml version="1.0" encoding="utf-8"?>
+<file path=ppt/slides/slide24.xml><?xml version="1.0" encoding="utf-8"?>
 <p:sld xmlns:a="http://schemas.openxmlformats.org/drawingml/2006/main" xmlns:r="http://schemas.openxmlformats.org/officeDocument/2006/relationships" xmlns:p="http://schemas.openxmlformats.org/presentationml/2006/main">
   <p:cSld>
     <p:spTree>
@@ -4902,18 +6392,83 @@
           </a:p>
         </p:txBody>
       </p:sp>
-      <p:pic>
-        <p:nvPicPr>
-          <p:cNvPr id="4" name="内容占位符 3" descr="屏幕剪辑"/>
-          <p:cNvPicPr>
-            <a:picLocks noGrp="1" noChangeAspect="1"/>
-          </p:cNvPicPr>
+      <p:sp>
+        <p:nvSpPr>
+          <p:cNvPr id="8" name="内容占位符 7"/>
+          <p:cNvSpPr>
+            <a:spLocks noGrp="1"/>
+          </p:cNvSpPr>
           <p:nvPr>
             <p:ph sz="quarter" idx="1"/>
           </p:nvPr>
+        </p:nvSpPr>
+        <p:spPr/>
+        <p:txBody>
+          <a:bodyPr/>
+          <a:lstStyle/>
+          <a:p>
+            <a:pPr lvl="1"/>
+            <a:r>
+              <a:rPr lang="en-US" altLang="zh-CN" dirty="0"/>
+              <a:t>Q</a:t>
+            </a:r>
+            <a:r>
+              <a:rPr lang="zh-CN" altLang="en-US" dirty="0"/>
+              <a:t>学习算法不通过</a:t>
+            </a:r>
+            <a:r>
+              <a:rPr lang="en-US" altLang="zh-CN" dirty="0"/>
+              <a:t>π </a:t>
+            </a:r>
+            <a:r>
+              <a:rPr lang="en-US" altLang="zh-CN" baseline="30000" dirty="0"/>
+              <a:t>ϵ</a:t>
+            </a:r>
+            <a:r>
+              <a:rPr lang="en-US" altLang="zh-CN" dirty="0"/>
+              <a:t> </a:t>
+            </a:r>
+            <a:r>
+              <a:rPr lang="zh-CN" altLang="en-US" dirty="0"/>
+              <a:t>来选下一步的动作</a:t>
+            </a:r>
+            <a:r>
+              <a:rPr lang="en-US" altLang="zh-CN" dirty="0"/>
+              <a:t>a ′ </a:t>
+            </a:r>
+            <a:r>
+              <a:rPr lang="zh-CN" altLang="en-US" dirty="0"/>
+              <a:t>，</a:t>
+            </a:r>
+            <a:r>
+              <a:rPr lang="zh-CN" altLang="en-US" dirty="0" smtClean="0"/>
+              <a:t>而是直接</a:t>
+            </a:r>
+            <a:r>
+              <a:rPr lang="zh-CN" altLang="en-US" dirty="0"/>
+              <a:t>选最优的</a:t>
+            </a:r>
+            <a:r>
+              <a:rPr lang="en-US" altLang="zh-CN" dirty="0"/>
+              <a:t>Q</a:t>
+            </a:r>
+            <a:r>
+              <a:rPr lang="zh-CN" altLang="en-US" dirty="0"/>
+              <a:t>函数，</a:t>
+            </a:r>
+          </a:p>
+        </p:txBody>
+      </p:sp>
+      <p:pic>
+        <p:nvPicPr>
+          <p:cNvPr id="9" name="内容占位符 6" descr="屏幕剪辑"/>
+          <p:cNvPicPr>
+            <a:picLocks noChangeAspect="1"/>
+          </p:cNvPicPr>
+          <p:nvPr/>
         </p:nvPicPr>
         <p:blipFill>
-          <a:blip r:embed="rId2" cstate="print">
+          <a:blip r:embed="rId2">
             <a:extLst>
               <a:ext uri="{28A0092B-C50C-407E-A947-70E740481C1C}">
                 <a14:useLocalDpi xmlns:a14="http://schemas.microsoft.com/office/drawing/2010/main" val="0"/>
@@ -4924,11 +6479,37 @@
             <a:fillRect/>
           </a:stretch>
         </p:blipFill>
-        <p:spPr>
+        <p:spPr bwMode="auto">
           <a:xfrm>
-            <a:off x="1623268" y="1219200"/>
-            <a:ext cx="6149132" cy="5147812"/>
+            <a:off x="1524000" y="1964575"/>
+            <a:ext cx="5939560" cy="4268585"/>
           </a:xfrm>
+          <a:prstGeom prst="rect">
+            <a:avLst/>
+          </a:prstGeom>
+          <a:noFill/>
+          <a:ln>
+            <a:noFill/>
+          </a:ln>
+          <a:extLst>
+            <a:ext uri="{909E8E84-426E-40dd-AFC4-6F175D3DCCD1}">
+              <a14:hiddenFill xmlns:a14="http://schemas.microsoft.com/office/drawing/2010/main" xmlns="">
+                <a:solidFill>
+                  <a:srgbClr val="FFFFFF"/>
+                </a:solidFill>
+              </a14:hiddenFill>
+            </a:ext>
+            <a:ext uri="{91240B29-F687-4f45-9708-019B960494DF}">
+              <a14:hiddenLine xmlns:a14="http://schemas.microsoft.com/office/drawing/2010/main" xmlns="" w="9525">
+                <a:solidFill>
+                  <a:srgbClr val="000000"/>
+                </a:solidFill>
+                <a:miter lim="800000"/>
+                <a:headEnd/>
+                <a:tailEnd/>
+              </a14:hiddenLine>
+            </a:ext>
+          </a:extLst>
         </p:spPr>
       </p:pic>
     </p:spTree>
@@ -4951,7 +6532,7 @@
 </p:sld>
 </file>
 
-<file path=ppt/slides/slide17.xml><?xml version="1.0" encoding="utf-8"?>
+<file path=ppt/slides/slide25.xml><?xml version="1.0" encoding="utf-8"?>
 <p:sld xmlns:a="http://schemas.openxmlformats.org/drawingml/2006/main" xmlns:r="http://schemas.openxmlformats.org/officeDocument/2006/relationships" xmlns:p="http://schemas.openxmlformats.org/presentationml/2006/main">
   <p:cSld>
     <p:spTree>
@@ -4985,7 +6566,7 @@
           <a:p>
             <a:r>
               <a:rPr lang="zh-CN" altLang="en-US" dirty="0"/>
-              <a:t>深度强化学习</a:t>
+              <a:t>基于值函数的深度强化学习</a:t>
             </a:r>
           </a:p>
         </p:txBody>
@@ -5007,63 +6588,109 @@
           <a:p>
             <a:r>
               <a:rPr lang="zh-CN" altLang="en-US" dirty="0"/>
-              <a:t>深度强化学习是将强化学习和深度学习结合在一起，用强化学习来定义问题和优化目标，用深度学习来解决状态表示、策略表示等问题</a:t>
+              <a:t>为了在连续的状态和动作空间中计算值函数</a:t>
+            </a:r>
+            <a:r>
+              <a:rPr lang="en-US" altLang="zh-CN" dirty="0" smtClean="0"/>
+              <a:t>Q</a:t>
+            </a:r>
+            <a:r>
+              <a:rPr lang="el-GR" altLang="zh-CN" baseline="-25000" dirty="0" smtClean="0"/>
+              <a:t>π</a:t>
+            </a:r>
+            <a:r>
+              <a:rPr lang="el-GR" altLang="zh-CN" dirty="0" smtClean="0"/>
+              <a:t> </a:t>
+            </a:r>
+            <a:r>
+              <a:rPr lang="el-GR" altLang="zh-CN" dirty="0"/>
+              <a:t>(</a:t>
+            </a:r>
+            <a:r>
+              <a:rPr lang="en-US" altLang="zh-CN" dirty="0" err="1"/>
+              <a:t>s,a</a:t>
+            </a:r>
+            <a:r>
+              <a:rPr lang="en-US" altLang="zh-CN" dirty="0"/>
+              <a:t>)</a:t>
+            </a:r>
+            <a:r>
+              <a:rPr lang="zh-CN" altLang="en-US" dirty="0"/>
+              <a:t>，我们可以用一个</a:t>
             </a:r>
             <a:r>
               <a:rPr lang="zh-CN" altLang="en-US" dirty="0" smtClean="0"/>
-              <a:t>。</a:t>
-            </a:r>
-            <a:endParaRPr lang="en-US" altLang="zh-CN" dirty="0" smtClean="0"/>
-          </a:p>
-          <a:p>
-            <a:pPr lvl="1"/>
-            <a:r>
-              <a:rPr lang="zh-CN" altLang="en-US" dirty="0"/>
-              <a:t>三种不同的结合强化学习和深度学习的方式，分别用深度神经网络来建模强化学习中的</a:t>
-            </a:r>
-            <a:r>
-              <a:rPr lang="zh-CN" altLang="en-US" dirty="0">
-                <a:solidFill>
-                  <a:srgbClr val="FF0000"/>
-                </a:solidFill>
-              </a:rPr>
-              <a:t>值函数</a:t>
-            </a:r>
-            <a:r>
-              <a:rPr lang="zh-CN" altLang="en-US" dirty="0"/>
-              <a:t>、</a:t>
-            </a:r>
-            <a:r>
-              <a:rPr lang="zh-CN" altLang="en-US" dirty="0">
-                <a:solidFill>
-                  <a:srgbClr val="FF0000"/>
-                </a:solidFill>
-              </a:rPr>
-              <a:t>策略</a:t>
-            </a:r>
-            <a:r>
-              <a:rPr lang="zh-CN" altLang="en-US" dirty="0"/>
-              <a:t>、</a:t>
-            </a:r>
-            <a:r>
-              <a:rPr lang="zh-CN" altLang="en-US" dirty="0">
-                <a:solidFill>
-                  <a:srgbClr val="FF0000"/>
-                </a:solidFill>
-              </a:rPr>
-              <a:t>模型</a:t>
-            </a:r>
-            <a:r>
-              <a:rPr lang="zh-CN" altLang="en-US" dirty="0"/>
-              <a:t>，然后用误差反向传播算法来优化目标函数。</a:t>
+              <a:t>函数</a:t>
+            </a:r>
+            <a:r>
+              <a:rPr lang="en-US" altLang="zh-CN" dirty="0" smtClean="0"/>
+              <a:t>Q</a:t>
+            </a:r>
+            <a:r>
+              <a:rPr lang="el-GR" altLang="zh-CN" baseline="-25000" dirty="0"/>
+              <a:t> ϕ </a:t>
+            </a:r>
+            <a:r>
+              <a:rPr lang="el-GR" altLang="zh-CN" dirty="0" smtClean="0"/>
+              <a:t>(</a:t>
+            </a:r>
+            <a:r>
+              <a:rPr lang="en-US" altLang="zh-CN" dirty="0" err="1"/>
+              <a:t>s,a</a:t>
+            </a:r>
+            <a:r>
+              <a:rPr lang="en-US" altLang="zh-CN" dirty="0"/>
+              <a:t>)</a:t>
+            </a:r>
+            <a:r>
+              <a:rPr lang="zh-CN" altLang="en-US" dirty="0"/>
+              <a:t>来表示近似计算，称为值函数近似（</a:t>
+            </a:r>
+            <a:r>
+              <a:rPr lang="en-US" altLang="zh-CN" dirty="0"/>
+              <a:t>Value Function Approximation</a:t>
+            </a:r>
+            <a:r>
+              <a:rPr lang="zh-CN" altLang="en-US" dirty="0"/>
+              <a:t>）</a:t>
             </a:r>
           </a:p>
         </p:txBody>
       </p:sp>
+      <p:pic>
+        <p:nvPicPr>
+          <p:cNvPr id="4" name="图片 3" descr="屏幕剪辑"/>
+          <p:cNvPicPr>
+            <a:picLocks noChangeAspect="1"/>
+          </p:cNvPicPr>
+          <p:nvPr/>
+        </p:nvPicPr>
+        <p:blipFill>
+          <a:blip r:embed="rId2">
+            <a:extLst>
+              <a:ext uri="{28A0092B-C50C-407E-A947-70E740481C1C}">
+                <a14:useLocalDpi xmlns:a14="http://schemas.microsoft.com/office/drawing/2010/main" val="0"/>
+              </a:ext>
+            </a:extLst>
+          </a:blip>
+          <a:stretch>
+            <a:fillRect/>
+          </a:stretch>
+        </p:blipFill>
+        <p:spPr>
+          <a:xfrm>
+            <a:off x="2743200" y="3505200"/>
+            <a:ext cx="2974109" cy="914400"/>
+          </a:xfrm>
+          <a:prstGeom prst="rect">
+            <a:avLst/>
+          </a:prstGeom>
+        </p:spPr>
+      </p:pic>
     </p:spTree>
     <p:extLst>
       <p:ext uri="{BB962C8B-B14F-4D97-AF65-F5344CB8AC3E}">
-        <p14:creationId xmlns:p14="http://schemas.microsoft.com/office/powerpoint/2010/main" val="92852822"/>
+        <p14:creationId xmlns:p14="http://schemas.microsoft.com/office/powerpoint/2010/main" val="2912838209"/>
       </p:ext>
     </p:extLst>
   </p:cSld>
@@ -5080,7 +6707,7 @@
 </p:sld>
 </file>
 
-<file path=ppt/slides/slide18.xml><?xml version="1.0" encoding="utf-8"?>
+<file path=ppt/slides/slide26.xml><?xml version="1.0" encoding="utf-8"?>
 <p:sld xmlns:a="http://schemas.openxmlformats.org/drawingml/2006/main" xmlns:r="http://schemas.openxmlformats.org/officeDocument/2006/relationships" xmlns:p="http://schemas.openxmlformats.org/presentationml/2006/main">
   <p:cSld>
     <p:spTree>
@@ -5114,14 +6741,14 @@
           <a:p>
             <a:r>
               <a:rPr lang="zh-CN" altLang="en-US" dirty="0"/>
-              <a:t>基于值函数的深度强化学习</a:t>
+              <a:t>目标函数</a:t>
             </a:r>
           </a:p>
         </p:txBody>
       </p:sp>
       <p:sp>
         <p:nvSpPr>
-          <p:cNvPr id="3" name="内容占位符 2"/>
+          <p:cNvPr id="6" name="内容占位符 5"/>
           <p:cNvSpPr>
             <a:spLocks noGrp="1"/>
           </p:cNvSpPr>
@@ -5134,80 +6761,541 @@
           <a:bodyPr/>
           <a:lstStyle/>
           <a:p>
-            <a:r>
-              <a:rPr lang="zh-CN" altLang="en-US" dirty="0"/>
-              <a:t>为了在连续的状态和动作空间中计算值函数</a:t>
-            </a:r>
-            <a:r>
-              <a:rPr lang="en-US" altLang="zh-CN" dirty="0" smtClean="0"/>
+            <a:endParaRPr lang="en-US" altLang="zh-CN" dirty="0"/>
+          </a:p>
+          <a:p>
+            <a:endParaRPr lang="en-US" altLang="zh-CN" dirty="0" smtClean="0"/>
+          </a:p>
+          <a:p>
+            <a:r>
+              <a:rPr lang="zh-CN" altLang="en-US" dirty="0" smtClean="0"/>
+              <a:t>存在两个问题：</a:t>
+            </a:r>
+            <a:endParaRPr lang="en-US" altLang="zh-CN" dirty="0" smtClean="0"/>
+          </a:p>
+          <a:p>
+            <a:pPr lvl="1"/>
+            <a:r>
+              <a:rPr lang="zh-CN" altLang="en-US" dirty="0"/>
+              <a:t>目标不稳定，参数学习的目标</a:t>
+            </a:r>
+            <a:r>
+              <a:rPr lang="zh-CN" altLang="en-US" dirty="0" smtClean="0"/>
+              <a:t>依赖于</a:t>
+            </a:r>
+            <a:r>
+              <a:rPr lang="zh-CN" altLang="en-US" dirty="0"/>
+              <a:t>参数本身</a:t>
+            </a:r>
+            <a:r>
+              <a:rPr lang="zh-CN" altLang="en-US" dirty="0" smtClean="0"/>
+              <a:t>；</a:t>
+            </a:r>
+            <a:endParaRPr lang="en-US" altLang="zh-CN" dirty="0" smtClean="0"/>
+          </a:p>
+          <a:p>
+            <a:pPr lvl="1"/>
+            <a:r>
+              <a:rPr lang="zh-CN" altLang="en-US" dirty="0" smtClean="0"/>
+              <a:t>样本</a:t>
+            </a:r>
+            <a:r>
+              <a:rPr lang="zh-CN" altLang="en-US" dirty="0"/>
+              <a:t>之间有很强的相关性</a:t>
+            </a:r>
+            <a:r>
+              <a:rPr lang="zh-CN" altLang="en-US" dirty="0" smtClean="0"/>
+              <a:t>。</a:t>
+            </a:r>
+            <a:endParaRPr lang="en-US" altLang="zh-CN" dirty="0" smtClean="0"/>
+          </a:p>
+          <a:p>
+            <a:pPr lvl="1"/>
+            <a:endParaRPr lang="en-US" altLang="zh-CN" dirty="0"/>
+          </a:p>
+          <a:p>
+            <a:r>
+              <a:rPr lang="zh-CN" altLang="en-US" dirty="0"/>
+              <a:t>深度</a:t>
+            </a:r>
+            <a:r>
+              <a:rPr lang="en-US" altLang="zh-CN" dirty="0"/>
               <a:t>Q</a:t>
             </a:r>
             <a:r>
-              <a:rPr lang="el-GR" altLang="zh-CN" baseline="-25000" dirty="0" smtClean="0"/>
-              <a:t>π</a:t>
-            </a:r>
-            <a:r>
-              <a:rPr lang="el-GR" altLang="zh-CN" dirty="0" smtClean="0"/>
-              <a:t> </a:t>
-            </a:r>
-            <a:r>
-              <a:rPr lang="el-GR" altLang="zh-CN" dirty="0"/>
-              <a:t>(</a:t>
-            </a:r>
-            <a:r>
-              <a:rPr lang="en-US" altLang="zh-CN" dirty="0" err="1"/>
-              <a:t>s,a</a:t>
+              <a:rPr lang="zh-CN" altLang="en-US" dirty="0" smtClean="0"/>
+              <a:t>网络</a:t>
+            </a:r>
+            <a:endParaRPr lang="en-US" altLang="zh-CN" dirty="0" smtClean="0"/>
+          </a:p>
+          <a:p>
+            <a:pPr lvl="1"/>
+            <a:r>
+              <a:rPr lang="zh-CN" altLang="en-US" dirty="0" smtClean="0"/>
+              <a:t>一</a:t>
+            </a:r>
+            <a:r>
+              <a:rPr lang="zh-CN" altLang="en-US" dirty="0"/>
+              <a:t>是目标网络冻结（</a:t>
             </a:r>
             <a:r>
               <a:rPr lang="en-US" altLang="zh-CN" dirty="0"/>
-              <a:t>)</a:t>
-            </a:r>
-            <a:r>
-              <a:rPr lang="zh-CN" altLang="en-US" dirty="0"/>
-              <a:t>，我们可以用一个</a:t>
+              <a:t>freezing target networks</a:t>
+            </a:r>
+            <a:r>
+              <a:rPr lang="zh-CN" altLang="en-US" dirty="0"/>
+              <a:t>），即在一个时间段</a:t>
             </a:r>
             <a:r>
               <a:rPr lang="zh-CN" altLang="en-US" dirty="0" smtClean="0"/>
-              <a:t>函数</a:t>
-            </a:r>
-            <a:r>
-              <a:rPr lang="en-US" altLang="zh-CN" dirty="0" smtClean="0"/>
-              <a:t>Q</a:t>
-            </a:r>
-            <a:r>
-              <a:rPr lang="el-GR" altLang="zh-CN" baseline="-25000" dirty="0" smtClean="0"/>
-              <a:t>θ </a:t>
-            </a:r>
-            <a:r>
-              <a:rPr lang="el-GR" altLang="zh-CN" dirty="0"/>
-              <a:t>(</a:t>
-            </a:r>
-            <a:r>
-              <a:rPr lang="en-US" altLang="zh-CN" dirty="0" err="1"/>
-              <a:t>s,a</a:t>
+              <a:t>内固定</a:t>
+            </a:r>
+            <a:r>
+              <a:rPr lang="zh-CN" altLang="en-US" dirty="0"/>
+              <a:t>目标中的参数，来稳定学习目标</a:t>
+            </a:r>
+            <a:r>
+              <a:rPr lang="zh-CN" altLang="en-US" dirty="0" smtClean="0"/>
+              <a:t>；</a:t>
+            </a:r>
+            <a:endParaRPr lang="en-US" altLang="zh-CN" dirty="0" smtClean="0"/>
+          </a:p>
+          <a:p>
+            <a:pPr lvl="1"/>
+            <a:r>
+              <a:rPr lang="zh-CN" altLang="en-US" dirty="0" smtClean="0"/>
+              <a:t>二</a:t>
+            </a:r>
+            <a:r>
+              <a:rPr lang="zh-CN" altLang="en-US" dirty="0"/>
+              <a:t>是经验回放（</a:t>
             </a:r>
             <a:r>
               <a:rPr lang="en-US" altLang="zh-CN" dirty="0"/>
-              <a:t>)</a:t>
-            </a:r>
-            <a:r>
-              <a:rPr lang="zh-CN" altLang="en-US" dirty="0"/>
-              <a:t>来表示近似计算，称为值函数近似（</a:t>
-            </a:r>
-            <a:r>
-              <a:rPr lang="en-US" altLang="zh-CN" dirty="0"/>
-              <a:t>Value Function Approximation</a:t>
-            </a:r>
-            <a:r>
-              <a:rPr lang="zh-CN" altLang="en-US" dirty="0"/>
-              <a:t>）</a:t>
-            </a:r>
+              <a:t>experience replay</a:t>
+            </a:r>
+            <a:r>
+              <a:rPr lang="zh-CN" altLang="en-US" dirty="0"/>
+              <a:t>），</a:t>
+            </a:r>
+            <a:r>
+              <a:rPr lang="zh-CN" altLang="en-US" dirty="0" smtClean="0"/>
+              <a:t>构建一个经验池来去除数据相关性。</a:t>
+            </a:r>
+            <a:endParaRPr lang="zh-CN" altLang="en-US" dirty="0"/>
           </a:p>
         </p:txBody>
       </p:sp>
       <p:pic>
         <p:nvPicPr>
-          <p:cNvPr id="5" name="图片 4" descr="屏幕剪辑"/>
+          <p:cNvPr id="7" name="内容占位符 3" descr="屏幕剪辑"/>
+          <p:cNvPicPr>
+            <a:picLocks noChangeAspect="1"/>
+          </p:cNvPicPr>
+          <p:nvPr/>
+        </p:nvPicPr>
+        <p:blipFill>
+          <a:blip r:embed="rId2">
+            <a:extLst>
+              <a:ext uri="{28A0092B-C50C-407E-A947-70E740481C1C}">
+                <a14:useLocalDpi xmlns:a14="http://schemas.microsoft.com/office/drawing/2010/main" val="0"/>
+              </a:ext>
+            </a:extLst>
+          </a:blip>
+          <a:stretch>
+            <a:fillRect/>
+          </a:stretch>
+        </p:blipFill>
+        <p:spPr bwMode="auto">
+          <a:xfrm>
+            <a:off x="1524000" y="1219200"/>
+            <a:ext cx="5490156" cy="990600"/>
+          </a:xfrm>
+          <a:prstGeom prst="rect">
+            <a:avLst/>
+          </a:prstGeom>
+          <a:noFill/>
+          <a:ln>
+            <a:noFill/>
+          </a:ln>
+          <a:extLst>
+            <a:ext uri="{909E8E84-426E-40dd-AFC4-6F175D3DCCD1}">
+              <a14:hiddenFill xmlns:a14="http://schemas.microsoft.com/office/drawing/2010/main" xmlns="">
+                <a:solidFill>
+                  <a:srgbClr val="FFFFFF"/>
+                </a:solidFill>
+              </a14:hiddenFill>
+            </a:ext>
+            <a:ext uri="{91240B29-F687-4f45-9708-019B960494DF}">
+              <a14:hiddenLine xmlns:a14="http://schemas.microsoft.com/office/drawing/2010/main" xmlns="" w="9525">
+                <a:solidFill>
+                  <a:srgbClr val="000000"/>
+                </a:solidFill>
+                <a:miter lim="800000"/>
+                <a:headEnd/>
+                <a:tailEnd/>
+              </a14:hiddenLine>
+            </a:ext>
+          </a:extLst>
+        </p:spPr>
+      </p:pic>
+    </p:spTree>
+    <p:extLst>
+      <p:ext uri="{BB962C8B-B14F-4D97-AF65-F5344CB8AC3E}">
+        <p14:creationId xmlns:p14="http://schemas.microsoft.com/office/powerpoint/2010/main" val="2829107786"/>
+      </p:ext>
+    </p:extLst>
+  </p:cSld>
+  <p:clrMapOvr>
+    <a:masterClrMapping/>
+  </p:clrMapOvr>
+  <p:timing>
+    <p:tnLst>
+      <p:par>
+        <p:cTn id="1" dur="indefinite" restart="never" nodeType="tmRoot">
+          <p:childTnLst>
+            <p:seq concurrent="1" nextAc="seek">
+              <p:cTn id="2" dur="indefinite" nodeType="mainSeq">
+                <p:childTnLst>
+                  <p:par>
+                    <p:cTn id="3" fill="hold">
+                      <p:stCondLst>
+                        <p:cond delay="indefinite"/>
+                      </p:stCondLst>
+                      <p:childTnLst>
+                        <p:par>
+                          <p:cTn id="4" fill="hold">
+                            <p:stCondLst>
+                              <p:cond delay="0"/>
+                            </p:stCondLst>
+                            <p:childTnLst>
+                              <p:par>
+                                <p:cTn id="5" presetID="10" presetClass="entr" presetSubtype="0" fill="hold" nodeType="clickEffect">
+                                  <p:stCondLst>
+                                    <p:cond delay="0"/>
+                                  </p:stCondLst>
+                                  <p:childTnLst>
+                                    <p:set>
+                                      <p:cBhvr>
+                                        <p:cTn id="6" dur="1" fill="hold">
+                                          <p:stCondLst>
+                                            <p:cond delay="0"/>
+                                          </p:stCondLst>
+                                        </p:cTn>
+                                        <p:tgtEl>
+                                          <p:spTgt spid="6">
+                                            <p:txEl>
+                                              <p:pRg st="2" end="2"/>
+                                            </p:txEl>
+                                          </p:spTgt>
+                                        </p:tgtEl>
+                                        <p:attrNameLst>
+                                          <p:attrName>style.visibility</p:attrName>
+                                        </p:attrNameLst>
+                                      </p:cBhvr>
+                                      <p:to>
+                                        <p:strVal val="visible"/>
+                                      </p:to>
+                                    </p:set>
+                                    <p:animEffect transition="in" filter="fade">
+                                      <p:cBhvr>
+                                        <p:cTn id="7" dur="500"/>
+                                        <p:tgtEl>
+                                          <p:spTgt spid="6">
+                                            <p:txEl>
+                                              <p:pRg st="2" end="2"/>
+                                            </p:txEl>
+                                          </p:spTgt>
+                                        </p:tgtEl>
+                                      </p:cBhvr>
+                                    </p:animEffect>
+                                  </p:childTnLst>
+                                </p:cTn>
+                              </p:par>
+                              <p:par>
+                                <p:cTn id="8" presetID="10" presetClass="entr" presetSubtype="0" fill="hold" nodeType="withEffect">
+                                  <p:stCondLst>
+                                    <p:cond delay="0"/>
+                                  </p:stCondLst>
+                                  <p:childTnLst>
+                                    <p:set>
+                                      <p:cBhvr>
+                                        <p:cTn id="9" dur="1" fill="hold">
+                                          <p:stCondLst>
+                                            <p:cond delay="0"/>
+                                          </p:stCondLst>
+                                        </p:cTn>
+                                        <p:tgtEl>
+                                          <p:spTgt spid="6">
+                                            <p:txEl>
+                                              <p:pRg st="3" end="3"/>
+                                            </p:txEl>
+                                          </p:spTgt>
+                                        </p:tgtEl>
+                                        <p:attrNameLst>
+                                          <p:attrName>style.visibility</p:attrName>
+                                        </p:attrNameLst>
+                                      </p:cBhvr>
+                                      <p:to>
+                                        <p:strVal val="visible"/>
+                                      </p:to>
+                                    </p:set>
+                                    <p:animEffect transition="in" filter="fade">
+                                      <p:cBhvr>
+                                        <p:cTn id="10" dur="500"/>
+                                        <p:tgtEl>
+                                          <p:spTgt spid="6">
+                                            <p:txEl>
+                                              <p:pRg st="3" end="3"/>
+                                            </p:txEl>
+                                          </p:spTgt>
+                                        </p:tgtEl>
+                                      </p:cBhvr>
+                                    </p:animEffect>
+                                  </p:childTnLst>
+                                </p:cTn>
+                              </p:par>
+                              <p:par>
+                                <p:cTn id="11" presetID="10" presetClass="entr" presetSubtype="0" fill="hold" nodeType="withEffect">
+                                  <p:stCondLst>
+                                    <p:cond delay="0"/>
+                                  </p:stCondLst>
+                                  <p:childTnLst>
+                                    <p:set>
+                                      <p:cBhvr>
+                                        <p:cTn id="12" dur="1" fill="hold">
+                                          <p:stCondLst>
+                                            <p:cond delay="0"/>
+                                          </p:stCondLst>
+                                        </p:cTn>
+                                        <p:tgtEl>
+                                          <p:spTgt spid="6">
+                                            <p:txEl>
+                                              <p:pRg st="4" end="4"/>
+                                            </p:txEl>
+                                          </p:spTgt>
+                                        </p:tgtEl>
+                                        <p:attrNameLst>
+                                          <p:attrName>style.visibility</p:attrName>
+                                        </p:attrNameLst>
+                                      </p:cBhvr>
+                                      <p:to>
+                                        <p:strVal val="visible"/>
+                                      </p:to>
+                                    </p:set>
+                                    <p:animEffect transition="in" filter="fade">
+                                      <p:cBhvr>
+                                        <p:cTn id="13" dur="500"/>
+                                        <p:tgtEl>
+                                          <p:spTgt spid="6">
+                                            <p:txEl>
+                                              <p:pRg st="4" end="4"/>
+                                            </p:txEl>
+                                          </p:spTgt>
+                                        </p:tgtEl>
+                                      </p:cBhvr>
+                                    </p:animEffect>
+                                  </p:childTnLst>
+                                </p:cTn>
+                              </p:par>
+                            </p:childTnLst>
+                          </p:cTn>
+                        </p:par>
+                      </p:childTnLst>
+                    </p:cTn>
+                  </p:par>
+                  <p:par>
+                    <p:cTn id="14" fill="hold">
+                      <p:stCondLst>
+                        <p:cond delay="indefinite"/>
+                      </p:stCondLst>
+                      <p:childTnLst>
+                        <p:par>
+                          <p:cTn id="15" fill="hold">
+                            <p:stCondLst>
+                              <p:cond delay="0"/>
+                            </p:stCondLst>
+                            <p:childTnLst>
+                              <p:par>
+                                <p:cTn id="16" presetID="10" presetClass="entr" presetSubtype="0" fill="hold" nodeType="clickEffect">
+                                  <p:stCondLst>
+                                    <p:cond delay="0"/>
+                                  </p:stCondLst>
+                                  <p:childTnLst>
+                                    <p:set>
+                                      <p:cBhvr>
+                                        <p:cTn id="17" dur="1" fill="hold">
+                                          <p:stCondLst>
+                                            <p:cond delay="0"/>
+                                          </p:stCondLst>
+                                        </p:cTn>
+                                        <p:tgtEl>
+                                          <p:spTgt spid="6">
+                                            <p:txEl>
+                                              <p:pRg st="6" end="6"/>
+                                            </p:txEl>
+                                          </p:spTgt>
+                                        </p:tgtEl>
+                                        <p:attrNameLst>
+                                          <p:attrName>style.visibility</p:attrName>
+                                        </p:attrNameLst>
+                                      </p:cBhvr>
+                                      <p:to>
+                                        <p:strVal val="visible"/>
+                                      </p:to>
+                                    </p:set>
+                                    <p:animEffect transition="in" filter="fade">
+                                      <p:cBhvr>
+                                        <p:cTn id="18" dur="500"/>
+                                        <p:tgtEl>
+                                          <p:spTgt spid="6">
+                                            <p:txEl>
+                                              <p:pRg st="6" end="6"/>
+                                            </p:txEl>
+                                          </p:spTgt>
+                                        </p:tgtEl>
+                                      </p:cBhvr>
+                                    </p:animEffect>
+                                  </p:childTnLst>
+                                </p:cTn>
+                              </p:par>
+                              <p:par>
+                                <p:cTn id="19" presetID="10" presetClass="entr" presetSubtype="0" fill="hold" nodeType="withEffect">
+                                  <p:stCondLst>
+                                    <p:cond delay="0"/>
+                                  </p:stCondLst>
+                                  <p:childTnLst>
+                                    <p:set>
+                                      <p:cBhvr>
+                                        <p:cTn id="20" dur="1" fill="hold">
+                                          <p:stCondLst>
+                                            <p:cond delay="0"/>
+                                          </p:stCondLst>
+                                        </p:cTn>
+                                        <p:tgtEl>
+                                          <p:spTgt spid="6">
+                                            <p:txEl>
+                                              <p:pRg st="7" end="7"/>
+                                            </p:txEl>
+                                          </p:spTgt>
+                                        </p:tgtEl>
+                                        <p:attrNameLst>
+                                          <p:attrName>style.visibility</p:attrName>
+                                        </p:attrNameLst>
+                                      </p:cBhvr>
+                                      <p:to>
+                                        <p:strVal val="visible"/>
+                                      </p:to>
+                                    </p:set>
+                                    <p:animEffect transition="in" filter="fade">
+                                      <p:cBhvr>
+                                        <p:cTn id="21" dur="500"/>
+                                        <p:tgtEl>
+                                          <p:spTgt spid="6">
+                                            <p:txEl>
+                                              <p:pRg st="7" end="7"/>
+                                            </p:txEl>
+                                          </p:spTgt>
+                                        </p:tgtEl>
+                                      </p:cBhvr>
+                                    </p:animEffect>
+                                  </p:childTnLst>
+                                </p:cTn>
+                              </p:par>
+                              <p:par>
+                                <p:cTn id="22" presetID="10" presetClass="entr" presetSubtype="0" fill="hold" nodeType="withEffect">
+                                  <p:stCondLst>
+                                    <p:cond delay="0"/>
+                                  </p:stCondLst>
+                                  <p:childTnLst>
+                                    <p:set>
+                                      <p:cBhvr>
+                                        <p:cTn id="23" dur="1" fill="hold">
+                                          <p:stCondLst>
+                                            <p:cond delay="0"/>
+                                          </p:stCondLst>
+                                        </p:cTn>
+                                        <p:tgtEl>
+                                          <p:spTgt spid="6">
+                                            <p:txEl>
+                                              <p:pRg st="8" end="8"/>
+                                            </p:txEl>
+                                          </p:spTgt>
+                                        </p:tgtEl>
+                                        <p:attrNameLst>
+                                          <p:attrName>style.visibility</p:attrName>
+                                        </p:attrNameLst>
+                                      </p:cBhvr>
+                                      <p:to>
+                                        <p:strVal val="visible"/>
+                                      </p:to>
+                                    </p:set>
+                                    <p:animEffect transition="in" filter="fade">
+                                      <p:cBhvr>
+                                        <p:cTn id="24" dur="500"/>
+                                        <p:tgtEl>
+                                          <p:spTgt spid="6">
+                                            <p:txEl>
+                                              <p:pRg st="8" end="8"/>
+                                            </p:txEl>
+                                          </p:spTgt>
+                                        </p:tgtEl>
+                                      </p:cBhvr>
+                                    </p:animEffect>
+                                  </p:childTnLst>
+                                </p:cTn>
+                              </p:par>
+                            </p:childTnLst>
+                          </p:cTn>
+                        </p:par>
+                      </p:childTnLst>
+                    </p:cTn>
+                  </p:par>
+                </p:childTnLst>
+              </p:cTn>
+              <p:prevCondLst>
+                <p:cond evt="onPrev" delay="0">
+                  <p:tgtEl>
+                    <p:sldTgt/>
+                  </p:tgtEl>
+                </p:cond>
+              </p:prevCondLst>
+              <p:nextCondLst>
+                <p:cond evt="onNext" delay="0">
+                  <p:tgtEl>
+                    <p:sldTgt/>
+                  </p:tgtEl>
+                </p:cond>
+              </p:nextCondLst>
+            </p:seq>
+          </p:childTnLst>
+        </p:cTn>
+      </p:par>
+    </p:tnLst>
+  </p:timing>
+</p:sld>
+</file>
+
+<file path=ppt/slides/slide27.xml><?xml version="1.0" encoding="utf-8"?>
+<p:sld xmlns:a="http://schemas.openxmlformats.org/drawingml/2006/main" xmlns:r="http://schemas.openxmlformats.org/officeDocument/2006/relationships" xmlns:p="http://schemas.openxmlformats.org/presentationml/2006/main">
+  <p:cSld>
+    <p:spTree>
+      <p:nvGrpSpPr>
+        <p:cNvPr id="1" name=""/>
+        <p:cNvGrpSpPr/>
+        <p:nvPr/>
+      </p:nvGrpSpPr>
+      <p:grpSpPr>
+        <a:xfrm>
+          <a:off x="0" y="0"/>
+          <a:ext cx="0" cy="0"/>
+          <a:chOff x="0" y="0"/>
+          <a:chExt cx="0" cy="0"/>
+        </a:xfrm>
+      </p:grpSpPr>
+      <p:pic>
+        <p:nvPicPr>
+          <p:cNvPr id="3" name="图片 2" descr="屏幕剪辑"/>
           <p:cNvPicPr>
             <a:picLocks noChangeAspect="1"/>
           </p:cNvPicPr>
@@ -5227,8 +7315,8 @@
         </p:blipFill>
         <p:spPr>
           <a:xfrm>
-            <a:off x="2057400" y="3581400"/>
-            <a:ext cx="4454732" cy="1775953"/>
+            <a:off x="1447800" y="152400"/>
+            <a:ext cx="6781800" cy="6571114"/>
           </a:xfrm>
           <a:prstGeom prst="rect">
             <a:avLst/>
@@ -5238,7 +7326,7 @@
     </p:spTree>
     <p:extLst>
       <p:ext uri="{BB962C8B-B14F-4D97-AF65-F5344CB8AC3E}">
-        <p14:creationId xmlns:p14="http://schemas.microsoft.com/office/powerpoint/2010/main" val="2912838209"/>
+        <p14:creationId xmlns:p14="http://schemas.microsoft.com/office/powerpoint/2010/main" val="100733967"/>
       </p:ext>
     </p:extLst>
   </p:cSld>
@@ -5255,7 +7343,66 @@
 </p:sld>
 </file>
 
-<file path=ppt/slides/slide19.xml><?xml version="1.0" encoding="utf-8"?>
+<file path=ppt/slides/slide28.xml><?xml version="1.0" encoding="utf-8"?>
+<p:sld xmlns:a="http://schemas.openxmlformats.org/drawingml/2006/main" xmlns:r="http://schemas.openxmlformats.org/officeDocument/2006/relationships" xmlns:p="http://schemas.openxmlformats.org/presentationml/2006/main">
+  <p:cSld>
+    <p:spTree>
+      <p:nvGrpSpPr>
+        <p:cNvPr id="1" name=""/>
+        <p:cNvGrpSpPr/>
+        <p:nvPr/>
+      </p:nvGrpSpPr>
+      <p:grpSpPr>
+        <a:xfrm>
+          <a:off x="0" y="0"/>
+          <a:ext cx="0" cy="0"/>
+          <a:chOff x="0" y="0"/>
+          <a:chExt cx="0" cy="0"/>
+        </a:xfrm>
+      </p:grpSpPr>
+      <p:sp>
+        <p:nvSpPr>
+          <p:cNvPr id="2" name="标题 1"/>
+          <p:cNvSpPr>
+            <a:spLocks noGrp="1"/>
+          </p:cNvSpPr>
+          <p:nvPr>
+            <p:ph type="ctrTitle"/>
+          </p:nvPr>
+        </p:nvSpPr>
+        <p:spPr/>
+        <p:txBody>
+          <a:bodyPr/>
+          <a:lstStyle/>
+          <a:p>
+            <a:r>
+              <a:rPr lang="zh-CN" altLang="en-US" dirty="0"/>
+              <a:t>策略梯度</a:t>
+            </a:r>
+          </a:p>
+        </p:txBody>
+      </p:sp>
+    </p:spTree>
+    <p:extLst>
+      <p:ext uri="{BB962C8B-B14F-4D97-AF65-F5344CB8AC3E}">
+        <p14:creationId xmlns:p14="http://schemas.microsoft.com/office/powerpoint/2010/main" val="3097804616"/>
+      </p:ext>
+    </p:extLst>
+  </p:cSld>
+  <p:clrMapOvr>
+    <a:masterClrMapping/>
+  </p:clrMapOvr>
+  <p:timing>
+    <p:tnLst>
+      <p:par>
+        <p:cTn id="1" dur="indefinite" restart="never" nodeType="tmRoot"/>
+      </p:par>
+    </p:tnLst>
+  </p:timing>
+</p:sld>
+</file>
+
+<file path=ppt/slides/slide29.xml><?xml version="1.0" encoding="utf-8"?>
 <p:sld xmlns:a="http://schemas.openxmlformats.org/drawingml/2006/main" xmlns:r="http://schemas.openxmlformats.org/officeDocument/2006/relationships" xmlns:p="http://schemas.openxmlformats.org/presentationml/2006/main">
   <p:cSld>
     <p:spTree>
@@ -5289,22 +7436,84 @@
           <a:p>
             <a:r>
               <a:rPr lang="zh-CN" altLang="en-US" dirty="0"/>
-              <a:t>深度</a:t>
+              <a:t>基于策略函数的深度强化学习</a:t>
+            </a:r>
+          </a:p>
+        </p:txBody>
+      </p:sp>
+      <p:sp>
+        <p:nvSpPr>
+          <p:cNvPr id="3" name="内容占位符 2"/>
+          <p:cNvSpPr>
+            <a:spLocks noGrp="1"/>
+          </p:cNvSpPr>
+          <p:nvPr>
+            <p:ph sz="quarter" idx="1"/>
+          </p:nvPr>
+        </p:nvSpPr>
+        <p:spPr/>
+        <p:txBody>
+          <a:bodyPr/>
+          <a:lstStyle/>
+          <a:p>
+            <a:r>
+              <a:rPr lang="zh-CN" altLang="en-US" dirty="0"/>
+              <a:t>可以直接用深度神经网络来表示一个参数化的从</a:t>
+            </a:r>
+            <a:r>
+              <a:rPr lang="zh-CN" altLang="en-US" dirty="0" smtClean="0"/>
+              <a:t>状态空间</a:t>
+            </a:r>
+            <a:r>
+              <a:rPr lang="zh-CN" altLang="en-US" dirty="0"/>
+              <a:t>到动作空间的映射函数：</a:t>
             </a:r>
             <a:r>
               <a:rPr lang="en-US" altLang="zh-CN" dirty="0"/>
-              <a:t>Q</a:t>
-            </a:r>
-            <a:r>
-              <a:rPr lang="zh-CN" altLang="en-US" dirty="0"/>
-              <a:t>网络</a:t>
+              <a:t>a = </a:t>
+            </a:r>
+            <a:r>
+              <a:rPr lang="en-US" altLang="zh-CN" dirty="0" smtClean="0"/>
+              <a:t>π</a:t>
+            </a:r>
+            <a:r>
+              <a:rPr lang="en-US" altLang="zh-CN" baseline="-25000" dirty="0" smtClean="0"/>
+              <a:t>θ </a:t>
+            </a:r>
+            <a:r>
+              <a:rPr lang="en-US" altLang="zh-CN" dirty="0"/>
+              <a:t>(s</a:t>
+            </a:r>
+            <a:r>
+              <a:rPr lang="en-US" altLang="zh-CN" dirty="0" smtClean="0"/>
+              <a:t>)</a:t>
+            </a:r>
+            <a:r>
+              <a:rPr lang="zh-CN" altLang="en-US" dirty="0" smtClean="0"/>
+              <a:t>。</a:t>
+            </a:r>
+            <a:endParaRPr lang="en-US" altLang="zh-CN" dirty="0" smtClean="0"/>
+          </a:p>
+          <a:p>
+            <a:r>
+              <a:rPr lang="zh-CN" altLang="en-US" dirty="0"/>
+              <a:t>最优的策略是使得在每个状态的总回报最大</a:t>
+            </a:r>
+          </a:p>
+          <a:p>
+            <a:pPr marL="0" indent="0">
+              <a:buNone/>
+            </a:pPr>
+            <a:r>
+              <a:rPr lang="zh-CN" altLang="en-US" dirty="0"/>
+              <a:t>的策略，因此策略搜索的目标函数为</a:t>
             </a:r>
           </a:p>
         </p:txBody>
       </p:sp>
       <p:pic>
         <p:nvPicPr>
-          <p:cNvPr id="4" name="图片 3" descr="屏幕剪辑"/>
+          <p:cNvPr id="5" name="图片 4" descr="屏幕剪辑"/>
           <p:cNvPicPr>
             <a:picLocks noChangeAspect="1"/>
           </p:cNvPicPr>
@@ -5324,8 +7533,8 @@
         </p:blipFill>
         <p:spPr>
           <a:xfrm>
-            <a:off x="1676400" y="1295400"/>
-            <a:ext cx="5272504" cy="5045458"/>
+            <a:off x="914400" y="4267200"/>
+            <a:ext cx="6781800" cy="935753"/>
           </a:xfrm>
           <a:prstGeom prst="rect">
             <a:avLst/>
@@ -5335,7 +7544,7 @@
     </p:spTree>
     <p:extLst>
       <p:ext uri="{BB962C8B-B14F-4D97-AF65-F5344CB8AC3E}">
-        <p14:creationId xmlns:p14="http://schemas.microsoft.com/office/powerpoint/2010/main" val="100733967"/>
+        <p14:creationId xmlns:p14="http://schemas.microsoft.com/office/powerpoint/2010/main" val="3193382919"/>
       </p:ext>
     </p:extLst>
   </p:cSld>
@@ -5352,7 +7561,7 @@
 </p:sld>
 </file>
 
-<file path=ppt/slides/slide2.xml><?xml version="1.0" encoding="utf-8"?>
+<file path=ppt/slides/slide3.xml><?xml version="1.0" encoding="utf-8"?>
 <p:sld xmlns:a="http://schemas.openxmlformats.org/drawingml/2006/main" xmlns:r="http://schemas.openxmlformats.org/officeDocument/2006/relationships" xmlns:p="http://schemas.openxmlformats.org/presentationml/2006/main">
   <p:cSld>
     <p:spTree>
@@ -5502,7 +7711,7 @@
 </p:sld>
 </file>
 
-<file path=ppt/slides/slide20.xml><?xml version="1.0" encoding="utf-8"?>
+<file path=ppt/slides/slide30.xml><?xml version="1.0" encoding="utf-8"?>
 <p:sld xmlns:a="http://schemas.openxmlformats.org/drawingml/2006/main" xmlns:r="http://schemas.openxmlformats.org/officeDocument/2006/relationships" xmlns:p="http://schemas.openxmlformats.org/presentationml/2006/main">
   <p:cSld>
     <p:spTree>
@@ -5519,98 +7728,9 @@
           <a:chExt cx="0" cy="0"/>
         </a:xfrm>
       </p:grpSpPr>
-      <p:sp>
-        <p:nvSpPr>
-          <p:cNvPr id="2" name="标题 1"/>
-          <p:cNvSpPr>
-            <a:spLocks noGrp="1"/>
-          </p:cNvSpPr>
-          <p:nvPr>
-            <p:ph type="title"/>
-          </p:nvPr>
-        </p:nvSpPr>
-        <p:spPr/>
-        <p:txBody>
-          <a:bodyPr/>
-          <a:lstStyle/>
-          <a:p>
-            <a:r>
-              <a:rPr lang="zh-CN" altLang="en-US" dirty="0"/>
-              <a:t>基于策略函数的深度强化学习</a:t>
-            </a:r>
-          </a:p>
-        </p:txBody>
-      </p:sp>
-      <p:sp>
-        <p:nvSpPr>
-          <p:cNvPr id="3" name="内容占位符 2"/>
-          <p:cNvSpPr>
-            <a:spLocks noGrp="1"/>
-          </p:cNvSpPr>
-          <p:nvPr>
-            <p:ph sz="quarter" idx="1"/>
-          </p:nvPr>
-        </p:nvSpPr>
-        <p:spPr/>
-        <p:txBody>
-          <a:bodyPr/>
-          <a:lstStyle/>
-          <a:p>
-            <a:r>
-              <a:rPr lang="zh-CN" altLang="en-US" dirty="0"/>
-              <a:t>可以直接用深度神经网络来表示一个参数化的从</a:t>
-            </a:r>
-            <a:r>
-              <a:rPr lang="zh-CN" altLang="en-US" dirty="0" smtClean="0"/>
-              <a:t>状态空间</a:t>
-            </a:r>
-            <a:r>
-              <a:rPr lang="zh-CN" altLang="en-US" dirty="0"/>
-              <a:t>到动作空间的映射函数：</a:t>
-            </a:r>
-            <a:r>
-              <a:rPr lang="en-US" altLang="zh-CN" dirty="0"/>
-              <a:t>a = </a:t>
-            </a:r>
-            <a:r>
-              <a:rPr lang="en-US" altLang="zh-CN" dirty="0" smtClean="0"/>
-              <a:t>π</a:t>
-            </a:r>
-            <a:r>
-              <a:rPr lang="en-US" altLang="zh-CN" baseline="-25000" dirty="0" smtClean="0"/>
-              <a:t>θ </a:t>
-            </a:r>
-            <a:r>
-              <a:rPr lang="en-US" altLang="zh-CN" dirty="0"/>
-              <a:t>(s</a:t>
-            </a:r>
-            <a:r>
-              <a:rPr lang="en-US" altLang="zh-CN" dirty="0" smtClean="0"/>
-              <a:t>)</a:t>
-            </a:r>
-            <a:r>
-              <a:rPr lang="zh-CN" altLang="en-US" dirty="0" smtClean="0"/>
-              <a:t>。</a:t>
-            </a:r>
-            <a:endParaRPr lang="en-US" altLang="zh-CN" dirty="0" smtClean="0"/>
-          </a:p>
-          <a:p>
-            <a:r>
-              <a:rPr lang="zh-CN" altLang="en-US" dirty="0"/>
-              <a:t>最优的策略是使得在每个状态的总回报最大</a:t>
-            </a:r>
-          </a:p>
-          <a:p>
-            <a:r>
-              <a:rPr lang="zh-CN" altLang="en-US" dirty="0"/>
-              <a:t>的策略，因此策略搜索的目标函数为</a:t>
-            </a:r>
-          </a:p>
-        </p:txBody>
-      </p:sp>
       <p:pic>
         <p:nvPicPr>
-          <p:cNvPr id="4" name="图片 3" descr="屏幕剪辑"/>
+          <p:cNvPr id="6" name="图片 5" descr="屏幕剪辑"/>
           <p:cNvPicPr>
             <a:picLocks noChangeAspect="1"/>
           </p:cNvPicPr>
@@ -5630,51 +7750,14 @@
         </p:blipFill>
         <p:spPr>
           <a:xfrm>
-            <a:off x="1828800" y="4495800"/>
-            <a:ext cx="5106113" cy="1095528"/>
+            <a:off x="2452815" y="3103214"/>
+            <a:ext cx="4452324" cy="3129946"/>
           </a:xfrm>
           <a:prstGeom prst="rect">
             <a:avLst/>
           </a:prstGeom>
         </p:spPr>
       </p:pic>
-    </p:spTree>
-    <p:extLst>
-      <p:ext uri="{BB962C8B-B14F-4D97-AF65-F5344CB8AC3E}">
-        <p14:creationId xmlns:p14="http://schemas.microsoft.com/office/powerpoint/2010/main" val="3193382919"/>
-      </p:ext>
-    </p:extLst>
-  </p:cSld>
-  <p:clrMapOvr>
-    <a:masterClrMapping/>
-  </p:clrMapOvr>
-  <p:timing>
-    <p:tnLst>
-      <p:par>
-        <p:cTn id="1" dur="indefinite" restart="never" nodeType="tmRoot"/>
-      </p:par>
-    </p:tnLst>
-  </p:timing>
-</p:sld>
-</file>
-
-<file path=ppt/slides/slide21.xml><?xml version="1.0" encoding="utf-8"?>
-<p:sld xmlns:a="http://schemas.openxmlformats.org/drawingml/2006/main" xmlns:r="http://schemas.openxmlformats.org/officeDocument/2006/relationships" xmlns:p="http://schemas.openxmlformats.org/presentationml/2006/main">
-  <p:cSld>
-    <p:spTree>
-      <p:nvGrpSpPr>
-        <p:cNvPr id="1" name=""/>
-        <p:cNvGrpSpPr/>
-        <p:nvPr/>
-      </p:nvGrpSpPr>
-      <p:grpSpPr>
-        <a:xfrm>
-          <a:off x="0" y="0"/>
-          <a:ext cx="0" cy="0"/>
-          <a:chOff x="0" y="0"/>
-          <a:chExt cx="0" cy="0"/>
-        </a:xfrm>
-      </p:grpSpPr>
       <p:sp>
         <p:nvSpPr>
           <p:cNvPr id="2" name="标题 1"/>
@@ -5730,15 +7813,15 @@
             </a:r>
             <a:r>
               <a:rPr lang="zh-CN" altLang="en-US" dirty="0"/>
-              <a:t>使得目标函数</a:t>
-            </a:r>
-            <a:r>
-              <a:rPr lang="en-US" altLang="zh-CN" dirty="0"/>
-              <a:t>L(</a:t>
-            </a:r>
-            <a:r>
-              <a:rPr lang="en-US" altLang="zh-CN" dirty="0" err="1"/>
-              <a:t>s;θ</a:t>
+              <a:t>使得</a:t>
+            </a:r>
+            <a:r>
+              <a:rPr lang="zh-CN" altLang="en-US" dirty="0" smtClean="0"/>
+              <a:t>目标函数</a:t>
+            </a:r>
+            <a:r>
+              <a:rPr lang="en-US" altLang="zh-CN" dirty="0" smtClean="0"/>
+              <a:t>J(θ</a:t>
             </a:r>
             <a:r>
               <a:rPr lang="en-US" altLang="zh-CN" dirty="0"/>
@@ -5762,36 +7845,6 @@
           </a:p>
         </p:txBody>
       </p:sp>
-      <p:pic>
-        <p:nvPicPr>
-          <p:cNvPr id="4" name="图片 3" descr="屏幕剪辑"/>
-          <p:cNvPicPr>
-            <a:picLocks noChangeAspect="1"/>
-          </p:cNvPicPr>
-          <p:nvPr/>
-        </p:nvPicPr>
-        <p:blipFill>
-          <a:blip r:embed="rId2">
-            <a:extLst>
-              <a:ext uri="{28A0092B-C50C-407E-A947-70E740481C1C}">
-                <a14:useLocalDpi xmlns:a14="http://schemas.microsoft.com/office/drawing/2010/main" val="0"/>
-              </a:ext>
-            </a:extLst>
-          </a:blip>
-          <a:stretch>
-            <a:fillRect/>
-          </a:stretch>
-        </p:blipFill>
-        <p:spPr>
-          <a:xfrm>
-            <a:off x="1873869" y="3175100"/>
-            <a:ext cx="5396262" cy="3073300"/>
-          </a:xfrm>
-          <a:prstGeom prst="rect">
-            <a:avLst/>
-          </a:prstGeom>
-        </p:spPr>
-      </p:pic>
       <p:sp>
         <p:nvSpPr>
           <p:cNvPr id="5" name="矩形 4"/>
@@ -6003,9 +8056,9 @@
           <p:nvPr/>
         </p:nvCxnSpPr>
         <p:spPr>
-          <a:xfrm flipV="1">
-            <a:off x="5722441" y="3480624"/>
-            <a:ext cx="915417" cy="207456"/>
+          <a:xfrm>
+            <a:off x="5334000" y="3480624"/>
+            <a:ext cx="1303858" cy="0"/>
           </a:xfrm>
           <a:prstGeom prst="line">
             <a:avLst/>
@@ -6051,7 +8104,463 @@
 </p:sld>
 </file>
 
-<file path=ppt/slides/slide22.xml><?xml version="1.0" encoding="utf-8"?>
+<file path=ppt/slides/slide31.xml><?xml version="1.0" encoding="utf-8"?>
+<p:sld xmlns:a="http://schemas.openxmlformats.org/drawingml/2006/main" xmlns:r="http://schemas.openxmlformats.org/officeDocument/2006/relationships" xmlns:p="http://schemas.openxmlformats.org/presentationml/2006/main">
+  <p:cSld>
+    <p:spTree>
+      <p:nvGrpSpPr>
+        <p:cNvPr id="1" name=""/>
+        <p:cNvGrpSpPr/>
+        <p:nvPr/>
+      </p:nvGrpSpPr>
+      <p:grpSpPr>
+        <a:xfrm>
+          <a:off x="0" y="0"/>
+          <a:ext cx="0" cy="0"/>
+          <a:chOff x="0" y="0"/>
+          <a:chExt cx="0" cy="0"/>
+        </a:xfrm>
+      </p:grpSpPr>
+      <p:sp>
+        <p:nvSpPr>
+          <p:cNvPr id="2" name="标题 1"/>
+          <p:cNvSpPr>
+            <a:spLocks noGrp="1"/>
+          </p:cNvSpPr>
+          <p:nvPr>
+            <p:ph type="title"/>
+          </p:nvPr>
+        </p:nvSpPr>
+        <p:spPr/>
+        <p:txBody>
+          <a:bodyPr/>
+          <a:lstStyle/>
+          <a:p>
+            <a:r>
+              <a:rPr lang="en-US" altLang="zh-CN" dirty="0"/>
+              <a:t>REINFORCE</a:t>
+            </a:r>
+            <a:r>
+              <a:rPr lang="zh-CN" altLang="en-US" dirty="0"/>
+              <a:t>算法</a:t>
+            </a:r>
+          </a:p>
+        </p:txBody>
+      </p:sp>
+      <p:pic>
+        <p:nvPicPr>
+          <p:cNvPr id="5" name="内容占位符 4" descr="屏幕剪辑"/>
+          <p:cNvPicPr>
+            <a:picLocks noGrp="1" noChangeAspect="1"/>
+          </p:cNvPicPr>
+          <p:nvPr>
+            <p:ph sz="quarter" idx="1"/>
+          </p:nvPr>
+        </p:nvPicPr>
+        <p:blipFill>
+          <a:blip r:embed="rId2">
+            <a:extLst>
+              <a:ext uri="{28A0092B-C50C-407E-A947-70E740481C1C}">
+                <a14:useLocalDpi xmlns:a14="http://schemas.microsoft.com/office/drawing/2010/main" val="0"/>
+              </a:ext>
+            </a:extLst>
+          </a:blip>
+          <a:stretch>
+            <a:fillRect/>
+          </a:stretch>
+        </p:blipFill>
+        <p:spPr>
+          <a:xfrm>
+            <a:off x="1066800" y="1524000"/>
+            <a:ext cx="6730177" cy="4566298"/>
+          </a:xfrm>
+        </p:spPr>
+      </p:pic>
+    </p:spTree>
+    <p:extLst>
+      <p:ext uri="{BB962C8B-B14F-4D97-AF65-F5344CB8AC3E}">
+        <p14:creationId xmlns:p14="http://schemas.microsoft.com/office/powerpoint/2010/main" val="450788836"/>
+      </p:ext>
+    </p:extLst>
+  </p:cSld>
+  <p:clrMapOvr>
+    <a:masterClrMapping/>
+  </p:clrMapOvr>
+  <p:timing>
+    <p:tnLst>
+      <p:par>
+        <p:cTn id="1" dur="indefinite" restart="never" nodeType="tmRoot"/>
+      </p:par>
+    </p:tnLst>
+  </p:timing>
+</p:sld>
+</file>
+
+<file path=ppt/slides/slide32.xml><?xml version="1.0" encoding="utf-8"?>
+<p:sld xmlns:a="http://schemas.openxmlformats.org/drawingml/2006/main" xmlns:r="http://schemas.openxmlformats.org/officeDocument/2006/relationships" xmlns:p="http://schemas.openxmlformats.org/presentationml/2006/main">
+  <p:cSld>
+    <p:spTree>
+      <p:nvGrpSpPr>
+        <p:cNvPr id="1" name=""/>
+        <p:cNvGrpSpPr/>
+        <p:nvPr/>
+      </p:nvGrpSpPr>
+      <p:grpSpPr>
+        <a:xfrm>
+          <a:off x="0" y="0"/>
+          <a:ext cx="0" cy="0"/>
+          <a:chOff x="0" y="0"/>
+          <a:chExt cx="0" cy="0"/>
+        </a:xfrm>
+      </p:grpSpPr>
+      <p:sp>
+        <p:nvSpPr>
+          <p:cNvPr id="2" name="标题 1"/>
+          <p:cNvSpPr>
+            <a:spLocks noGrp="1"/>
+          </p:cNvSpPr>
+          <p:nvPr>
+            <p:ph type="title"/>
+          </p:nvPr>
+        </p:nvSpPr>
+        <p:spPr/>
+        <p:txBody>
+          <a:bodyPr/>
+          <a:lstStyle/>
+          <a:p>
+            <a:r>
+              <a:rPr lang="zh-CN" altLang="en-US" dirty="0"/>
+              <a:t>带基准线的</a:t>
+            </a:r>
+            <a:r>
+              <a:rPr lang="en-US" altLang="zh-CN" dirty="0"/>
+              <a:t>REINFORCE</a:t>
+            </a:r>
+            <a:r>
+              <a:rPr lang="zh-CN" altLang="en-US" dirty="0"/>
+              <a:t>算法</a:t>
+            </a:r>
+          </a:p>
+        </p:txBody>
+      </p:sp>
+      <p:pic>
+        <p:nvPicPr>
+          <p:cNvPr id="5" name="内容占位符 4" descr="屏幕剪辑"/>
+          <p:cNvPicPr>
+            <a:picLocks noGrp="1" noChangeAspect="1"/>
+          </p:cNvPicPr>
+          <p:nvPr>
+            <p:ph sz="quarter" idx="1"/>
+          </p:nvPr>
+        </p:nvPicPr>
+        <p:blipFill>
+          <a:blip r:embed="rId2">
+            <a:extLst>
+              <a:ext uri="{28A0092B-C50C-407E-A947-70E740481C1C}">
+                <a14:useLocalDpi xmlns:a14="http://schemas.microsoft.com/office/drawing/2010/main" val="0"/>
+              </a:ext>
+            </a:extLst>
+          </a:blip>
+          <a:stretch>
+            <a:fillRect/>
+          </a:stretch>
+        </p:blipFill>
+        <p:spPr>
+          <a:xfrm>
+            <a:off x="1561747" y="1219200"/>
+            <a:ext cx="6225705" cy="5105400"/>
+          </a:xfrm>
+        </p:spPr>
+      </p:pic>
+    </p:spTree>
+    <p:extLst>
+      <p:ext uri="{BB962C8B-B14F-4D97-AF65-F5344CB8AC3E}">
+        <p14:creationId xmlns:p14="http://schemas.microsoft.com/office/powerpoint/2010/main" val="4051418324"/>
+      </p:ext>
+    </p:extLst>
+  </p:cSld>
+  <p:clrMapOvr>
+    <a:masterClrMapping/>
+  </p:clrMapOvr>
+  <p:timing>
+    <p:tnLst>
+      <p:par>
+        <p:cTn id="1" dur="indefinite" restart="never" nodeType="tmRoot"/>
+      </p:par>
+    </p:tnLst>
+  </p:timing>
+</p:sld>
+</file>
+
+<file path=ppt/slides/slide33.xml><?xml version="1.0" encoding="utf-8"?>
+<p:sld xmlns:a="http://schemas.openxmlformats.org/drawingml/2006/main" xmlns:r="http://schemas.openxmlformats.org/officeDocument/2006/relationships" xmlns:p="http://schemas.openxmlformats.org/presentationml/2006/main">
+  <p:cSld>
+    <p:spTree>
+      <p:nvGrpSpPr>
+        <p:cNvPr id="1" name=""/>
+        <p:cNvGrpSpPr/>
+        <p:nvPr/>
+      </p:nvGrpSpPr>
+      <p:grpSpPr>
+        <a:xfrm>
+          <a:off x="0" y="0"/>
+          <a:ext cx="0" cy="0"/>
+          <a:chOff x="0" y="0"/>
+          <a:chExt cx="0" cy="0"/>
+        </a:xfrm>
+      </p:grpSpPr>
+      <p:sp>
+        <p:nvSpPr>
+          <p:cNvPr id="2" name="标题 1"/>
+          <p:cNvSpPr>
+            <a:spLocks noGrp="1"/>
+          </p:cNvSpPr>
+          <p:nvPr>
+            <p:ph type="title"/>
+          </p:nvPr>
+        </p:nvSpPr>
+        <p:spPr/>
+        <p:txBody>
+          <a:bodyPr/>
+          <a:lstStyle/>
+          <a:p>
+            <a:r>
+              <a:rPr lang="en-US" altLang="zh-CN" dirty="0"/>
+              <a:t>Actor-Critic</a:t>
+            </a:r>
+            <a:r>
+              <a:rPr lang="zh-CN" altLang="en-US" dirty="0"/>
+              <a:t>算法</a:t>
+            </a:r>
+          </a:p>
+        </p:txBody>
+      </p:sp>
+      <p:pic>
+        <p:nvPicPr>
+          <p:cNvPr id="4" name="内容占位符 3" descr="屏幕剪辑"/>
+          <p:cNvPicPr>
+            <a:picLocks noGrp="1" noChangeAspect="1"/>
+          </p:cNvPicPr>
+          <p:nvPr>
+            <p:ph sz="quarter" idx="1"/>
+          </p:nvPr>
+        </p:nvPicPr>
+        <p:blipFill>
+          <a:blip r:embed="rId2">
+            <a:extLst>
+              <a:ext uri="{28A0092B-C50C-407E-A947-70E740481C1C}">
+                <a14:useLocalDpi xmlns:a14="http://schemas.microsoft.com/office/drawing/2010/main" val="0"/>
+              </a:ext>
+            </a:extLst>
+          </a:blip>
+          <a:stretch>
+            <a:fillRect/>
+          </a:stretch>
+        </p:blipFill>
+        <p:spPr>
+          <a:xfrm>
+            <a:off x="1828800" y="1219200"/>
+            <a:ext cx="5281731" cy="5136154"/>
+          </a:xfrm>
+        </p:spPr>
+      </p:pic>
+    </p:spTree>
+    <p:extLst>
+      <p:ext uri="{BB962C8B-B14F-4D97-AF65-F5344CB8AC3E}">
+        <p14:creationId xmlns:p14="http://schemas.microsoft.com/office/powerpoint/2010/main" val="3874015669"/>
+      </p:ext>
+    </p:extLst>
+  </p:cSld>
+  <p:clrMapOvr>
+    <a:masterClrMapping/>
+  </p:clrMapOvr>
+  <p:timing>
+    <p:tnLst>
+      <p:par>
+        <p:cTn id="1" dur="indefinite" restart="never" nodeType="tmRoot"/>
+      </p:par>
+    </p:tnLst>
+  </p:timing>
+</p:sld>
+</file>
+
+<file path=ppt/slides/slide34.xml><?xml version="1.0" encoding="utf-8"?>
+<p:sld xmlns:a="http://schemas.openxmlformats.org/drawingml/2006/main" xmlns:r="http://schemas.openxmlformats.org/officeDocument/2006/relationships" xmlns:p="http://schemas.openxmlformats.org/presentationml/2006/main">
+  <p:cSld>
+    <p:spTree>
+      <p:nvGrpSpPr>
+        <p:cNvPr id="1" name=""/>
+        <p:cNvGrpSpPr/>
+        <p:nvPr/>
+      </p:nvGrpSpPr>
+      <p:grpSpPr>
+        <a:xfrm>
+          <a:off x="0" y="0"/>
+          <a:ext cx="0" cy="0"/>
+          <a:chOff x="0" y="0"/>
+          <a:chExt cx="0" cy="0"/>
+        </a:xfrm>
+      </p:grpSpPr>
+      <p:sp>
+        <p:nvSpPr>
+          <p:cNvPr id="2" name="标题 1"/>
+          <p:cNvSpPr>
+            <a:spLocks noGrp="1"/>
+          </p:cNvSpPr>
+          <p:nvPr>
+            <p:ph type="title"/>
+          </p:nvPr>
+        </p:nvSpPr>
+        <p:spPr/>
+        <p:txBody>
+          <a:bodyPr/>
+          <a:lstStyle/>
+          <a:p>
+            <a:r>
+              <a:rPr lang="zh-CN" altLang="en-US" dirty="0"/>
+              <a:t>不同强化学习算法之间的关系</a:t>
+            </a:r>
+          </a:p>
+        </p:txBody>
+      </p:sp>
+      <p:pic>
+        <p:nvPicPr>
+          <p:cNvPr id="4" name="内容占位符 3" descr="屏幕剪辑"/>
+          <p:cNvPicPr>
+            <a:picLocks noGrp="1" noChangeAspect="1"/>
+          </p:cNvPicPr>
+          <p:nvPr>
+            <p:ph sz="quarter" idx="1"/>
+          </p:nvPr>
+        </p:nvPicPr>
+        <p:blipFill>
+          <a:blip r:embed="rId2">
+            <a:extLst>
+              <a:ext uri="{28A0092B-C50C-407E-A947-70E740481C1C}">
+                <a14:useLocalDpi xmlns:a14="http://schemas.microsoft.com/office/drawing/2010/main" val="0"/>
+              </a:ext>
+            </a:extLst>
+          </a:blip>
+          <a:stretch>
+            <a:fillRect/>
+          </a:stretch>
+        </p:blipFill>
+        <p:spPr>
+          <a:xfrm>
+            <a:off x="1066799" y="1600200"/>
+            <a:ext cx="6985153" cy="4114800"/>
+          </a:xfrm>
+        </p:spPr>
+      </p:pic>
+    </p:spTree>
+    <p:extLst>
+      <p:ext uri="{BB962C8B-B14F-4D97-AF65-F5344CB8AC3E}">
+        <p14:creationId xmlns:p14="http://schemas.microsoft.com/office/powerpoint/2010/main" val="2897722204"/>
+      </p:ext>
+    </p:extLst>
+  </p:cSld>
+  <p:clrMapOvr>
+    <a:masterClrMapping/>
+  </p:clrMapOvr>
+  <p:timing>
+    <p:tnLst>
+      <p:par>
+        <p:cTn id="1" dur="indefinite" restart="never" nodeType="tmRoot"/>
+      </p:par>
+    </p:tnLst>
+  </p:timing>
+</p:sld>
+</file>
+
+<file path=ppt/slides/slide35.xml><?xml version="1.0" encoding="utf-8"?>
+<p:sld xmlns:a="http://schemas.openxmlformats.org/drawingml/2006/main" xmlns:r="http://schemas.openxmlformats.org/officeDocument/2006/relationships" xmlns:p="http://schemas.openxmlformats.org/presentationml/2006/main">
+  <p:cSld>
+    <p:spTree>
+      <p:nvGrpSpPr>
+        <p:cNvPr id="1" name=""/>
+        <p:cNvGrpSpPr/>
+        <p:nvPr/>
+      </p:nvGrpSpPr>
+      <p:grpSpPr>
+        <a:xfrm>
+          <a:off x="0" y="0"/>
+          <a:ext cx="0" cy="0"/>
+          <a:chOff x="0" y="0"/>
+          <a:chExt cx="0" cy="0"/>
+        </a:xfrm>
+      </p:grpSpPr>
+      <p:sp>
+        <p:nvSpPr>
+          <p:cNvPr id="2" name="标题 1"/>
+          <p:cNvSpPr>
+            <a:spLocks noGrp="1"/>
+          </p:cNvSpPr>
+          <p:nvPr>
+            <p:ph type="title"/>
+          </p:nvPr>
+        </p:nvSpPr>
+        <p:spPr/>
+        <p:txBody>
+          <a:bodyPr/>
+          <a:lstStyle/>
+          <a:p>
+            <a:r>
+              <a:rPr lang="zh-CN" altLang="en-US" dirty="0"/>
+              <a:t>汇总</a:t>
+            </a:r>
+          </a:p>
+        </p:txBody>
+      </p:sp>
+      <p:pic>
+        <p:nvPicPr>
+          <p:cNvPr id="4" name="内容占位符 3" descr="屏幕剪辑"/>
+          <p:cNvPicPr>
+            <a:picLocks noGrp="1" noChangeAspect="1"/>
+          </p:cNvPicPr>
+          <p:nvPr>
+            <p:ph sz="quarter" idx="1"/>
+          </p:nvPr>
+        </p:nvPicPr>
+        <p:blipFill>
+          <a:blip r:embed="rId2">
+            <a:extLst>
+              <a:ext uri="{28A0092B-C50C-407E-A947-70E740481C1C}">
+                <a14:useLocalDpi xmlns:a14="http://schemas.microsoft.com/office/drawing/2010/main" val="0"/>
+              </a:ext>
+            </a:extLst>
+          </a:blip>
+          <a:stretch>
+            <a:fillRect/>
+          </a:stretch>
+        </p:blipFill>
+        <p:spPr>
+          <a:xfrm>
+            <a:off x="1969856" y="152400"/>
+            <a:ext cx="6716944" cy="6193971"/>
+          </a:xfrm>
+        </p:spPr>
+      </p:pic>
+    </p:spTree>
+    <p:extLst>
+      <p:ext uri="{BB962C8B-B14F-4D97-AF65-F5344CB8AC3E}">
+        <p14:creationId xmlns:p14="http://schemas.microsoft.com/office/powerpoint/2010/main" val="4080382656"/>
+      </p:ext>
+    </p:extLst>
+  </p:cSld>
+  <p:clrMapOvr>
+    <a:masterClrMapping/>
+  </p:clrMapOvr>
+  <p:timing>
+    <p:tnLst>
+      <p:par>
+        <p:cTn id="1" dur="indefinite" restart="never" nodeType="tmRoot"/>
+      </p:par>
+    </p:tnLst>
+  </p:timing>
+</p:sld>
+</file>
+
+<file path=ppt/slides/slide36.xml><?xml version="1.0" encoding="utf-8"?>
 <p:sld xmlns:a="http://schemas.openxmlformats.org/drawingml/2006/main" xmlns:r="http://schemas.openxmlformats.org/officeDocument/2006/relationships" xmlns:p="http://schemas.openxmlformats.org/presentationml/2006/main">
   <p:cSld>
     <p:spTree>
@@ -6114,184 +8623,6 @@
       <p:transition spd="slow"/>
     </mc:Fallback>
   </mc:AlternateContent>
-  <p:timing>
-    <p:tnLst>
-      <p:par>
-        <p:cTn id="1" dur="indefinite" restart="never" nodeType="tmRoot"/>
-      </p:par>
-    </p:tnLst>
-  </p:timing>
-</p:sld>
-</file>
-
-<file path=ppt/slides/slide3.xml><?xml version="1.0" encoding="utf-8"?>
-<p:sld xmlns:a="http://schemas.openxmlformats.org/drawingml/2006/main" xmlns:r="http://schemas.openxmlformats.org/officeDocument/2006/relationships" xmlns:p="http://schemas.openxmlformats.org/presentationml/2006/main">
-  <p:cSld>
-    <p:spTree>
-      <p:nvGrpSpPr>
-        <p:cNvPr id="1" name=""/>
-        <p:cNvGrpSpPr/>
-        <p:nvPr/>
-      </p:nvGrpSpPr>
-      <p:grpSpPr>
-        <a:xfrm>
-          <a:off x="0" y="0"/>
-          <a:ext cx="0" cy="0"/>
-          <a:chOff x="0" y="0"/>
-          <a:chExt cx="0" cy="0"/>
-        </a:xfrm>
-      </p:grpSpPr>
-      <p:sp>
-        <p:nvSpPr>
-          <p:cNvPr id="2" name="标题 1"/>
-          <p:cNvSpPr>
-            <a:spLocks noGrp="1"/>
-          </p:cNvSpPr>
-          <p:nvPr>
-            <p:ph type="title"/>
-          </p:nvPr>
-        </p:nvSpPr>
-        <p:spPr/>
-        <p:txBody>
-          <a:bodyPr/>
-          <a:lstStyle/>
-          <a:p>
-            <a:r>
-              <a:rPr lang="zh-CN" altLang="en-US" dirty="0"/>
-              <a:t>强化学习</a:t>
-            </a:r>
-          </a:p>
-        </p:txBody>
-      </p:sp>
-      <p:sp>
-        <p:nvSpPr>
-          <p:cNvPr id="3" name="内容占位符 2"/>
-          <p:cNvSpPr>
-            <a:spLocks noGrp="1"/>
-          </p:cNvSpPr>
-          <p:nvPr>
-            <p:ph sz="quarter" idx="1"/>
-          </p:nvPr>
-        </p:nvSpPr>
-        <p:spPr/>
-        <p:txBody>
-          <a:bodyPr/>
-          <a:lstStyle/>
-          <a:p>
-            <a:r>
-              <a:rPr lang="zh-CN" altLang="en-US" dirty="0"/>
-              <a:t>智能体（</a:t>
-            </a:r>
-            <a:r>
-              <a:rPr lang="en-US" altLang="zh-CN" dirty="0"/>
-              <a:t>Agent</a:t>
-            </a:r>
-            <a:r>
-              <a:rPr lang="zh-CN" altLang="en-US" dirty="0" smtClean="0"/>
-              <a:t>）</a:t>
-            </a:r>
-            <a:endParaRPr lang="en-US" altLang="zh-CN" dirty="0" smtClean="0"/>
-          </a:p>
-          <a:p>
-            <a:pPr lvl="1"/>
-            <a:r>
-              <a:rPr lang="zh-CN" altLang="en-US" dirty="0" smtClean="0"/>
-              <a:t>感知</a:t>
-            </a:r>
-            <a:r>
-              <a:rPr lang="zh-CN" altLang="en-US" dirty="0"/>
-              <a:t>外界环境的状态（</a:t>
-            </a:r>
-            <a:r>
-              <a:rPr lang="en-US" altLang="zh-CN" dirty="0"/>
-              <a:t>State</a:t>
-            </a:r>
-            <a:r>
-              <a:rPr lang="zh-CN" altLang="en-US" dirty="0"/>
-              <a:t>）和奖励反馈（</a:t>
-            </a:r>
-            <a:r>
-              <a:rPr lang="en-US" altLang="zh-CN" dirty="0"/>
-              <a:t>Reward</a:t>
-            </a:r>
-            <a:r>
-              <a:rPr lang="zh-CN" altLang="en-US" dirty="0" smtClean="0"/>
-              <a:t>），并</a:t>
-            </a:r>
-            <a:r>
-              <a:rPr lang="zh-CN" altLang="en-US" dirty="0"/>
-              <a:t>进行学习和决策。智能体的决策功能是指根据外界环境的状态来做出</a:t>
-            </a:r>
-            <a:r>
-              <a:rPr lang="zh-CN" altLang="en-US" dirty="0" smtClean="0"/>
-              <a:t>不同</a:t>
-            </a:r>
-            <a:r>
-              <a:rPr lang="zh-CN" altLang="en-US" dirty="0"/>
-              <a:t>的动作（</a:t>
-            </a:r>
-            <a:r>
-              <a:rPr lang="en-US" altLang="zh-CN" dirty="0"/>
-              <a:t>Action</a:t>
-            </a:r>
-            <a:r>
-              <a:rPr lang="zh-CN" altLang="en-US" dirty="0"/>
-              <a:t>），而学习功能是指根据外界环境的奖励来调整策略。</a:t>
-            </a:r>
-          </a:p>
-          <a:p>
-            <a:endParaRPr lang="en-US" altLang="zh-CN" dirty="0" smtClean="0"/>
-          </a:p>
-          <a:p>
-            <a:r>
-              <a:rPr lang="zh-CN" altLang="en-US" dirty="0" smtClean="0"/>
-              <a:t>环境</a:t>
-            </a:r>
-            <a:r>
-              <a:rPr lang="zh-CN" altLang="en-US" dirty="0"/>
-              <a:t>（</a:t>
-            </a:r>
-            <a:r>
-              <a:rPr lang="en-US" altLang="zh-CN" dirty="0"/>
-              <a:t>Environment</a:t>
-            </a:r>
-            <a:r>
-              <a:rPr lang="zh-CN" altLang="en-US" dirty="0" smtClean="0"/>
-              <a:t>）</a:t>
-            </a:r>
-            <a:endParaRPr lang="en-US" altLang="zh-CN" dirty="0" smtClean="0"/>
-          </a:p>
-          <a:p>
-            <a:pPr lvl="1"/>
-            <a:r>
-              <a:rPr lang="zh-CN" altLang="en-US" dirty="0" smtClean="0"/>
-              <a:t>智能</a:t>
-            </a:r>
-            <a:r>
-              <a:rPr lang="zh-CN" altLang="en-US" dirty="0"/>
-              <a:t>体外部的所有事物，并受智能体动作的</a:t>
-            </a:r>
-            <a:r>
-              <a:rPr lang="zh-CN" altLang="en-US" dirty="0" smtClean="0"/>
-              <a:t>影响而</a:t>
-            </a:r>
-            <a:r>
-              <a:rPr lang="zh-CN" altLang="en-US" dirty="0"/>
-              <a:t>改变其状态，并反馈给智能体相应的奖励。</a:t>
-            </a:r>
-          </a:p>
-        </p:txBody>
-      </p:sp>
-    </p:spTree>
-    <p:extLst>
-      <p:ext uri="{BB962C8B-B14F-4D97-AF65-F5344CB8AC3E}">
-        <p14:creationId xmlns:p14="http://schemas.microsoft.com/office/powerpoint/2010/main" val="1266447944"/>
-      </p:ext>
-    </p:extLst>
-  </p:cSld>
-  <p:clrMapOvr>
-    <a:masterClrMapping/>
-  </p:clrMapOvr>
   <p:timing>
     <p:tnLst>
       <p:par>
@@ -6335,10 +8666,9 @@
           <a:lstStyle/>
           <a:p>
             <a:r>
-              <a:rPr lang="zh-CN" altLang="en-US" smtClean="0"/>
-              <a:t>强化学习中的基本要素</a:t>
-            </a:r>
-            <a:endParaRPr lang="zh-CN" altLang="en-US" dirty="0"/>
+              <a:rPr lang="zh-CN" altLang="en-US" dirty="0"/>
+              <a:t>马尔可夫决策过程</a:t>
+            </a:r>
           </a:p>
         </p:txBody>
       </p:sp>
@@ -6357,176 +8687,135 @@
           <a:bodyPr/>
           <a:lstStyle/>
           <a:p>
+            <a:endParaRPr lang="en-US" altLang="zh-CN" dirty="0" smtClean="0"/>
+          </a:p>
+          <a:p>
+            <a:endParaRPr lang="en-US" altLang="zh-CN" dirty="0"/>
+          </a:p>
+          <a:p>
+            <a:endParaRPr lang="en-US" altLang="zh-CN" dirty="0" smtClean="0"/>
+          </a:p>
+          <a:p>
+            <a:endParaRPr lang="en-US" altLang="zh-CN" dirty="0" smtClean="0"/>
+          </a:p>
+          <a:p>
+            <a:endParaRPr lang="en-US" altLang="zh-CN" dirty="0"/>
+          </a:p>
+          <a:p>
+            <a:endParaRPr lang="en-US" altLang="zh-CN" dirty="0" smtClean="0"/>
+          </a:p>
+          <a:p>
             <a:r>
               <a:rPr lang="zh-CN" altLang="en-US" dirty="0" smtClean="0"/>
-              <a:t>环境的</a:t>
-            </a:r>
-            <a:r>
-              <a:rPr lang="zh-CN" altLang="en-US" dirty="0" smtClean="0">
-                <a:solidFill>
-                  <a:srgbClr val="FF0000"/>
-                </a:solidFill>
-              </a:rPr>
-              <a:t>状态集合</a:t>
-            </a:r>
-            <a:r>
-              <a:rPr lang="zh-CN" altLang="en-US" dirty="0" smtClean="0"/>
-              <a:t>：</a:t>
-            </a:r>
-            <a:r>
-              <a:rPr lang="en-US" altLang="zh-CN" dirty="0">
-                <a:latin typeface="Arial Narrow" panose="020B0606020202030204" pitchFamily="34" charset="0"/>
-              </a:rPr>
-              <a:t>S</a:t>
-            </a:r>
-            <a:r>
-              <a:rPr lang="zh-CN" altLang="en-US" dirty="0" smtClean="0"/>
-              <a:t>；</a:t>
-            </a:r>
-          </a:p>
-          <a:p>
-            <a:r>
-              <a:rPr lang="zh-CN" altLang="en-US" dirty="0" smtClean="0"/>
-              <a:t>智能体的</a:t>
-            </a:r>
-            <a:r>
-              <a:rPr lang="zh-CN" altLang="en-US" dirty="0" smtClean="0">
-                <a:solidFill>
-                  <a:srgbClr val="FF0000"/>
-                </a:solidFill>
-              </a:rPr>
-              <a:t>动作集合</a:t>
-            </a:r>
-            <a:r>
-              <a:rPr lang="zh-CN" altLang="en-US" dirty="0" smtClean="0"/>
-              <a:t>：</a:t>
-            </a:r>
-            <a:r>
-              <a:rPr lang="en-US" altLang="zh-CN" dirty="0">
-                <a:latin typeface="Arial Narrow" panose="020B0606020202030204" pitchFamily="34" charset="0"/>
-              </a:rPr>
-              <a:t>A</a:t>
-            </a:r>
-            <a:r>
-              <a:rPr lang="zh-CN" altLang="en-US" dirty="0" smtClean="0"/>
-              <a:t>；</a:t>
-            </a:r>
-          </a:p>
-          <a:p>
-            <a:r>
-              <a:rPr lang="zh-CN" altLang="en-US" dirty="0" smtClean="0">
-                <a:solidFill>
-                  <a:srgbClr val="FF0000"/>
-                </a:solidFill>
-              </a:rPr>
-              <a:t>状态转移概率</a:t>
-            </a:r>
-            <a:r>
-              <a:rPr lang="zh-CN" altLang="en-US" dirty="0" smtClean="0"/>
-              <a:t>：</a:t>
-            </a:r>
-            <a:r>
-              <a:rPr lang="en-US" altLang="zh-CN" dirty="0" smtClean="0">
-                <a:latin typeface="Arial Narrow" panose="020B0606020202030204" pitchFamily="34" charset="0"/>
-              </a:rPr>
-              <a:t>p(s’|</a:t>
-            </a:r>
-            <a:r>
-              <a:rPr lang="en-US" altLang="zh-CN" dirty="0" err="1">
-                <a:latin typeface="Arial Narrow" panose="020B0606020202030204" pitchFamily="34" charset="0"/>
-              </a:rPr>
-              <a:t>s,a</a:t>
-            </a:r>
-            <a:r>
-              <a:rPr lang="en-US" altLang="zh-CN" dirty="0" smtClean="0">
-                <a:latin typeface="Arial Narrow" panose="020B0606020202030204" pitchFamily="34" charset="0"/>
-              </a:rPr>
-              <a:t>)</a:t>
-            </a:r>
-            <a:r>
-              <a:rPr lang="zh-CN" altLang="en-US" dirty="0" smtClean="0"/>
-              <a:t>，即智能体根据当前状态</a:t>
-            </a:r>
-            <a:r>
-              <a:rPr lang="en-US" altLang="zh-CN" dirty="0" smtClean="0"/>
-              <a:t>s</a:t>
-            </a:r>
-            <a:r>
-              <a:rPr lang="zh-CN" altLang="en-US" dirty="0" smtClean="0"/>
-              <a:t>做出一个动作</a:t>
-            </a:r>
-            <a:r>
-              <a:rPr lang="en-US" altLang="zh-CN" dirty="0" smtClean="0"/>
-              <a:t>a</a:t>
-            </a:r>
-            <a:r>
-              <a:rPr lang="zh-CN" altLang="en-US" dirty="0" smtClean="0"/>
-              <a:t>之后，下一个时刻环境处于不同状态</a:t>
-            </a:r>
-            <a:r>
-              <a:rPr lang="en-US" altLang="zh-CN" dirty="0" smtClean="0">
-                <a:latin typeface="Arial Narrow" panose="020B0606020202030204" pitchFamily="34" charset="0"/>
-              </a:rPr>
-              <a:t>s’</a:t>
-            </a:r>
-            <a:r>
-              <a:rPr lang="zh-CN" altLang="en-US" dirty="0" smtClean="0"/>
-              <a:t>的</a:t>
-            </a:r>
-            <a:r>
-              <a:rPr lang="zh-CN" altLang="en-US" dirty="0">
-                <a:latin typeface="Arial Narrow" panose="020B0606020202030204" pitchFamily="34" charset="0"/>
-              </a:rPr>
-              <a:t>概率</a:t>
-            </a:r>
-            <a:r>
-              <a:rPr lang="zh-CN" altLang="en-US" dirty="0" smtClean="0"/>
-              <a:t>；</a:t>
-            </a:r>
-          </a:p>
-          <a:p>
-            <a:r>
-              <a:rPr lang="zh-CN" altLang="en-US" dirty="0" smtClean="0">
-                <a:solidFill>
-                  <a:srgbClr val="FF0000"/>
-                </a:solidFill>
-              </a:rPr>
-              <a:t>即时奖励</a:t>
-            </a:r>
-            <a:r>
-              <a:rPr lang="zh-CN" altLang="en-US" dirty="0" smtClean="0"/>
-              <a:t>：</a:t>
-            </a:r>
-            <a:r>
-              <a:rPr lang="en-US" altLang="zh-CN" dirty="0">
-                <a:latin typeface="Arial Narrow" panose="020B0606020202030204" pitchFamily="34" charset="0"/>
-              </a:rPr>
-              <a:t>R : S × A × </a:t>
-            </a:r>
-            <a:r>
-              <a:rPr lang="en-US" altLang="zh-CN" dirty="0" smtClean="0">
-                <a:latin typeface="Arial Narrow" panose="020B0606020202030204" pitchFamily="34" charset="0"/>
-              </a:rPr>
-              <a:t>S’ </a:t>
-            </a:r>
-            <a:r>
-              <a:rPr lang="en-US" altLang="zh-CN" dirty="0">
-                <a:latin typeface="Arial Narrow" panose="020B0606020202030204" pitchFamily="34" charset="0"/>
-              </a:rPr>
-              <a:t>→ R</a:t>
-            </a:r>
-            <a:r>
-              <a:rPr lang="zh-CN" altLang="en-US" dirty="0" smtClean="0"/>
-              <a:t>，即智能体根据当前状态做出一个动作之后，环境会反馈给智能体一个奖励，这个奖励和动作之后下一个时刻的状态有关。</a:t>
-            </a:r>
+              <a:t>马尔可夫过程</a:t>
+            </a:r>
+            <a:endParaRPr lang="en-US" altLang="zh-CN" dirty="0" smtClean="0"/>
+          </a:p>
+          <a:p>
+            <a:endParaRPr lang="en-US" altLang="zh-CN" dirty="0"/>
+          </a:p>
+          <a:p>
+            <a:endParaRPr lang="en-US" altLang="zh-CN" dirty="0" smtClean="0"/>
+          </a:p>
+          <a:p>
             <a:endParaRPr lang="zh-CN" altLang="en-US" dirty="0"/>
           </a:p>
         </p:txBody>
       </p:sp>
+      <p:pic>
+        <p:nvPicPr>
+          <p:cNvPr id="4" name="图片 3" descr="屏幕剪辑"/>
+          <p:cNvPicPr>
+            <a:picLocks noChangeAspect="1"/>
+          </p:cNvPicPr>
+          <p:nvPr/>
+        </p:nvPicPr>
+        <p:blipFill>
+          <a:blip r:embed="rId2">
+            <a:extLst>
+              <a:ext uri="{28A0092B-C50C-407E-A947-70E740481C1C}">
+                <a14:useLocalDpi xmlns:a14="http://schemas.microsoft.com/office/drawing/2010/main" val="0"/>
+              </a:ext>
+            </a:extLst>
+          </a:blip>
+          <a:stretch>
+            <a:fillRect/>
+          </a:stretch>
+        </p:blipFill>
+        <p:spPr>
+          <a:xfrm>
+            <a:off x="1779814" y="5208840"/>
+            <a:ext cx="5427577" cy="762000"/>
+          </a:xfrm>
+          <a:prstGeom prst="rect">
+            <a:avLst/>
+          </a:prstGeom>
+        </p:spPr>
+      </p:pic>
+      <p:pic>
+        <p:nvPicPr>
+          <p:cNvPr id="6" name="图片 5" descr="屏幕剪辑"/>
+          <p:cNvPicPr>
+            <a:picLocks noChangeAspect="1"/>
+          </p:cNvPicPr>
+          <p:nvPr/>
+        </p:nvPicPr>
+        <p:blipFill>
+          <a:blip r:embed="rId3">
+            <a:extLst>
+              <a:ext uri="{28A0092B-C50C-407E-A947-70E740481C1C}">
+                <a14:useLocalDpi xmlns:a14="http://schemas.microsoft.com/office/drawing/2010/main" val="0"/>
+              </a:ext>
+            </a:extLst>
+          </a:blip>
+          <a:stretch>
+            <a:fillRect/>
+          </a:stretch>
+        </p:blipFill>
+        <p:spPr>
+          <a:xfrm>
+            <a:off x="2493300" y="1295400"/>
+            <a:ext cx="3946175" cy="1926822"/>
+          </a:xfrm>
+          <a:prstGeom prst="rect">
+            <a:avLst/>
+          </a:prstGeom>
+        </p:spPr>
+      </p:pic>
+      <p:pic>
+        <p:nvPicPr>
+          <p:cNvPr id="7" name="图片 6" descr="屏幕剪辑"/>
+          <p:cNvPicPr>
+            <a:picLocks noChangeAspect="1"/>
+          </p:cNvPicPr>
+          <p:nvPr/>
+        </p:nvPicPr>
+        <p:blipFill>
+          <a:blip r:embed="rId4">
+            <a:extLst>
+              <a:ext uri="{28A0092B-C50C-407E-A947-70E740481C1C}">
+                <a14:useLocalDpi xmlns:a14="http://schemas.microsoft.com/office/drawing/2010/main" val="0"/>
+              </a:ext>
+            </a:extLst>
+          </a:blip>
+          <a:stretch>
+            <a:fillRect/>
+          </a:stretch>
+        </p:blipFill>
+        <p:spPr>
+          <a:xfrm>
+            <a:off x="1676400" y="3505200"/>
+            <a:ext cx="6029050" cy="682534"/>
+          </a:xfrm>
+          <a:prstGeom prst="rect">
+            <a:avLst/>
+          </a:prstGeom>
+        </p:spPr>
+      </p:pic>
     </p:spTree>
     <p:extLst>
       <p:ext uri="{BB962C8B-B14F-4D97-AF65-F5344CB8AC3E}">
-        <p14:creationId xmlns:p14="http://schemas.microsoft.com/office/powerpoint/2010/main" val="2860822339"/>
+        <p14:creationId xmlns:p14="http://schemas.microsoft.com/office/powerpoint/2010/main" val="3847396905"/>
       </p:ext>
     </p:extLst>
   </p:cSld>
@@ -6576,9 +8865,10 @@
           <a:lstStyle/>
           <a:p>
             <a:r>
-              <a:rPr lang="zh-CN" altLang="en-US" dirty="0"/>
-              <a:t>马尔可夫决策过程</a:t>
-            </a:r>
+              <a:rPr lang="zh-CN" altLang="en-US" smtClean="0"/>
+              <a:t>强化学习中的基本要素</a:t>
+            </a:r>
+            <a:endParaRPr lang="zh-CN" altLang="en-US" dirty="0"/>
           </a:p>
         </p:txBody>
       </p:sp>
@@ -6599,28 +8889,93 @@
           <a:p>
             <a:r>
               <a:rPr lang="zh-CN" altLang="en-US" dirty="0" smtClean="0"/>
-              <a:t>马尔可夫过程</a:t>
-            </a:r>
-            <a:endParaRPr lang="en-US" altLang="zh-CN" dirty="0" smtClean="0"/>
-          </a:p>
-          <a:p>
-            <a:endParaRPr lang="en-US" altLang="zh-CN" dirty="0"/>
-          </a:p>
-          <a:p>
-            <a:endParaRPr lang="en-US" altLang="zh-CN" dirty="0" smtClean="0"/>
-          </a:p>
-          <a:p>
+              <a:t>环境的</a:t>
+            </a:r>
+            <a:r>
+              <a:rPr lang="zh-CN" altLang="en-US" dirty="0" smtClean="0">
+                <a:solidFill>
+                  <a:srgbClr val="FF0000"/>
+                </a:solidFill>
+              </a:rPr>
+              <a:t>状态集合</a:t>
+            </a:r>
             <a:r>
               <a:rPr lang="zh-CN" altLang="en-US" dirty="0" smtClean="0"/>
-              <a:t>值</a:t>
-            </a:r>
-            <a:r>
-              <a:rPr lang="zh-CN" altLang="en-US" dirty="0"/>
-              <a:t>函数：从</a:t>
+              <a:t>：</a:t>
+            </a:r>
+            <a:r>
+              <a:rPr lang="en-US" altLang="zh-CN" dirty="0">
+                <a:latin typeface="Arial Narrow" panose="020B0606020202030204" pitchFamily="34" charset="0"/>
+              </a:rPr>
+              <a:t>S</a:t>
             </a:r>
             <a:r>
               <a:rPr lang="zh-CN" altLang="en-US" dirty="0" smtClean="0"/>
-              <a:t>状态</a:t>
+              <a:t>；</a:t>
+            </a:r>
+          </a:p>
+          <a:p>
+            <a:r>
+              <a:rPr lang="zh-CN" altLang="en-US" dirty="0" smtClean="0"/>
+              <a:t>智能体的</a:t>
+            </a:r>
+            <a:r>
+              <a:rPr lang="zh-CN" altLang="en-US" dirty="0" smtClean="0">
+                <a:solidFill>
+                  <a:srgbClr val="FF0000"/>
+                </a:solidFill>
+              </a:rPr>
+              <a:t>动作集合</a:t>
+            </a:r>
+            <a:r>
+              <a:rPr lang="zh-CN" altLang="en-US" dirty="0" smtClean="0"/>
+              <a:t>：</a:t>
+            </a:r>
+            <a:r>
+              <a:rPr lang="en-US" altLang="zh-CN" dirty="0">
+                <a:latin typeface="Arial Narrow" panose="020B0606020202030204" pitchFamily="34" charset="0"/>
+              </a:rPr>
+              <a:t>A</a:t>
+            </a:r>
+            <a:r>
+              <a:rPr lang="zh-CN" altLang="en-US" dirty="0" smtClean="0"/>
+              <a:t>；</a:t>
+            </a:r>
+          </a:p>
+          <a:p>
+            <a:r>
+              <a:rPr lang="zh-CN" altLang="en-US" dirty="0" smtClean="0">
+                <a:solidFill>
+                  <a:srgbClr val="FF0000"/>
+                </a:solidFill>
+              </a:rPr>
+              <a:t>状态转移概率</a:t>
+            </a:r>
+            <a:r>
+              <a:rPr lang="zh-CN" altLang="en-US" dirty="0" smtClean="0"/>
+              <a:t>：</a:t>
+            </a:r>
+            <a:r>
+              <a:rPr lang="en-US" altLang="zh-CN" dirty="0" smtClean="0">
+                <a:latin typeface="Arial Narrow" panose="020B0606020202030204" pitchFamily="34" charset="0"/>
+              </a:rPr>
+              <a:t>p(s’|</a:t>
+            </a:r>
+            <a:r>
+              <a:rPr lang="en-US" altLang="zh-CN" dirty="0" err="1">
+                <a:latin typeface="Arial Narrow" panose="020B0606020202030204" pitchFamily="34" charset="0"/>
+              </a:rPr>
+              <a:t>s,a</a:t>
+            </a:r>
+            <a:r>
+              <a:rPr lang="en-US" altLang="zh-CN" dirty="0" smtClean="0">
+                <a:latin typeface="Arial Narrow" panose="020B0606020202030204" pitchFamily="34" charset="0"/>
+              </a:rPr>
+              <a:t>)</a:t>
+            </a:r>
+            <a:r>
+              <a:rPr lang="zh-CN" altLang="en-US" dirty="0" smtClean="0"/>
+              <a:t>，即智能体根据当前状态</a:t>
             </a:r>
             <a:r>
               <a:rPr lang="en-US" altLang="zh-CN" dirty="0" smtClean="0"/>
@@ -6628,99 +8983,80 @@
             </a:r>
             <a:r>
               <a:rPr lang="zh-CN" altLang="en-US" dirty="0" smtClean="0"/>
-              <a:t>开始</a:t>
-            </a:r>
-            <a:r>
-              <a:rPr lang="zh-CN" altLang="en-US" dirty="0"/>
-              <a:t>，执行</a:t>
+              <a:t>做出一个动作</a:t>
+            </a:r>
+            <a:r>
+              <a:rPr lang="en-US" altLang="zh-CN" dirty="0" smtClean="0"/>
+              <a:t>a</a:t>
             </a:r>
             <a:r>
               <a:rPr lang="zh-CN" altLang="en-US" dirty="0" smtClean="0"/>
-              <a:t>策略</a:t>
-            </a:r>
-            <a:r>
-              <a:rPr lang="el-GR" altLang="zh-CN" dirty="0" smtClean="0"/>
-              <a:t>π</a:t>
+              <a:t>之后，下一个时刻环境处于不同状态</a:t>
+            </a:r>
+            <a:r>
+              <a:rPr lang="en-US" altLang="zh-CN" dirty="0" smtClean="0">
+                <a:latin typeface="Arial Narrow" panose="020B0606020202030204" pitchFamily="34" charset="0"/>
+              </a:rPr>
+              <a:t>s’</a:t>
             </a:r>
             <a:r>
               <a:rPr lang="zh-CN" altLang="en-US" dirty="0" smtClean="0"/>
-              <a:t>得到</a:t>
-            </a:r>
-            <a:r>
-              <a:rPr lang="zh-CN" altLang="en-US" dirty="0"/>
-              <a:t>的期望总回报</a:t>
-            </a:r>
-            <a:endParaRPr lang="en-US" altLang="zh-CN" dirty="0" smtClean="0"/>
-          </a:p>
-          <a:p>
+              <a:t>的</a:t>
+            </a:r>
+            <a:r>
+              <a:rPr lang="zh-CN" altLang="en-US" dirty="0">
+                <a:latin typeface="Arial Narrow" panose="020B0606020202030204" pitchFamily="34" charset="0"/>
+              </a:rPr>
+              <a:t>概率</a:t>
+            </a:r>
+            <a:r>
+              <a:rPr lang="zh-CN" altLang="en-US" dirty="0" smtClean="0"/>
+              <a:t>；</a:t>
+            </a:r>
+          </a:p>
+          <a:p>
+            <a:r>
+              <a:rPr lang="zh-CN" altLang="en-US" dirty="0" smtClean="0">
+                <a:solidFill>
+                  <a:srgbClr val="FF0000"/>
+                </a:solidFill>
+              </a:rPr>
+              <a:t>即时奖励</a:t>
+            </a:r>
+            <a:r>
+              <a:rPr lang="zh-CN" altLang="en-US" dirty="0" smtClean="0"/>
+              <a:t>：</a:t>
+            </a:r>
+            <a:r>
+              <a:rPr lang="en-US" altLang="zh-CN" dirty="0">
+                <a:latin typeface="Arial Narrow" panose="020B0606020202030204" pitchFamily="34" charset="0"/>
+              </a:rPr>
+              <a:t>R : S × A × </a:t>
+            </a:r>
+            <a:r>
+              <a:rPr lang="en-US" altLang="zh-CN" dirty="0" smtClean="0">
+                <a:latin typeface="Arial Narrow" panose="020B0606020202030204" pitchFamily="34" charset="0"/>
+              </a:rPr>
+              <a:t>S’ </a:t>
+            </a:r>
+            <a:r>
+              <a:rPr lang="en-US" altLang="zh-CN" dirty="0">
+                <a:latin typeface="Arial Narrow" panose="020B0606020202030204" pitchFamily="34" charset="0"/>
+              </a:rPr>
+              <a:t>→ R</a:t>
+            </a:r>
+            <a:r>
+              <a:rPr lang="zh-CN" altLang="en-US" dirty="0" smtClean="0"/>
+              <a:t>，即智能体根据当前状态做出一个动作之后，环境会反馈给智能体一个奖励，这个奖励和动作之后下一个时刻的状态有关。</a:t>
+            </a:r>
             <a:endParaRPr lang="zh-CN" altLang="en-US" dirty="0"/>
           </a:p>
         </p:txBody>
       </p:sp>
-      <p:pic>
-        <p:nvPicPr>
-          <p:cNvPr id="4" name="图片 3" descr="屏幕剪辑"/>
-          <p:cNvPicPr>
-            <a:picLocks noChangeAspect="1"/>
-          </p:cNvPicPr>
-          <p:nvPr/>
-        </p:nvPicPr>
-        <p:blipFill>
-          <a:blip r:embed="rId2">
-            <a:extLst>
-              <a:ext uri="{28A0092B-C50C-407E-A947-70E740481C1C}">
-                <a14:useLocalDpi xmlns:a14="http://schemas.microsoft.com/office/drawing/2010/main" val="0"/>
-              </a:ext>
-            </a:extLst>
-          </a:blip>
-          <a:stretch>
-            <a:fillRect/>
-          </a:stretch>
-        </p:blipFill>
-        <p:spPr>
-          <a:xfrm>
-            <a:off x="1981199" y="1981200"/>
-            <a:ext cx="5427577" cy="762000"/>
-          </a:xfrm>
-          <a:prstGeom prst="rect">
-            <a:avLst/>
-          </a:prstGeom>
-        </p:spPr>
-      </p:pic>
-      <p:pic>
-        <p:nvPicPr>
-          <p:cNvPr id="5" name="图片 4" descr="屏幕剪辑"/>
-          <p:cNvPicPr>
-            <a:picLocks noChangeAspect="1"/>
-          </p:cNvPicPr>
-          <p:nvPr/>
-        </p:nvPicPr>
-        <p:blipFill>
-          <a:blip r:embed="rId3">
-            <a:extLst>
-              <a:ext uri="{28A0092B-C50C-407E-A947-70E740481C1C}">
-                <a14:useLocalDpi xmlns:a14="http://schemas.microsoft.com/office/drawing/2010/main" val="0"/>
-              </a:ext>
-            </a:extLst>
-          </a:blip>
-          <a:stretch>
-            <a:fillRect/>
-          </a:stretch>
-        </p:blipFill>
-        <p:spPr>
-          <a:xfrm>
-            <a:off x="1028701" y="4157133"/>
-            <a:ext cx="7658099" cy="2042160"/>
-          </a:xfrm>
-          <a:prstGeom prst="rect">
-            <a:avLst/>
-          </a:prstGeom>
-        </p:spPr>
-      </p:pic>
     </p:spTree>
     <p:extLst>
       <p:ext uri="{BB962C8B-B14F-4D97-AF65-F5344CB8AC3E}">
-        <p14:creationId xmlns:p14="http://schemas.microsoft.com/office/powerpoint/2010/main" val="3847396905"/>
+        <p14:creationId xmlns:p14="http://schemas.microsoft.com/office/powerpoint/2010/main" val="2860822339"/>
       </p:ext>
     </p:extLst>
   </p:cSld>
@@ -6771,23 +9107,81 @@
           <a:p>
             <a:r>
               <a:rPr lang="zh-CN" altLang="en-US" dirty="0" smtClean="0"/>
-              <a:t>通过</a:t>
+              <a:t>策略</a:t>
+            </a:r>
+            <a:r>
+              <a:rPr lang="el-GR" altLang="zh-CN" dirty="0"/>
+              <a:t>π(</a:t>
+            </a:r>
+            <a:r>
+              <a:rPr lang="en-US" altLang="zh-CN" dirty="0" err="1"/>
+              <a:t>a|s</a:t>
             </a:r>
             <a:r>
               <a:rPr lang="en-US" altLang="zh-CN" dirty="0" smtClean="0"/>
-              <a:t>BP</a:t>
-            </a:r>
-            <a:r>
-              <a:rPr lang="zh-CN" altLang="en-US" smtClean="0"/>
-              <a:t>来优化</a:t>
-            </a:r>
-            <a:endParaRPr lang="zh-CN" altLang="en-US"/>
+              <a:t>)</a:t>
+            </a:r>
+            <a:endParaRPr lang="zh-CN" altLang="en-US" dirty="0"/>
+          </a:p>
+        </p:txBody>
+      </p:sp>
+      <p:sp>
+        <p:nvSpPr>
+          <p:cNvPr id="3" name="内容占位符 2"/>
+          <p:cNvSpPr>
+            <a:spLocks noGrp="1"/>
+          </p:cNvSpPr>
+          <p:nvPr>
+            <p:ph sz="quarter" idx="1"/>
+          </p:nvPr>
+        </p:nvSpPr>
+        <p:spPr/>
+        <p:txBody>
+          <a:bodyPr/>
+          <a:lstStyle/>
+          <a:p>
+            <a:r>
+              <a:rPr lang="zh-CN" altLang="en-US" dirty="0"/>
+              <a:t>马尔可夫决策过程的一个轨迹（</a:t>
+            </a:r>
+            <a:r>
+              <a:rPr lang="en-US" altLang="zh-CN" dirty="0"/>
+              <a:t>trajectory</a:t>
+            </a:r>
+            <a:r>
+              <a:rPr lang="zh-CN" altLang="en-US" dirty="0" smtClean="0"/>
+              <a:t>）</a:t>
+            </a:r>
+            <a:endParaRPr lang="en-US" altLang="zh-CN" dirty="0" smtClean="0"/>
+          </a:p>
+          <a:p>
+            <a:endParaRPr lang="en-US" altLang="zh-CN" dirty="0"/>
+          </a:p>
+          <a:p>
+            <a:endParaRPr lang="en-US" altLang="zh-CN" dirty="0" smtClean="0"/>
+          </a:p>
+          <a:p>
+            <a:endParaRPr lang="en-US" altLang="zh-CN" dirty="0" smtClean="0"/>
+          </a:p>
+          <a:p>
+            <a:endParaRPr lang="en-US" altLang="zh-CN" dirty="0"/>
+          </a:p>
+          <a:p>
+            <a:r>
+              <a:rPr lang="el-GR" altLang="zh-CN" dirty="0" smtClean="0"/>
+              <a:t>τ</a:t>
+            </a:r>
+            <a:r>
+              <a:rPr lang="zh-CN" altLang="en-US" dirty="0" smtClean="0"/>
+              <a:t>的概率</a:t>
+            </a:r>
+            <a:endParaRPr lang="en-US" altLang="zh-CN" dirty="0" smtClean="0"/>
           </a:p>
         </p:txBody>
       </p:sp>
       <p:pic>
         <p:nvPicPr>
-          <p:cNvPr id="3" name="图片 2" descr="屏幕剪辑"/>
+          <p:cNvPr id="4" name="图片 3" descr="屏幕剪辑"/>
           <p:cNvPicPr>
             <a:picLocks noChangeAspect="1"/>
           </p:cNvPicPr>
@@ -6807,178 +9201,107 @@
         </p:blipFill>
         <p:spPr>
           <a:xfrm>
-            <a:off x="914400" y="1295400"/>
-            <a:ext cx="7075662" cy="3450804"/>
+            <a:off x="1066800" y="4434840"/>
+            <a:ext cx="5521010" cy="1798320"/>
           </a:xfrm>
           <a:prstGeom prst="rect">
             <a:avLst/>
           </a:prstGeom>
         </p:spPr>
       </p:pic>
-      <p:sp>
-        <p:nvSpPr>
-          <p:cNvPr id="4" name="矩形 3"/>
-          <p:cNvSpPr/>
+      <p:pic>
+        <p:nvPicPr>
+          <p:cNvPr id="5" name="图片 4" descr="屏幕剪辑"/>
+          <p:cNvPicPr>
+            <a:picLocks noChangeAspect="1"/>
+          </p:cNvPicPr>
           <p:nvPr/>
-        </p:nvSpPr>
+        </p:nvPicPr>
+        <p:blipFill>
+          <a:blip r:embed="rId3">
+            <a:extLst>
+              <a:ext uri="{28A0092B-C50C-407E-A947-70E740481C1C}">
+                <a14:useLocalDpi xmlns:a14="http://schemas.microsoft.com/office/drawing/2010/main" val="0"/>
+              </a:ext>
+            </a:extLst>
+          </a:blip>
+          <a:stretch>
+            <a:fillRect/>
+          </a:stretch>
+        </p:blipFill>
         <p:spPr>
           <a:xfrm>
-            <a:off x="990600" y="4913513"/>
-            <a:ext cx="4572000" cy="1477328"/>
+            <a:off x="1619862" y="1729723"/>
+            <a:ext cx="5904275" cy="631382"/>
           </a:xfrm>
           <a:prstGeom prst="rect">
             <a:avLst/>
           </a:prstGeom>
         </p:spPr>
-        <p:txBody>
-          <a:bodyPr>
-            <a:spAutoFit/>
-          </a:bodyPr>
-          <a:lstStyle/>
-          <a:p>
-            <a:r>
-              <a:rPr lang="en-US" altLang="zh-CN" dirty="0" smtClean="0"/>
-              <a:t>Why not?</a:t>
-            </a:r>
-          </a:p>
-          <a:p>
-            <a:r>
-              <a:rPr lang="en-US" altLang="zh-CN" dirty="0" smtClean="0"/>
-              <a:t>Only </a:t>
-            </a:r>
-            <a:r>
-              <a:rPr lang="en-US" altLang="zh-CN" dirty="0"/>
-              <a:t>handles deterministic dynamics </a:t>
-            </a:r>
-            <a:endParaRPr lang="en-US" altLang="zh-CN" dirty="0" smtClean="0"/>
-          </a:p>
-          <a:p>
-            <a:r>
-              <a:rPr lang="en-US" altLang="zh-CN" dirty="0" smtClean="0"/>
-              <a:t>Only </a:t>
-            </a:r>
-            <a:r>
-              <a:rPr lang="en-US" altLang="zh-CN" dirty="0"/>
-              <a:t>handles deterministic policies </a:t>
-            </a:r>
-            <a:endParaRPr lang="en-US" altLang="zh-CN" dirty="0" smtClean="0"/>
-          </a:p>
-          <a:p>
-            <a:r>
-              <a:rPr lang="en-US" altLang="zh-CN" dirty="0" smtClean="0"/>
-              <a:t>Only </a:t>
-            </a:r>
-            <a:r>
-              <a:rPr lang="en-US" altLang="zh-CN" dirty="0"/>
-              <a:t>continuous states and actions </a:t>
-            </a:r>
-            <a:endParaRPr lang="en-US" altLang="zh-CN" dirty="0" smtClean="0"/>
-          </a:p>
-          <a:p>
-            <a:r>
-              <a:rPr lang="en-US" altLang="zh-CN" dirty="0" smtClean="0"/>
-              <a:t>Very </a:t>
-            </a:r>
-            <a:r>
-              <a:rPr lang="en-US" altLang="zh-CN" dirty="0"/>
-              <a:t>difficult optimization </a:t>
-            </a:r>
-            <a:r>
-              <a:rPr lang="en-US" altLang="zh-CN" dirty="0" smtClean="0"/>
-              <a:t>problem</a:t>
-            </a:r>
-            <a:endParaRPr lang="zh-CN" altLang="en-US" dirty="0"/>
-          </a:p>
-        </p:txBody>
-      </p:sp>
+      </p:pic>
+      <p:pic>
+        <p:nvPicPr>
+          <p:cNvPr id="6" name="内容占位符 3" descr="屏幕剪辑"/>
+          <p:cNvPicPr>
+            <a:picLocks noChangeAspect="1"/>
+          </p:cNvPicPr>
+          <p:nvPr/>
+        </p:nvPicPr>
+        <p:blipFill>
+          <a:blip r:embed="rId4">
+            <a:extLst>
+              <a:ext uri="{28A0092B-C50C-407E-A947-70E740481C1C}">
+                <a14:useLocalDpi xmlns:a14="http://schemas.microsoft.com/office/drawing/2010/main" val="0"/>
+              </a:ext>
+            </a:extLst>
+          </a:blip>
+          <a:stretch>
+            <a:fillRect/>
+          </a:stretch>
+        </p:blipFill>
+        <p:spPr bwMode="auto">
+          <a:xfrm>
+            <a:off x="2438400" y="2671308"/>
+            <a:ext cx="6079830" cy="1763532"/>
+          </a:xfrm>
+          <a:prstGeom prst="rect">
+            <a:avLst/>
+          </a:prstGeom>
+          <a:noFill/>
+          <a:ln>
+            <a:noFill/>
+          </a:ln>
+          <a:extLst>
+            <a:ext uri="{909E8E84-426E-40dd-AFC4-6F175D3DCCD1}">
+              <a14:hiddenFill xmlns:a14="http://schemas.microsoft.com/office/drawing/2010/main" xmlns="">
+                <a:solidFill>
+                  <a:srgbClr val="FFFFFF"/>
+                </a:solidFill>
+              </a14:hiddenFill>
+            </a:ext>
+            <a:ext uri="{91240B29-F687-4f45-9708-019B960494DF}">
+              <a14:hiddenLine xmlns:a14="http://schemas.microsoft.com/office/drawing/2010/main" xmlns="" w="9525">
+                <a:solidFill>
+                  <a:srgbClr val="000000"/>
+                </a:solidFill>
+                <a:miter lim="800000"/>
+                <a:headEnd/>
+                <a:tailEnd/>
+              </a14:hiddenLine>
+            </a:ext>
+          </a:extLst>
+        </p:spPr>
+      </p:pic>
     </p:spTree>
     <p:extLst>
       <p:ext uri="{BB962C8B-B14F-4D97-AF65-F5344CB8AC3E}">
-        <p14:creationId xmlns:p14="http://schemas.microsoft.com/office/powerpoint/2010/main" val="2564544783"/>
+        <p14:creationId xmlns:p14="http://schemas.microsoft.com/office/powerpoint/2010/main" val="1687308705"/>
       </p:ext>
     </p:extLst>
   </p:cSld>
   <p:clrMapOvr>
     <a:masterClrMapping/>
   </p:clrMapOvr>
-  <p:timing>
-    <p:tnLst>
-      <p:par>
-        <p:cTn id="1" dur="indefinite" restart="never" nodeType="tmRoot">
-          <p:childTnLst>
-            <p:seq concurrent="1" nextAc="seek">
-              <p:cTn id="2" dur="indefinite" nodeType="mainSeq">
-                <p:childTnLst>
-                  <p:par>
-                    <p:cTn id="3" fill="hold">
-                      <p:stCondLst>
-                        <p:cond delay="indefinite"/>
-                      </p:stCondLst>
-                      <p:childTnLst>
-                        <p:par>
-                          <p:cTn id="4" fill="hold">
-                            <p:stCondLst>
-                              <p:cond delay="0"/>
-                            </p:stCondLst>
-                            <p:childTnLst>
-                              <p:par>
-                                <p:cTn id="5" presetID="1" presetClass="entr" presetSubtype="0" fill="hold" grpId="0" nodeType="clickEffect">
-                                  <p:stCondLst>
-                                    <p:cond delay="0"/>
-                                  </p:stCondLst>
-                                  <p:childTnLst>
-                                    <p:set>
-                                      <p:cBhvr>
-                                        <p:cTn id="6" dur="1" fill="hold">
-                                          <p:stCondLst>
-                                            <p:cond delay="0"/>
-                                          </p:stCondLst>
-                                        </p:cTn>
-                                        <p:tgtEl>
-                                          <p:spTgt spid="4"/>
-                                        </p:tgtEl>
-                                        <p:attrNameLst>
-                                          <p:attrName>style.visibility</p:attrName>
-                                        </p:attrNameLst>
-                                      </p:cBhvr>
-                                      <p:to>
-                                        <p:strVal val="visible"/>
-                                      </p:to>
-                                    </p:set>
-                                  </p:childTnLst>
-                                </p:cTn>
-                              </p:par>
-                            </p:childTnLst>
-                          </p:cTn>
-                        </p:par>
-                      </p:childTnLst>
-                    </p:cTn>
-                  </p:par>
-                </p:childTnLst>
-              </p:cTn>
-              <p:prevCondLst>
-                <p:cond evt="onPrev" delay="0">
-                  <p:tgtEl>
-                    <p:sldTgt/>
-                  </p:tgtEl>
-                </p:cond>
-              </p:prevCondLst>
-              <p:nextCondLst>
-                <p:cond evt="onNext" delay="0">
-                  <p:tgtEl>
-                    <p:sldTgt/>
-                  </p:tgtEl>
-                </p:cond>
-              </p:nextCondLst>
-            </p:seq>
-          </p:childTnLst>
-        </p:cTn>
-      </p:par>
-    </p:tnLst>
-    <p:bldLst>
-      <p:bldP spid="4" grpId="0"/>
-    </p:bldLst>
-  </p:timing>
 </p:sld>
 </file>
 
@@ -7016,20 +9339,154 @@
           <a:p>
             <a:r>
               <a:rPr lang="zh-CN" altLang="en-US" dirty="0"/>
-              <a:t>状态值函数</a:t>
-            </a:r>
+              <a:t>总回报</a:t>
+            </a:r>
+          </a:p>
+        </p:txBody>
+      </p:sp>
+      <p:sp>
+        <p:nvSpPr>
+          <p:cNvPr id="5" name="内容占位符 4"/>
+          <p:cNvSpPr>
+            <a:spLocks noGrp="1"/>
+          </p:cNvSpPr>
+          <p:nvPr>
+            <p:ph sz="quarter" idx="1"/>
+          </p:nvPr>
+        </p:nvSpPr>
+        <p:spPr/>
+        <p:txBody>
+          <a:bodyPr/>
+          <a:lstStyle/>
+          <a:p>
+            <a:r>
+              <a:rPr lang="zh-CN" altLang="en-US" dirty="0"/>
+              <a:t> 给定策略</a:t>
+            </a:r>
+            <a:r>
+              <a:rPr lang="en-US" altLang="zh-CN" dirty="0"/>
+              <a:t>π(</a:t>
+            </a:r>
+            <a:r>
+              <a:rPr lang="en-US" altLang="zh-CN" dirty="0" err="1"/>
+              <a:t>a|s</a:t>
+            </a:r>
+            <a:r>
+              <a:rPr lang="en-US" altLang="zh-CN" dirty="0"/>
+              <a:t>)</a:t>
+            </a:r>
+            <a:r>
+              <a:rPr lang="zh-CN" altLang="en-US" dirty="0"/>
+              <a:t>，智能体和环境一次交互过程的轨迹</a:t>
+            </a:r>
+            <a:r>
+              <a:rPr lang="en-US" altLang="zh-CN" dirty="0"/>
+              <a:t>τ </a:t>
+            </a:r>
+            <a:r>
+              <a:rPr lang="zh-CN" altLang="en-US" dirty="0"/>
+              <a:t>所收到的累积</a:t>
+            </a:r>
+            <a:r>
+              <a:rPr lang="zh-CN" altLang="en-US" dirty="0" smtClean="0"/>
+              <a:t>奖励</a:t>
+            </a:r>
+            <a:r>
+              <a:rPr lang="zh-CN" altLang="en-US" dirty="0"/>
+              <a:t>为总回报（</a:t>
+            </a:r>
+            <a:r>
+              <a:rPr lang="en-US" altLang="zh-CN" dirty="0"/>
+              <a:t>return</a:t>
+            </a:r>
+            <a:r>
+              <a:rPr lang="zh-CN" altLang="en-US" dirty="0" smtClean="0"/>
+              <a:t>）</a:t>
+            </a:r>
+            <a:endParaRPr lang="en-US" altLang="zh-CN" dirty="0" smtClean="0"/>
+          </a:p>
+          <a:p>
+            <a:endParaRPr lang="en-US" altLang="zh-CN" dirty="0"/>
+          </a:p>
+          <a:p>
+            <a:endParaRPr lang="en-US" altLang="zh-CN" dirty="0" smtClean="0"/>
+          </a:p>
+          <a:p>
+            <a:endParaRPr lang="en-US" altLang="zh-CN" dirty="0"/>
+          </a:p>
+          <a:p>
+            <a:pPr lvl="1"/>
+            <a:r>
+              <a:rPr lang="en-US" altLang="zh-CN" dirty="0"/>
+              <a:t>γ ∈ [0,1]</a:t>
+            </a:r>
+            <a:r>
+              <a:rPr lang="zh-CN" altLang="en-US" dirty="0"/>
+              <a:t>是折扣率。当</a:t>
+            </a:r>
+            <a:r>
+              <a:rPr lang="en-US" altLang="zh-CN" dirty="0"/>
+              <a:t>γ</a:t>
+            </a:r>
+            <a:r>
+              <a:rPr lang="zh-CN" altLang="en-US" dirty="0"/>
+              <a:t>接近于</a:t>
+            </a:r>
+            <a:r>
+              <a:rPr lang="en-US" altLang="zh-CN" dirty="0"/>
+              <a:t>0</a:t>
+            </a:r>
+            <a:r>
+              <a:rPr lang="zh-CN" altLang="en-US" dirty="0"/>
+              <a:t>时，智能体更在意短期回报；而当</a:t>
+            </a:r>
+            <a:r>
+              <a:rPr lang="en-US" altLang="zh-CN" dirty="0"/>
+              <a:t>γ</a:t>
+            </a:r>
+            <a:r>
+              <a:rPr lang="zh-CN" altLang="en-US" dirty="0" smtClean="0"/>
+              <a:t>接近于</a:t>
+            </a:r>
+            <a:r>
+              <a:rPr lang="en-US" altLang="zh-CN" dirty="0"/>
+              <a:t>1</a:t>
+            </a:r>
+            <a:r>
+              <a:rPr lang="zh-CN" altLang="en-US" dirty="0"/>
+              <a:t>时，长期回报变得更重要。</a:t>
+            </a:r>
+            <a:endParaRPr lang="en-US" altLang="zh-CN" dirty="0" smtClean="0"/>
+          </a:p>
+          <a:p>
+            <a:pPr lvl="1"/>
+            <a:r>
+              <a:rPr lang="zh-CN" altLang="en-US" dirty="0" smtClean="0"/>
+              <a:t>环境</a:t>
+            </a:r>
+            <a:r>
+              <a:rPr lang="zh-CN" altLang="en-US" dirty="0"/>
+              <a:t>中有一个或多个特殊的终止状态（</a:t>
+            </a:r>
+            <a:r>
+              <a:rPr lang="en-US" altLang="zh-CN" dirty="0"/>
+              <a:t>terminal state</a:t>
+            </a:r>
+            <a:r>
+              <a:rPr lang="zh-CN" altLang="en-US" dirty="0" smtClean="0"/>
+              <a:t>）</a:t>
+            </a:r>
+            <a:endParaRPr lang="zh-CN" altLang="en-US" dirty="0"/>
           </a:p>
         </p:txBody>
       </p:sp>
       <p:pic>
         <p:nvPicPr>
-          <p:cNvPr id="4" name="内容占位符 3" descr="屏幕剪辑"/>
+          <p:cNvPr id="4" name="图片 3" descr="屏幕剪辑"/>
           <p:cNvPicPr>
-            <a:picLocks noGrp="1" noChangeAspect="1"/>
+            <a:picLocks noChangeAspect="1"/>
           </p:cNvPicPr>
-          <p:nvPr>
-            <p:ph sz="quarter" idx="1"/>
-          </p:nvPr>
+          <p:nvPr/>
         </p:nvPicPr>
         <p:blipFill>
           <a:blip r:embed="rId2">
@@ -7045,28 +9502,24 @@
         </p:blipFill>
         <p:spPr>
           <a:xfrm>
-            <a:off x="115732" y="2438400"/>
-            <a:ext cx="9028268" cy="3046576"/>
+            <a:off x="2667000" y="2971800"/>
+            <a:ext cx="2680459" cy="1110352"/>
           </a:xfrm>
+          <a:prstGeom prst="rect">
+            <a:avLst/>
+          </a:prstGeom>
         </p:spPr>
       </p:pic>
     </p:spTree>
     <p:extLst>
       <p:ext uri="{BB962C8B-B14F-4D97-AF65-F5344CB8AC3E}">
-        <p14:creationId xmlns:p14="http://schemas.microsoft.com/office/powerpoint/2010/main" val="4128160136"/>
+        <p14:creationId xmlns:p14="http://schemas.microsoft.com/office/powerpoint/2010/main" val="1358216132"/>
       </p:ext>
     </p:extLst>
   </p:cSld>
   <p:clrMapOvr>
     <a:masterClrMapping/>
   </p:clrMapOvr>
-  <p:timing>
-    <p:tnLst>
-      <p:par>
-        <p:cTn id="1" dur="indefinite" restart="never" nodeType="tmRoot"/>
-      </p:par>
-    </p:tnLst>
-  </p:timing>
 </p:sld>
 </file>
 
@@ -7089,7 +9542,7 @@
       </p:grpSpPr>
       <p:sp>
         <p:nvSpPr>
-          <p:cNvPr id="3" name="标题 2"/>
+          <p:cNvPr id="2" name="标题 1"/>
           <p:cNvSpPr>
             <a:spLocks noGrp="1"/>
           </p:cNvSpPr>
@@ -7104,14 +9557,14 @@
           <a:p>
             <a:r>
               <a:rPr lang="zh-CN" altLang="en-US" dirty="0"/>
-              <a:t>最优策略</a:t>
+              <a:t>强化学习目标函数</a:t>
             </a:r>
           </a:p>
         </p:txBody>
       </p:sp>
       <p:sp>
         <p:nvSpPr>
-          <p:cNvPr id="4" name="内容占位符 3"/>
+          <p:cNvPr id="5" name="内容占位符 4"/>
           <p:cNvSpPr>
             <a:spLocks noGrp="1"/>
           </p:cNvSpPr>
@@ -7125,87 +9578,77 @@
           <a:lstStyle/>
           <a:p>
             <a:r>
+              <a:rPr lang="zh-CN" altLang="en-US" dirty="0"/>
+              <a:t>强化学习的目标是学习到一个策略</a:t>
+            </a:r>
+            <a:r>
+              <a:rPr lang="el-GR" altLang="zh-CN" dirty="0" smtClean="0"/>
+              <a:t>π</a:t>
+            </a:r>
+            <a:r>
+              <a:rPr lang="el-GR" altLang="zh-CN" baseline="-25000" dirty="0" smtClean="0"/>
+              <a:t>θ</a:t>
+            </a:r>
+            <a:r>
+              <a:rPr lang="el-GR" altLang="zh-CN" dirty="0" smtClean="0"/>
+              <a:t>(</a:t>
+            </a:r>
+            <a:r>
+              <a:rPr lang="en-US" altLang="zh-CN" dirty="0" err="1"/>
+              <a:t>a|s</a:t>
+            </a:r>
+            <a:r>
+              <a:rPr lang="en-US" altLang="zh-CN" dirty="0" smtClean="0"/>
+              <a:t>)</a:t>
+            </a:r>
+            <a:r>
               <a:rPr lang="zh-CN" altLang="en-US" dirty="0" smtClean="0"/>
-              <a:t>最优策略：存在</a:t>
-            </a:r>
-            <a:r>
-              <a:rPr lang="zh-CN" altLang="en-US" dirty="0"/>
-              <a:t>一个最优的策略</a:t>
-            </a:r>
+              <a:t>来</a:t>
+            </a:r>
+            <a:r>
+              <a:rPr lang="zh-CN" altLang="en-US" dirty="0"/>
+              <a:t>最大化期望回报（</a:t>
+            </a:r>
+            <a:r>
+              <a:rPr lang="en-US" altLang="zh-CN" dirty="0"/>
+              <a:t>expected return</a:t>
+            </a:r>
+            <a:r>
+              <a:rPr lang="zh-CN" altLang="en-US" dirty="0" smtClean="0"/>
+              <a:t>）</a:t>
+            </a:r>
+            <a:endParaRPr lang="en-US" altLang="zh-CN" dirty="0" smtClean="0"/>
+          </a:p>
+          <a:p>
+            <a:endParaRPr lang="en-US" altLang="zh-CN" dirty="0"/>
+          </a:p>
+          <a:p>
+            <a:endParaRPr lang="en-US" altLang="zh-CN" dirty="0" smtClean="0"/>
+          </a:p>
+          <a:p>
+            <a:pPr lvl="1"/>
+            <a:endParaRPr lang="en-US" altLang="zh-CN" dirty="0" smtClean="0"/>
+          </a:p>
+          <a:p>
+            <a:pPr lvl="1"/>
             <a:r>
               <a:rPr lang="en-US" altLang="zh-CN" dirty="0" smtClean="0"/>
-              <a:t>π</a:t>
-            </a:r>
-            <a:r>
-              <a:rPr lang="en-US" altLang="zh-CN" baseline="-25000" dirty="0" smtClean="0"/>
-              <a:t>∗</a:t>
-            </a:r>
-            <a:r>
-              <a:rPr lang="en-US" altLang="zh-CN" dirty="0" smtClean="0"/>
-              <a:t> </a:t>
-            </a:r>
-            <a:r>
-              <a:rPr lang="zh-CN" altLang="en-US" dirty="0"/>
-              <a:t>，其在所有状态上的期望回报</a:t>
-            </a:r>
-            <a:r>
-              <a:rPr lang="zh-CN" altLang="en-US" dirty="0" smtClean="0"/>
-              <a:t>最大</a:t>
+              <a:t>θ</a:t>
+            </a:r>
+            <a:r>
+              <a:rPr lang="zh-CN" altLang="en-US" dirty="0"/>
+              <a:t>为策略函数的参数</a:t>
             </a:r>
             <a:endParaRPr lang="en-US" altLang="zh-CN" dirty="0" smtClean="0"/>
           </a:p>
           <a:p>
-            <a:endParaRPr lang="en-US" altLang="zh-CN" dirty="0"/>
-          </a:p>
-          <a:p>
-            <a:endParaRPr lang="en-US" altLang="zh-CN" dirty="0" smtClean="0"/>
-          </a:p>
-          <a:p>
-            <a:endParaRPr lang="en-US" altLang="zh-CN" dirty="0"/>
-          </a:p>
-          <a:p>
-            <a:r>
-              <a:rPr lang="zh-CN" altLang="en-US" dirty="0"/>
-              <a:t>状态</a:t>
-            </a:r>
-            <a:r>
-              <a:rPr lang="en-US" altLang="zh-CN" dirty="0"/>
-              <a:t>-</a:t>
-            </a:r>
-            <a:r>
-              <a:rPr lang="zh-CN" altLang="en-US" dirty="0"/>
-              <a:t>动作值函数：即初始状态为</a:t>
-            </a:r>
-            <a:r>
-              <a:rPr lang="en-US" altLang="zh-CN" dirty="0"/>
-              <a:t>s</a:t>
-            </a:r>
-            <a:r>
-              <a:rPr lang="zh-CN" altLang="en-US" dirty="0"/>
-              <a:t>，并执行动作</a:t>
-            </a:r>
-            <a:r>
-              <a:rPr lang="en-US" altLang="zh-CN" dirty="0"/>
-              <a:t>a</a:t>
-            </a:r>
-            <a:r>
-              <a:rPr lang="zh-CN" altLang="en-US" dirty="0"/>
-              <a:t>后的所能得到的期望总</a:t>
-            </a:r>
-            <a:r>
-              <a:rPr lang="zh-CN" altLang="en-US" dirty="0" smtClean="0"/>
-              <a:t>回报</a:t>
-            </a:r>
-            <a:r>
-              <a:rPr lang="zh-CN" altLang="en-US" dirty="0"/>
-              <a:t>。</a:t>
-            </a:r>
+            <a:endParaRPr lang="zh-CN" altLang="en-US" dirty="0"/>
           </a:p>
         </p:txBody>
       </p:sp>
       <p:pic>
         <p:nvPicPr>
-          <p:cNvPr id="5" name="图片 4" descr="屏幕剪辑"/>
+          <p:cNvPr id="3" name="图片 2" descr="屏幕剪辑"/>
           <p:cNvPicPr>
             <a:picLocks noChangeAspect="1"/>
           </p:cNvPicPr>
@@ -7225,38 +9668,8 @@
         </p:blipFill>
         <p:spPr>
           <a:xfrm>
-            <a:off x="2286000" y="2438400"/>
-            <a:ext cx="4127874" cy="1009695"/>
-          </a:xfrm>
-          <a:prstGeom prst="rect">
-            <a:avLst/>
-          </a:prstGeom>
-        </p:spPr>
-      </p:pic>
-      <p:pic>
-        <p:nvPicPr>
-          <p:cNvPr id="6" name="图片 5" descr="屏幕剪辑"/>
-          <p:cNvPicPr>
-            <a:picLocks noChangeAspect="1"/>
-          </p:cNvPicPr>
-          <p:nvPr/>
-        </p:nvPicPr>
-        <p:blipFill>
-          <a:blip r:embed="rId3">
-            <a:extLst>
-              <a:ext uri="{28A0092B-C50C-407E-A947-70E740481C1C}">
-                <a14:useLocalDpi xmlns:a14="http://schemas.microsoft.com/office/drawing/2010/main" val="0"/>
-              </a:ext>
-            </a:extLst>
-          </a:blip>
-          <a:stretch>
-            <a:fillRect/>
-          </a:stretch>
-        </p:blipFill>
-        <p:spPr>
-          <a:xfrm>
-            <a:off x="2667000" y="4924491"/>
-            <a:ext cx="4188075" cy="1215536"/>
+            <a:off x="1447800" y="2667000"/>
+            <a:ext cx="6336792" cy="914400"/>
           </a:xfrm>
           <a:prstGeom prst="rect">
             <a:avLst/>
@@ -7266,20 +9679,13 @@
     </p:spTree>
     <p:extLst>
       <p:ext uri="{BB962C8B-B14F-4D97-AF65-F5344CB8AC3E}">
-        <p14:creationId xmlns:p14="http://schemas.microsoft.com/office/powerpoint/2010/main" val="2000899218"/>
+        <p14:creationId xmlns:p14="http://schemas.microsoft.com/office/powerpoint/2010/main" val="1341945173"/>
       </p:ext>
     </p:extLst>
   </p:cSld>
   <p:clrMapOvr>
     <a:masterClrMapping/>
   </p:clrMapOvr>
-  <p:timing>
-    <p:tnLst>
-      <p:par>
-        <p:cTn id="1" dur="indefinite" restart="never" nodeType="tmRoot"/>
-      </p:par>
-    </p:tnLst>
-  </p:timing>
 </p:sld>
 </file>
 
@@ -7317,7 +9723,7 @@
           <a:p>
             <a:r>
               <a:rPr lang="zh-CN" altLang="en-US" dirty="0"/>
-              <a:t>强化学习算法</a:t>
+              <a:t>状态值函数</a:t>
             </a:r>
           </a:p>
         </p:txBody>
@@ -7339,158 +9745,126 @@
           <a:p>
             <a:r>
               <a:rPr lang="zh-CN" altLang="en-US" dirty="0"/>
-              <a:t>基于模型的强化学习</a:t>
-            </a:r>
+              <a:t>一个策略</a:t>
+            </a:r>
+            <a:r>
+              <a:rPr lang="en-US" altLang="zh-CN" dirty="0"/>
+              <a:t>π</a:t>
+            </a:r>
+            <a:r>
+              <a:rPr lang="zh-CN" altLang="en-US" dirty="0"/>
+              <a:t>期望回报可以分解为</a:t>
+            </a:r>
+            <a:endParaRPr lang="en-US" altLang="zh-CN" dirty="0" smtClean="0"/>
+          </a:p>
+          <a:p>
+            <a:endParaRPr lang="en-US" altLang="zh-CN" dirty="0"/>
+          </a:p>
+          <a:p>
+            <a:endParaRPr lang="en-US" altLang="zh-CN" dirty="0" smtClean="0"/>
+          </a:p>
+          <a:p>
+            <a:endParaRPr lang="en-US" altLang="zh-CN" dirty="0"/>
+          </a:p>
+          <a:p>
+            <a:endParaRPr lang="en-US" altLang="zh-CN" dirty="0" smtClean="0"/>
+          </a:p>
+          <a:p>
             <a:r>
               <a:rPr lang="zh-CN" altLang="en-US" dirty="0" smtClean="0"/>
-              <a:t>算法</a:t>
-            </a:r>
-            <a:endParaRPr lang="en-US" altLang="zh-CN" dirty="0" smtClean="0"/>
-          </a:p>
-          <a:p>
-            <a:pPr lvl="1"/>
-            <a:r>
-              <a:rPr lang="zh-CN" altLang="en-US" dirty="0" smtClean="0"/>
-              <a:t>基于</a:t>
-            </a:r>
-            <a:r>
-              <a:rPr lang="en-US" altLang="zh-CN" dirty="0" smtClean="0"/>
-              <a:t>MDP</a:t>
-            </a:r>
-            <a:r>
-              <a:rPr lang="zh-CN" altLang="en-US" dirty="0"/>
-              <a:t>过程：状态转移概率</a:t>
-            </a:r>
-            <a:r>
-              <a:rPr lang="en-US" altLang="zh-CN" dirty="0" smtClean="0"/>
-              <a:t>p(s</a:t>
-            </a:r>
-            <a:r>
-              <a:rPr lang="en-US" altLang="zh-CN" dirty="0" smtClean="0">
-                <a:latin typeface="Arial" panose="020B0604020202020204" pitchFamily="34" charset="0"/>
-                <a:cs typeface="Arial" panose="020B0604020202020204" pitchFamily="34" charset="0"/>
-              </a:rPr>
-              <a:t>’</a:t>
-            </a:r>
-            <a:r>
-              <a:rPr lang="en-US" altLang="zh-CN" dirty="0" smtClean="0"/>
-              <a:t>|</a:t>
-            </a:r>
-            <a:r>
-              <a:rPr lang="en-US" altLang="zh-CN" dirty="0" err="1" smtClean="0"/>
-              <a:t>s,a</a:t>
+              <a:t>值</a:t>
+            </a:r>
+            <a:r>
+              <a:rPr lang="zh-CN" altLang="en-US" dirty="0"/>
+              <a:t>函数：从状态</a:t>
             </a:r>
             <a:r>
               <a:rPr lang="en-US" altLang="zh-CN" dirty="0"/>
-              <a:t>)</a:t>
-            </a:r>
-            <a:r>
-              <a:rPr lang="zh-CN" altLang="en-US" dirty="0"/>
-              <a:t>和奖励</a:t>
-            </a:r>
-            <a:r>
-              <a:rPr lang="zh-CN" altLang="en-US" dirty="0" smtClean="0"/>
-              <a:t>函数</a:t>
-            </a:r>
-            <a:r>
-              <a:rPr lang="en-US" altLang="zh-CN" dirty="0"/>
-              <a:t>R(</a:t>
-            </a:r>
-            <a:r>
-              <a:rPr lang="en-US" altLang="zh-CN" dirty="0" err="1"/>
-              <a:t>s,a,s</a:t>
-            </a:r>
-            <a:r>
-              <a:rPr lang="en-US" altLang="zh-CN" dirty="0"/>
-              <a:t> </a:t>
-            </a:r>
-            <a:r>
-              <a:rPr lang="en-US" altLang="zh-CN" dirty="0">
-                <a:latin typeface="Arial" panose="020B0604020202020204" pitchFamily="34" charset="0"/>
-                <a:cs typeface="Arial" panose="020B0604020202020204" pitchFamily="34" charset="0"/>
-              </a:rPr>
-              <a:t>’</a:t>
-            </a:r>
-            <a:r>
-              <a:rPr lang="en-US" altLang="zh-CN" dirty="0" smtClean="0"/>
-              <a:t> )</a:t>
-            </a:r>
-          </a:p>
-          <a:p>
-            <a:pPr lvl="1"/>
-            <a:r>
-              <a:rPr lang="zh-CN" altLang="en-US" dirty="0" smtClean="0"/>
-              <a:t>策略迭代</a:t>
-            </a:r>
-            <a:endParaRPr lang="en-US" altLang="zh-CN" dirty="0" smtClean="0"/>
-          </a:p>
-          <a:p>
-            <a:pPr lvl="1"/>
-            <a:r>
-              <a:rPr lang="zh-CN" altLang="en-US" dirty="0"/>
-              <a:t>值</a:t>
-            </a:r>
-            <a:r>
-              <a:rPr lang="zh-CN" altLang="en-US" dirty="0" smtClean="0"/>
-              <a:t>迭代</a:t>
-            </a:r>
-            <a:endParaRPr lang="en-US" altLang="zh-CN" dirty="0" smtClean="0"/>
-          </a:p>
-          <a:p>
+              <a:t>s</a:t>
+            </a:r>
+            <a:r>
+              <a:rPr lang="zh-CN" altLang="en-US" dirty="0"/>
+              <a:t>开始，执行策略</a:t>
+            </a:r>
+            <a:r>
+              <a:rPr lang="el-GR" altLang="zh-CN" dirty="0"/>
+              <a:t>π</a:t>
+            </a:r>
+            <a:r>
+              <a:rPr lang="zh-CN" altLang="en-US" dirty="0"/>
+              <a:t>得到的期望总回报</a:t>
+            </a:r>
             <a:endParaRPr lang="en-US" altLang="zh-CN" dirty="0"/>
           </a:p>
           <a:p>
-            <a:r>
-              <a:rPr lang="zh-CN" altLang="en-US" dirty="0"/>
-              <a:t>模型无关的强化</a:t>
-            </a:r>
-            <a:r>
-              <a:rPr lang="zh-CN" altLang="en-US" dirty="0" smtClean="0"/>
-              <a:t>学习</a:t>
-            </a:r>
-            <a:endParaRPr lang="en-US" altLang="zh-CN" dirty="0" smtClean="0"/>
-          </a:p>
-          <a:p>
-            <a:pPr lvl="1"/>
-            <a:r>
-              <a:rPr lang="zh-CN" altLang="en-US" dirty="0" smtClean="0"/>
-              <a:t>无</a:t>
-            </a:r>
-            <a:r>
-              <a:rPr lang="en-US" altLang="zh-CN" dirty="0" smtClean="0"/>
-              <a:t>MDP</a:t>
-            </a:r>
-            <a:r>
-              <a:rPr lang="zh-CN" altLang="en-US" dirty="0" smtClean="0"/>
-              <a:t>过程</a:t>
-            </a:r>
-            <a:endParaRPr lang="en-US" altLang="zh-CN" dirty="0" smtClean="0"/>
-          </a:p>
-          <a:p>
-            <a:pPr lvl="1"/>
-            <a:r>
-              <a:rPr lang="zh-CN" altLang="en-US" dirty="0"/>
-              <a:t>蒙特卡罗采样</a:t>
-            </a:r>
-            <a:r>
-              <a:rPr lang="zh-CN" altLang="en-US" dirty="0" smtClean="0"/>
-              <a:t>方法</a:t>
-            </a:r>
-            <a:endParaRPr lang="en-US" altLang="zh-CN" dirty="0" smtClean="0"/>
-          </a:p>
-          <a:p>
-            <a:pPr lvl="1"/>
-            <a:r>
-              <a:rPr lang="zh-CN" altLang="en-US" dirty="0"/>
-              <a:t>时序差分学习</a:t>
-            </a:r>
+            <a:endParaRPr lang="zh-CN" altLang="en-US" dirty="0"/>
           </a:p>
         </p:txBody>
       </p:sp>
+      <p:pic>
+        <p:nvPicPr>
+          <p:cNvPr id="4" name="图片 3" descr="屏幕剪辑"/>
+          <p:cNvPicPr>
+            <a:picLocks noChangeAspect="1"/>
+          </p:cNvPicPr>
+          <p:nvPr/>
+        </p:nvPicPr>
+        <p:blipFill>
+          <a:blip r:embed="rId2">
+            <a:extLst>
+              <a:ext uri="{28A0092B-C50C-407E-A947-70E740481C1C}">
+                <a14:useLocalDpi xmlns:a14="http://schemas.microsoft.com/office/drawing/2010/main" val="0"/>
+              </a:ext>
+            </a:extLst>
+          </a:blip>
+          <a:stretch>
+            <a:fillRect/>
+          </a:stretch>
+        </p:blipFill>
+        <p:spPr>
+          <a:xfrm>
+            <a:off x="1295400" y="2133600"/>
+            <a:ext cx="6364441" cy="1447800"/>
+          </a:xfrm>
+          <a:prstGeom prst="rect">
+            <a:avLst/>
+          </a:prstGeom>
+        </p:spPr>
+      </p:pic>
+      <p:pic>
+        <p:nvPicPr>
+          <p:cNvPr id="5" name="图片 4" descr="屏幕剪辑"/>
+          <p:cNvPicPr>
+            <a:picLocks noChangeAspect="1"/>
+          </p:cNvPicPr>
+          <p:nvPr/>
+        </p:nvPicPr>
+        <p:blipFill>
+          <a:blip r:embed="rId3">
+            <a:extLst>
+              <a:ext uri="{28A0092B-C50C-407E-A947-70E740481C1C}">
+                <a14:useLocalDpi xmlns:a14="http://schemas.microsoft.com/office/drawing/2010/main" val="0"/>
+              </a:ext>
+            </a:extLst>
+          </a:blip>
+          <a:stretch>
+            <a:fillRect/>
+          </a:stretch>
+        </p:blipFill>
+        <p:spPr>
+          <a:xfrm>
+            <a:off x="2286000" y="5181600"/>
+            <a:ext cx="3995420" cy="838200"/>
+          </a:xfrm>
+          <a:prstGeom prst="rect">
+            <a:avLst/>
+          </a:prstGeom>
+        </p:spPr>
+      </p:pic>
     </p:spTree>
     <p:extLst>
       <p:ext uri="{BB962C8B-B14F-4D97-AF65-F5344CB8AC3E}">
-        <p14:creationId xmlns:p14="http://schemas.microsoft.com/office/powerpoint/2010/main" val="166688117"/>
+        <p14:creationId xmlns:p14="http://schemas.microsoft.com/office/powerpoint/2010/main" val="2849992159"/>
       </p:ext>
     </p:extLst>
   </p:cSld>
